--- a/Capstone Project 2.pptx
+++ b/Capstone Project 2.pptx
@@ -2,13 +2,22 @@
 <file path=ppt/presentation.xml><?xml version="1.0" encoding="utf-8"?>
 <p:presentation xmlns:a="http://schemas.openxmlformats.org/drawingml/2006/main" xmlns:r="http://schemas.openxmlformats.org/officeDocument/2006/relationships" xmlns:p="http://schemas.openxmlformats.org/presentationml/2006/main" saveSubsetFonts="1">
   <p:sldMasterIdLst>
-    <p:sldMasterId id="2147483648" r:id="rId1"/>
+    <p:sldMasterId id="2147483660" r:id="rId1"/>
   </p:sldMasterIdLst>
   <p:sldIdLst>
-    <p:sldId id="256" r:id="rId2"/>
-    <p:sldId id="257" r:id="rId3"/>
-    <p:sldId id="258" r:id="rId4"/>
-    <p:sldId id="259" r:id="rId5"/>
+    <p:sldId id="271" r:id="rId2"/>
+    <p:sldId id="272" r:id="rId3"/>
+    <p:sldId id="260" r:id="rId4"/>
+    <p:sldId id="270" r:id="rId5"/>
+    <p:sldId id="277" r:id="rId6"/>
+    <p:sldId id="273" r:id="rId7"/>
+    <p:sldId id="275" r:id="rId8"/>
+    <p:sldId id="276" r:id="rId9"/>
+    <p:sldId id="278" r:id="rId10"/>
+    <p:sldId id="282" r:id="rId11"/>
+    <p:sldId id="280" r:id="rId12"/>
+    <p:sldId id="281" r:id="rId13"/>
+    <p:sldId id="269" r:id="rId14"/>
   </p:sldIdLst>
   <p:sldSz cx="12192000" cy="6858000"/>
   <p:notesSz cx="6858000" cy="9144000"/>
@@ -16,7 +25,7 @@
     <a:defPPr>
       <a:defRPr lang="en-US"/>
     </a:defPPr>
-    <a:lvl1pPr marL="0" algn="l" defTabSz="914400" rtl="0" eaLnBrk="1" latinLnBrk="0" hangingPunct="1">
+    <a:lvl1pPr marL="0" algn="l" defTabSz="457200" rtl="0" eaLnBrk="1" latinLnBrk="0" hangingPunct="1">
       <a:defRPr sz="1800" kern="1200">
         <a:solidFill>
           <a:schemeClr val="tx1"/>
@@ -26,7 +35,7 @@
         <a:cs typeface="+mn-cs"/>
       </a:defRPr>
     </a:lvl1pPr>
-    <a:lvl2pPr marL="457200" algn="l" defTabSz="914400" rtl="0" eaLnBrk="1" latinLnBrk="0" hangingPunct="1">
+    <a:lvl2pPr marL="457200" algn="l" defTabSz="457200" rtl="0" eaLnBrk="1" latinLnBrk="0" hangingPunct="1">
       <a:defRPr sz="1800" kern="1200">
         <a:solidFill>
           <a:schemeClr val="tx1"/>
@@ -36,7 +45,7 @@
         <a:cs typeface="+mn-cs"/>
       </a:defRPr>
     </a:lvl2pPr>
-    <a:lvl3pPr marL="914400" algn="l" defTabSz="914400" rtl="0" eaLnBrk="1" latinLnBrk="0" hangingPunct="1">
+    <a:lvl3pPr marL="914400" algn="l" defTabSz="457200" rtl="0" eaLnBrk="1" latinLnBrk="0" hangingPunct="1">
       <a:defRPr sz="1800" kern="1200">
         <a:solidFill>
           <a:schemeClr val="tx1"/>
@@ -46,7 +55,7 @@
         <a:cs typeface="+mn-cs"/>
       </a:defRPr>
     </a:lvl3pPr>
-    <a:lvl4pPr marL="1371600" algn="l" defTabSz="914400" rtl="0" eaLnBrk="1" latinLnBrk="0" hangingPunct="1">
+    <a:lvl4pPr marL="1371600" algn="l" defTabSz="457200" rtl="0" eaLnBrk="1" latinLnBrk="0" hangingPunct="1">
       <a:defRPr sz="1800" kern="1200">
         <a:solidFill>
           <a:schemeClr val="tx1"/>
@@ -56,7 +65,7 @@
         <a:cs typeface="+mn-cs"/>
       </a:defRPr>
     </a:lvl4pPr>
-    <a:lvl5pPr marL="1828800" algn="l" defTabSz="914400" rtl="0" eaLnBrk="1" latinLnBrk="0" hangingPunct="1">
+    <a:lvl5pPr marL="1828800" algn="l" defTabSz="457200" rtl="0" eaLnBrk="1" latinLnBrk="0" hangingPunct="1">
       <a:defRPr sz="1800" kern="1200">
         <a:solidFill>
           <a:schemeClr val="tx1"/>
@@ -66,7 +75,7 @@
         <a:cs typeface="+mn-cs"/>
       </a:defRPr>
     </a:lvl5pPr>
-    <a:lvl6pPr marL="2286000" algn="l" defTabSz="914400" rtl="0" eaLnBrk="1" latinLnBrk="0" hangingPunct="1">
+    <a:lvl6pPr marL="2286000" algn="l" defTabSz="457200" rtl="0" eaLnBrk="1" latinLnBrk="0" hangingPunct="1">
       <a:defRPr sz="1800" kern="1200">
         <a:solidFill>
           <a:schemeClr val="tx1"/>
@@ -76,7 +85,7 @@
         <a:cs typeface="+mn-cs"/>
       </a:defRPr>
     </a:lvl6pPr>
-    <a:lvl7pPr marL="2743200" algn="l" defTabSz="914400" rtl="0" eaLnBrk="1" latinLnBrk="0" hangingPunct="1">
+    <a:lvl7pPr marL="2743200" algn="l" defTabSz="457200" rtl="0" eaLnBrk="1" latinLnBrk="0" hangingPunct="1">
       <a:defRPr sz="1800" kern="1200">
         <a:solidFill>
           <a:schemeClr val="tx1"/>
@@ -86,7 +95,7 @@
         <a:cs typeface="+mn-cs"/>
       </a:defRPr>
     </a:lvl7pPr>
-    <a:lvl8pPr marL="3200400" algn="l" defTabSz="914400" rtl="0" eaLnBrk="1" latinLnBrk="0" hangingPunct="1">
+    <a:lvl8pPr marL="3200400" algn="l" defTabSz="457200" rtl="0" eaLnBrk="1" latinLnBrk="0" hangingPunct="1">
       <a:defRPr sz="1800" kern="1200">
         <a:solidFill>
           <a:schemeClr val="tx1"/>
@@ -96,7 +105,7 @@
         <a:cs typeface="+mn-cs"/>
       </a:defRPr>
     </a:lvl8pPr>
-    <a:lvl9pPr marL="3657600" algn="l" defTabSz="914400" rtl="0" eaLnBrk="1" latinLnBrk="0" hangingPunct="1">
+    <a:lvl9pPr marL="3657600" algn="l" defTabSz="457200" rtl="0" eaLnBrk="1" latinLnBrk="0" hangingPunct="1">
       <a:defRPr sz="1800" kern="1200">
         <a:solidFill>
           <a:schemeClr val="tx1"/>
@@ -107,11 +116,16 @@
       </a:defRPr>
     </a:lvl9pPr>
   </p:defaultTextStyle>
+  <p:extLst>
+    <p:ext uri="{EFAFB233-063F-42B5-8137-9DF3F51BA10A}">
+      <p15:sldGuideLst xmlns:p15="http://schemas.microsoft.com/office/powerpoint/2012/main"/>
+    </p:ext>
+  </p:extLst>
 </p:presentation>
 </file>
 
 <file path=ppt/slideLayouts/slideLayout1.xml><?xml version="1.0" encoding="utf-8"?>
-<p:sldLayout xmlns:a="http://schemas.openxmlformats.org/drawingml/2006/main" xmlns:r="http://schemas.openxmlformats.org/officeDocument/2006/relationships" xmlns:p="http://schemas.openxmlformats.org/presentationml/2006/main" type="title" preserve="1">
+<p:sldLayout xmlns:a="http://schemas.openxmlformats.org/drawingml/2006/main" xmlns:r="http://schemas.openxmlformats.org/officeDocument/2006/relationships" xmlns:p="http://schemas.openxmlformats.org/presentationml/2006/main" showMasterSp="0" type="title" preserve="1">
   <p:cSld name="Title Slide">
     <p:spTree>
       <p:nvGrpSpPr>
@@ -129,31 +143,113 @@
       </p:grpSpPr>
       <p:sp>
         <p:nvSpPr>
-          <p:cNvPr id="2" name="Title 1">
-            <a:extLst>
-              <a:ext uri="{FF2B5EF4-FFF2-40B4-BE49-F238E27FC236}">
-                <a16:creationId xmlns:a16="http://schemas.microsoft.com/office/drawing/2014/main" id="{EA385CAF-16F0-47D3-BCE9-2F4A08ABAB81}"/>
-              </a:ext>
-            </a:extLst>
-          </p:cNvPr>
-          <p:cNvSpPr>
-            <a:spLocks noGrp="1"/>
-          </p:cNvSpPr>
-          <p:nvPr>
-            <p:ph type="ctrTitle"/>
-          </p:nvPr>
+          <p:cNvPr id="7" name="Rectangle 6"/>
+          <p:cNvSpPr/>
+          <p:nvPr/>
         </p:nvSpPr>
         <p:spPr>
           <a:xfrm>
-            <a:off x="1524000" y="1122363"/>
-            <a:ext cx="9144000" cy="2387600"/>
+            <a:off x="3175" y="6400800"/>
+            <a:ext cx="12188825" cy="457200"/>
+          </a:xfrm>
+          <a:prstGeom prst="rect">
+            <a:avLst/>
+          </a:prstGeom>
+          <a:solidFill>
+            <a:schemeClr val="accent2"/>
+          </a:solidFill>
+          <a:ln>
+            <a:noFill/>
+          </a:ln>
+        </p:spPr>
+        <p:style>
+          <a:lnRef idx="2">
+            <a:schemeClr val="accent1">
+              <a:shade val="50000"/>
+            </a:schemeClr>
+          </a:lnRef>
+          <a:fillRef idx="1">
+            <a:schemeClr val="accent1"/>
+          </a:fillRef>
+          <a:effectRef idx="0">
+            <a:schemeClr val="accent1"/>
+          </a:effectRef>
+          <a:fontRef idx="minor">
+            <a:schemeClr val="lt1"/>
+          </a:fontRef>
+        </p:style>
+      </p:sp>
+      <p:sp>
+        <p:nvSpPr>
+          <p:cNvPr id="8" name="Rectangle 7"/>
+          <p:cNvSpPr/>
+          <p:nvPr/>
+        </p:nvSpPr>
+        <p:spPr>
+          <a:xfrm>
+            <a:off x="15" y="6334316"/>
+            <a:ext cx="12188825" cy="64008"/>
+          </a:xfrm>
+          <a:prstGeom prst="rect">
+            <a:avLst/>
+          </a:prstGeom>
+          <a:solidFill>
+            <a:schemeClr val="accent1"/>
+          </a:solidFill>
+          <a:ln>
+            <a:noFill/>
+          </a:ln>
+        </p:spPr>
+        <p:style>
+          <a:lnRef idx="2">
+            <a:schemeClr val="accent1">
+              <a:shade val="50000"/>
+            </a:schemeClr>
+          </a:lnRef>
+          <a:fillRef idx="1">
+            <a:schemeClr val="accent1"/>
+          </a:fillRef>
+          <a:effectRef idx="0">
+            <a:schemeClr val="accent1"/>
+          </a:effectRef>
+          <a:fontRef idx="minor">
+            <a:schemeClr val="lt1"/>
+          </a:fontRef>
+        </p:style>
+      </p:sp>
+      <p:sp>
+        <p:nvSpPr>
+          <p:cNvPr id="2" name="Title 1"/>
+          <p:cNvSpPr>
+            <a:spLocks noGrp="1"/>
+          </p:cNvSpPr>
+          <p:nvPr>
+            <p:ph type="ctrTitle"/>
+          </p:nvPr>
+        </p:nvSpPr>
+        <p:spPr>
+          <a:xfrm>
+            <a:off x="1097280" y="758952"/>
+            <a:ext cx="10058400" cy="3566160"/>
           </a:xfrm>
         </p:spPr>
         <p:txBody>
-          <a:bodyPr anchor="b"/>
+          <a:bodyPr anchor="b">
+            <a:normAutofit/>
+          </a:bodyPr>
           <a:lstStyle>
-            <a:lvl1pPr algn="ctr">
-              <a:defRPr sz="6000"/>
+            <a:lvl1pPr algn="l">
+              <a:lnSpc>
+                <a:spcPct val="85000"/>
+              </a:lnSpc>
+              <a:defRPr sz="8000" spc="-50" baseline="0">
+                <a:solidFill>
+                  <a:schemeClr val="tx1">
+                    <a:lumMod val="85000"/>
+                    <a:lumOff val="15000"/>
+                  </a:schemeClr>
+                </a:solidFill>
+              </a:defRPr>
             </a:lvl1pPr>
           </a:lstStyle>
           <a:p>
@@ -161,19 +257,13 @@
               <a:rPr lang="en-US"/>
               <a:t>Click to edit Master title style</a:t>
             </a:r>
-            <a:endParaRPr lang="en-IN"/>
-          </a:p>
-        </p:txBody>
-      </p:sp>
-      <p:sp>
-        <p:nvSpPr>
-          <p:cNvPr id="3" name="Subtitle 2">
-            <a:extLst>
-              <a:ext uri="{FF2B5EF4-FFF2-40B4-BE49-F238E27FC236}">
-                <a16:creationId xmlns:a16="http://schemas.microsoft.com/office/drawing/2014/main" id="{A39048E7-79D3-43C7-B1F2-E199B3BC2C3A}"/>
-              </a:ext>
-            </a:extLst>
-          </p:cNvPr>
+            <a:endParaRPr lang="en-US" dirty="0"/>
+          </a:p>
+        </p:txBody>
+      </p:sp>
+      <p:sp>
+        <p:nvSpPr>
+          <p:cNvPr id="3" name="Subtitle 2"/>
           <p:cNvSpPr>
             <a:spLocks noGrp="1"/>
           </p:cNvSpPr>
@@ -183,48 +273,55 @@
         </p:nvSpPr>
         <p:spPr>
           <a:xfrm>
-            <a:off x="1524000" y="3602038"/>
-            <a:ext cx="9144000" cy="1655762"/>
+            <a:off x="1100051" y="4455620"/>
+            <a:ext cx="10058400" cy="1143000"/>
           </a:xfrm>
         </p:spPr>
         <p:txBody>
-          <a:bodyPr/>
+          <a:bodyPr lIns="91440" rIns="91440">
+            <a:normAutofit/>
+          </a:bodyPr>
           <a:lstStyle>
-            <a:lvl1pPr marL="0" indent="0" algn="ctr">
-              <a:buNone/>
-              <a:defRPr sz="2400"/>
+            <a:lvl1pPr marL="0" indent="0" algn="l">
+              <a:buNone/>
+              <a:defRPr sz="2400" cap="all" spc="200" baseline="0">
+                <a:solidFill>
+                  <a:schemeClr val="tx2"/>
+                </a:solidFill>
+                <a:latin typeface="+mj-lt"/>
+              </a:defRPr>
             </a:lvl1pPr>
             <a:lvl2pPr marL="457200" indent="0" algn="ctr">
               <a:buNone/>
-              <a:defRPr sz="2000"/>
+              <a:defRPr sz="2400"/>
             </a:lvl2pPr>
             <a:lvl3pPr marL="914400" indent="0" algn="ctr">
               <a:buNone/>
-              <a:defRPr sz="1800"/>
+              <a:defRPr sz="2400"/>
             </a:lvl3pPr>
             <a:lvl4pPr marL="1371600" indent="0" algn="ctr">
               <a:buNone/>
-              <a:defRPr sz="1600"/>
+              <a:defRPr sz="2000"/>
             </a:lvl4pPr>
             <a:lvl5pPr marL="1828800" indent="0" algn="ctr">
               <a:buNone/>
-              <a:defRPr sz="1600"/>
+              <a:defRPr sz="2000"/>
             </a:lvl5pPr>
             <a:lvl6pPr marL="2286000" indent="0" algn="ctr">
               <a:buNone/>
-              <a:defRPr sz="1600"/>
+              <a:defRPr sz="2000"/>
             </a:lvl6pPr>
             <a:lvl7pPr marL="2743200" indent="0" algn="ctr">
               <a:buNone/>
-              <a:defRPr sz="1600"/>
+              <a:defRPr sz="2000"/>
             </a:lvl7pPr>
             <a:lvl8pPr marL="3200400" indent="0" algn="ctr">
               <a:buNone/>
-              <a:defRPr sz="1600"/>
+              <a:defRPr sz="2000"/>
             </a:lvl8pPr>
             <a:lvl9pPr marL="3657600" indent="0" algn="ctr">
               <a:buNone/>
-              <a:defRPr sz="1600"/>
+              <a:defRPr sz="2000"/>
             </a:lvl9pPr>
           </a:lstStyle>
           <a:p>
@@ -232,19 +329,13 @@
               <a:rPr lang="en-US"/>
               <a:t>Click to edit Master subtitle style</a:t>
             </a:r>
-            <a:endParaRPr lang="en-IN"/>
-          </a:p>
-        </p:txBody>
-      </p:sp>
-      <p:sp>
-        <p:nvSpPr>
-          <p:cNvPr id="4" name="Date Placeholder 3">
-            <a:extLst>
-              <a:ext uri="{FF2B5EF4-FFF2-40B4-BE49-F238E27FC236}">
-                <a16:creationId xmlns:a16="http://schemas.microsoft.com/office/drawing/2014/main" id="{F559B941-2A14-421E-818B-2034B50D3A0E}"/>
-              </a:ext>
-            </a:extLst>
-          </p:cNvPr>
+            <a:endParaRPr lang="en-US" dirty="0"/>
+          </a:p>
+        </p:txBody>
+      </p:sp>
+      <p:sp>
+        <p:nvSpPr>
+          <p:cNvPr id="4" name="Date Placeholder 3"/>
           <p:cNvSpPr>
             <a:spLocks noGrp="1"/>
           </p:cNvSpPr>
@@ -257,23 +348,17 @@
           <a:bodyPr/>
           <a:lstStyle/>
           <a:p>
-            <a:fld id="{80D9230E-80DB-4F7B-BAEB-06D1BFD77493}" type="datetimeFigureOut">
-              <a:rPr lang="en-IN" smtClean="0"/>
-              <a:t>05-01-2021</a:t>
+            <a:fld id="{737F1531-2477-4CED-A5BC-E3388EBB2988}" type="datetimeFigureOut">
+              <a:rPr lang="en-US" smtClean="0"/>
+              <a:t>1/7/2021</a:t>
             </a:fld>
-            <a:endParaRPr lang="en-IN"/>
-          </a:p>
-        </p:txBody>
-      </p:sp>
-      <p:sp>
-        <p:nvSpPr>
-          <p:cNvPr id="5" name="Footer Placeholder 4">
-            <a:extLst>
-              <a:ext uri="{FF2B5EF4-FFF2-40B4-BE49-F238E27FC236}">
-                <a16:creationId xmlns:a16="http://schemas.microsoft.com/office/drawing/2014/main" id="{3F6306E8-1AE9-4E47-8D29-0400D4EB3432}"/>
-              </a:ext>
-            </a:extLst>
-          </p:cNvPr>
+            <a:endParaRPr lang="en-US" dirty="0"/>
+          </a:p>
+        </p:txBody>
+      </p:sp>
+      <p:sp>
+        <p:nvSpPr>
+          <p:cNvPr id="5" name="Footer Placeholder 4"/>
           <p:cNvSpPr>
             <a:spLocks noGrp="1"/>
           </p:cNvSpPr>
@@ -286,19 +371,13 @@
           <a:bodyPr/>
           <a:lstStyle/>
           <a:p>
-            <a:endParaRPr lang="en-IN"/>
-          </a:p>
-        </p:txBody>
-      </p:sp>
-      <p:sp>
-        <p:nvSpPr>
-          <p:cNvPr id="6" name="Slide Number Placeholder 5">
-            <a:extLst>
-              <a:ext uri="{FF2B5EF4-FFF2-40B4-BE49-F238E27FC236}">
-                <a16:creationId xmlns:a16="http://schemas.microsoft.com/office/drawing/2014/main" id="{7E3AE678-28BF-42B9-B86F-30A2D22B35FA}"/>
-              </a:ext>
-            </a:extLst>
-          </p:cNvPr>
+            <a:endParaRPr lang="en-US" dirty="0"/>
+          </a:p>
+        </p:txBody>
+      </p:sp>
+      <p:sp>
+        <p:nvSpPr>
+          <p:cNvPr id="6" name="Slide Number Placeholder 5"/>
           <p:cNvSpPr>
             <a:spLocks noGrp="1"/>
           </p:cNvSpPr>
@@ -311,18 +390,56 @@
           <a:bodyPr/>
           <a:lstStyle/>
           <a:p>
-            <a:fld id="{A4B7F553-2167-4149-A7C8-488EED6FAA5F}" type="slidenum">
-              <a:rPr lang="en-IN" smtClean="0"/>
+            <a:fld id="{E76D3A98-F3BA-4969-A9AE-395C259084C7}" type="slidenum">
+              <a:rPr lang="en-US" smtClean="0"/>
               <a:t>‹#›</a:t>
             </a:fld>
-            <a:endParaRPr lang="en-IN"/>
-          </a:p>
-        </p:txBody>
-      </p:sp>
+            <a:endParaRPr lang="en-US" dirty="0"/>
+          </a:p>
+        </p:txBody>
+      </p:sp>
+      <p:cxnSp>
+        <p:nvCxnSpPr>
+          <p:cNvPr id="9" name="Straight Connector 8"/>
+          <p:cNvCxnSpPr/>
+          <p:nvPr/>
+        </p:nvCxnSpPr>
+        <p:spPr>
+          <a:xfrm>
+            <a:off x="1207658" y="4343400"/>
+            <a:ext cx="9875520" cy="0"/>
+          </a:xfrm>
+          <a:prstGeom prst="line">
+            <a:avLst/>
+          </a:prstGeom>
+          <a:ln w="6350">
+            <a:solidFill>
+              <a:schemeClr val="tx1">
+                <a:lumMod val="50000"/>
+                <a:lumOff val="50000"/>
+              </a:schemeClr>
+            </a:solidFill>
+          </a:ln>
+        </p:spPr>
+        <p:style>
+          <a:lnRef idx="1">
+            <a:schemeClr val="accent1"/>
+          </a:lnRef>
+          <a:fillRef idx="0">
+            <a:schemeClr val="accent1"/>
+          </a:fillRef>
+          <a:effectRef idx="0">
+            <a:schemeClr val="accent1"/>
+          </a:effectRef>
+          <a:fontRef idx="minor">
+            <a:schemeClr val="tx1"/>
+          </a:fontRef>
+        </p:style>
+      </p:cxnSp>
     </p:spTree>
     <p:extLst>
       <p:ext uri="{BB962C8B-B14F-4D97-AF65-F5344CB8AC3E}">
-        <p14:creationId xmlns:p14="http://schemas.microsoft.com/office/powerpoint/2010/main" val="1721325972"/>
+        <p14:creationId xmlns:p14="http://schemas.microsoft.com/office/powerpoint/2010/main" val="3378514920"/>
       </p:ext>
     </p:extLst>
   </p:cSld>
@@ -351,13 +468,7 @@
       </p:grpSpPr>
       <p:sp>
         <p:nvSpPr>
-          <p:cNvPr id="2" name="Title 1">
-            <a:extLst>
-              <a:ext uri="{FF2B5EF4-FFF2-40B4-BE49-F238E27FC236}">
-                <a16:creationId xmlns:a16="http://schemas.microsoft.com/office/drawing/2014/main" id="{A4DBF3E4-AC1C-41B4-9108-E68920F2CEFF}"/>
-              </a:ext>
-            </a:extLst>
-          </p:cNvPr>
+          <p:cNvPr id="2" name="Title 1"/>
           <p:cNvSpPr>
             <a:spLocks noGrp="1"/>
           </p:cNvSpPr>
@@ -374,19 +485,13 @@
               <a:rPr lang="en-US"/>
               <a:t>Click to edit Master title style</a:t>
             </a:r>
-            <a:endParaRPr lang="en-IN"/>
-          </a:p>
-        </p:txBody>
-      </p:sp>
-      <p:sp>
-        <p:nvSpPr>
-          <p:cNvPr id="3" name="Vertical Text Placeholder 2">
-            <a:extLst>
-              <a:ext uri="{FF2B5EF4-FFF2-40B4-BE49-F238E27FC236}">
-                <a16:creationId xmlns:a16="http://schemas.microsoft.com/office/drawing/2014/main" id="{5BA418F2-B243-4616-BBD0-BD333DFD2E72}"/>
-              </a:ext>
-            </a:extLst>
-          </p:cNvPr>
+            <a:endParaRPr lang="en-US" dirty="0"/>
+          </a:p>
+        </p:txBody>
+      </p:sp>
+      <p:sp>
+        <p:nvSpPr>
+          <p:cNvPr id="3" name="Vertical Text Placeholder 2"/>
           <p:cNvSpPr>
             <a:spLocks noGrp="1"/>
           </p:cNvSpPr>
@@ -396,7 +501,7 @@
         </p:nvSpPr>
         <p:spPr/>
         <p:txBody>
-          <a:bodyPr vert="eaVert"/>
+          <a:bodyPr vert="eaVert" lIns="45720" tIns="0" rIns="45720" bIns="0"/>
           <a:lstStyle/>
           <a:p>
             <a:pPr lvl="0"/>
@@ -432,19 +537,13 @@
               <a:rPr lang="en-US"/>
               <a:t>Fifth level</a:t>
             </a:r>
-            <a:endParaRPr lang="en-IN"/>
-          </a:p>
-        </p:txBody>
-      </p:sp>
-      <p:sp>
-        <p:nvSpPr>
-          <p:cNvPr id="4" name="Date Placeholder 3">
-            <a:extLst>
-              <a:ext uri="{FF2B5EF4-FFF2-40B4-BE49-F238E27FC236}">
-                <a16:creationId xmlns:a16="http://schemas.microsoft.com/office/drawing/2014/main" id="{D18220BE-A5D9-42DC-839B-ACA5C8BFFC52}"/>
-              </a:ext>
-            </a:extLst>
-          </p:cNvPr>
+            <a:endParaRPr lang="en-US" dirty="0"/>
+          </a:p>
+        </p:txBody>
+      </p:sp>
+      <p:sp>
+        <p:nvSpPr>
+          <p:cNvPr id="4" name="Date Placeholder 3"/>
           <p:cNvSpPr>
             <a:spLocks noGrp="1"/>
           </p:cNvSpPr>
@@ -457,23 +556,17 @@
           <a:bodyPr/>
           <a:lstStyle/>
           <a:p>
-            <a:fld id="{80D9230E-80DB-4F7B-BAEB-06D1BFD77493}" type="datetimeFigureOut">
-              <a:rPr lang="en-IN" smtClean="0"/>
-              <a:t>05-01-2021</a:t>
+            <a:fld id="{737F1531-2477-4CED-A5BC-E3388EBB2988}" type="datetimeFigureOut">
+              <a:rPr lang="en-US" smtClean="0"/>
+              <a:t>1/7/2021</a:t>
             </a:fld>
-            <a:endParaRPr lang="en-IN"/>
-          </a:p>
-        </p:txBody>
-      </p:sp>
-      <p:sp>
-        <p:nvSpPr>
-          <p:cNvPr id="5" name="Footer Placeholder 4">
-            <a:extLst>
-              <a:ext uri="{FF2B5EF4-FFF2-40B4-BE49-F238E27FC236}">
-                <a16:creationId xmlns:a16="http://schemas.microsoft.com/office/drawing/2014/main" id="{88551F24-7B2A-4A24-8DF4-B249E8733F0E}"/>
-              </a:ext>
-            </a:extLst>
-          </p:cNvPr>
+            <a:endParaRPr lang="en-US" dirty="0"/>
+          </a:p>
+        </p:txBody>
+      </p:sp>
+      <p:sp>
+        <p:nvSpPr>
+          <p:cNvPr id="5" name="Footer Placeholder 4"/>
           <p:cNvSpPr>
             <a:spLocks noGrp="1"/>
           </p:cNvSpPr>
@@ -486,19 +579,13 @@
           <a:bodyPr/>
           <a:lstStyle/>
           <a:p>
-            <a:endParaRPr lang="en-IN"/>
-          </a:p>
-        </p:txBody>
-      </p:sp>
-      <p:sp>
-        <p:nvSpPr>
-          <p:cNvPr id="6" name="Slide Number Placeholder 5">
-            <a:extLst>
-              <a:ext uri="{FF2B5EF4-FFF2-40B4-BE49-F238E27FC236}">
-                <a16:creationId xmlns:a16="http://schemas.microsoft.com/office/drawing/2014/main" id="{52BAEEDA-ABC4-4887-9AA8-655C88C8CF90}"/>
-              </a:ext>
-            </a:extLst>
-          </p:cNvPr>
+            <a:endParaRPr lang="en-US" dirty="0"/>
+          </a:p>
+        </p:txBody>
+      </p:sp>
+      <p:sp>
+        <p:nvSpPr>
+          <p:cNvPr id="6" name="Slide Number Placeholder 5"/>
           <p:cNvSpPr>
             <a:spLocks noGrp="1"/>
           </p:cNvSpPr>
@@ -511,18 +598,18 @@
           <a:bodyPr/>
           <a:lstStyle/>
           <a:p>
-            <a:fld id="{A4B7F553-2167-4149-A7C8-488EED6FAA5F}" type="slidenum">
-              <a:rPr lang="en-IN" smtClean="0"/>
+            <a:fld id="{E76D3A98-F3BA-4969-A9AE-395C259084C7}" type="slidenum">
+              <a:rPr lang="en-US" smtClean="0"/>
               <a:t>‹#›</a:t>
             </a:fld>
-            <a:endParaRPr lang="en-IN"/>
+            <a:endParaRPr lang="en-US" dirty="0"/>
           </a:p>
         </p:txBody>
       </p:sp>
     </p:spTree>
     <p:extLst>
       <p:ext uri="{BB962C8B-B14F-4D97-AF65-F5344CB8AC3E}">
-        <p14:creationId xmlns:p14="http://schemas.microsoft.com/office/powerpoint/2010/main" val="98401397"/>
+        <p14:creationId xmlns:p14="http://schemas.microsoft.com/office/powerpoint/2010/main" val="545184951"/>
       </p:ext>
     </p:extLst>
   </p:cSld>
@@ -533,7 +620,7 @@
 </file>
 
 <file path=ppt/slideLayouts/slideLayout11.xml><?xml version="1.0" encoding="utf-8"?>
-<p:sldLayout xmlns:a="http://schemas.openxmlformats.org/drawingml/2006/main" xmlns:r="http://schemas.openxmlformats.org/officeDocument/2006/relationships" xmlns:p="http://schemas.openxmlformats.org/presentationml/2006/main" type="vertTitleAndTx" preserve="1">
+<p:sldLayout xmlns:a="http://schemas.openxmlformats.org/drawingml/2006/main" xmlns:r="http://schemas.openxmlformats.org/officeDocument/2006/relationships" xmlns:p="http://schemas.openxmlformats.org/presentationml/2006/main" showMasterSp="0" type="vertTitleAndTx" preserve="1">
   <p:cSld name="Vertical Title and Text">
     <p:spTree>
       <p:nvGrpSpPr>
@@ -551,24 +638,94 @@
       </p:grpSpPr>
       <p:sp>
         <p:nvSpPr>
-          <p:cNvPr id="2" name="Vertical Title 1">
-            <a:extLst>
-              <a:ext uri="{FF2B5EF4-FFF2-40B4-BE49-F238E27FC236}">
-                <a16:creationId xmlns:a16="http://schemas.microsoft.com/office/drawing/2014/main" id="{FED0E3F0-B639-40F2-956B-92BD8EABF1E2}"/>
-              </a:ext>
-            </a:extLst>
-          </p:cNvPr>
-          <p:cNvSpPr>
-            <a:spLocks noGrp="1"/>
-          </p:cNvSpPr>
-          <p:nvPr>
-            <p:ph type="title" orient="vert"/>
-          </p:nvPr>
+          <p:cNvPr id="7" name="Rectangle 6"/>
+          <p:cNvSpPr/>
+          <p:nvPr/>
         </p:nvSpPr>
         <p:spPr>
           <a:xfrm>
-            <a:off x="8724900" y="365125"/>
-            <a:ext cx="2628900" cy="5811838"/>
+            <a:off x="3175" y="6400800"/>
+            <a:ext cx="12188825" cy="457200"/>
+          </a:xfrm>
+          <a:prstGeom prst="rect">
+            <a:avLst/>
+          </a:prstGeom>
+          <a:solidFill>
+            <a:schemeClr val="accent2"/>
+          </a:solidFill>
+          <a:ln>
+            <a:noFill/>
+          </a:ln>
+        </p:spPr>
+        <p:style>
+          <a:lnRef idx="2">
+            <a:schemeClr val="accent1">
+              <a:shade val="50000"/>
+            </a:schemeClr>
+          </a:lnRef>
+          <a:fillRef idx="1">
+            <a:schemeClr val="accent1"/>
+          </a:fillRef>
+          <a:effectRef idx="0">
+            <a:schemeClr val="accent1"/>
+          </a:effectRef>
+          <a:fontRef idx="minor">
+            <a:schemeClr val="lt1"/>
+          </a:fontRef>
+        </p:style>
+      </p:sp>
+      <p:sp>
+        <p:nvSpPr>
+          <p:cNvPr id="8" name="Rectangle 7"/>
+          <p:cNvSpPr/>
+          <p:nvPr/>
+        </p:nvSpPr>
+        <p:spPr>
+          <a:xfrm>
+            <a:off x="15" y="6334316"/>
+            <a:ext cx="12188825" cy="64008"/>
+          </a:xfrm>
+          <a:prstGeom prst="rect">
+            <a:avLst/>
+          </a:prstGeom>
+          <a:solidFill>
+            <a:schemeClr val="accent1"/>
+          </a:solidFill>
+          <a:ln>
+            <a:noFill/>
+          </a:ln>
+        </p:spPr>
+        <p:style>
+          <a:lnRef idx="2">
+            <a:schemeClr val="accent1">
+              <a:shade val="50000"/>
+            </a:schemeClr>
+          </a:lnRef>
+          <a:fillRef idx="1">
+            <a:schemeClr val="accent1"/>
+          </a:fillRef>
+          <a:effectRef idx="0">
+            <a:schemeClr val="accent1"/>
+          </a:effectRef>
+          <a:fontRef idx="minor">
+            <a:schemeClr val="lt1"/>
+          </a:fontRef>
+        </p:style>
+      </p:sp>
+      <p:sp>
+        <p:nvSpPr>
+          <p:cNvPr id="2" name="Vertical Title 1"/>
+          <p:cNvSpPr>
+            <a:spLocks noGrp="1"/>
+          </p:cNvSpPr>
+          <p:nvPr>
+            <p:ph type="title" orient="vert"/>
+          </p:nvPr>
+        </p:nvSpPr>
+        <p:spPr>
+          <a:xfrm>
+            <a:off x="8724900" y="414778"/>
+            <a:ext cx="2628900" cy="5757421"/>
           </a:xfrm>
         </p:spPr>
         <p:txBody>
@@ -579,19 +736,13 @@
               <a:rPr lang="en-US"/>
               <a:t>Click to edit Master title style</a:t>
             </a:r>
-            <a:endParaRPr lang="en-IN"/>
-          </a:p>
-        </p:txBody>
-      </p:sp>
-      <p:sp>
-        <p:nvSpPr>
-          <p:cNvPr id="3" name="Vertical Text Placeholder 2">
-            <a:extLst>
-              <a:ext uri="{FF2B5EF4-FFF2-40B4-BE49-F238E27FC236}">
-                <a16:creationId xmlns:a16="http://schemas.microsoft.com/office/drawing/2014/main" id="{0512BC78-3048-4EDE-96DF-541D1F875025}"/>
-              </a:ext>
-            </a:extLst>
-          </p:cNvPr>
+            <a:endParaRPr lang="en-US" dirty="0"/>
+          </a:p>
+        </p:txBody>
+      </p:sp>
+      <p:sp>
+        <p:nvSpPr>
+          <p:cNvPr id="3" name="Vertical Text Placeholder 2"/>
           <p:cNvSpPr>
             <a:spLocks noGrp="1"/>
           </p:cNvSpPr>
@@ -601,12 +752,12 @@
         </p:nvSpPr>
         <p:spPr>
           <a:xfrm>
-            <a:off x="838200" y="365125"/>
-            <a:ext cx="7734300" cy="5811838"/>
+            <a:off x="838200" y="414778"/>
+            <a:ext cx="7734300" cy="5757422"/>
           </a:xfrm>
         </p:spPr>
         <p:txBody>
-          <a:bodyPr vert="eaVert"/>
+          <a:bodyPr vert="eaVert" lIns="45720" tIns="0" rIns="45720" bIns="0"/>
           <a:lstStyle/>
           <a:p>
             <a:pPr lvl="0"/>
@@ -642,19 +793,13 @@
               <a:rPr lang="en-US"/>
               <a:t>Fifth level</a:t>
             </a:r>
-            <a:endParaRPr lang="en-IN"/>
-          </a:p>
-        </p:txBody>
-      </p:sp>
-      <p:sp>
-        <p:nvSpPr>
-          <p:cNvPr id="4" name="Date Placeholder 3">
-            <a:extLst>
-              <a:ext uri="{FF2B5EF4-FFF2-40B4-BE49-F238E27FC236}">
-                <a16:creationId xmlns:a16="http://schemas.microsoft.com/office/drawing/2014/main" id="{F2745A34-CDC6-4D0C-AFCC-7E32A4E05AD3}"/>
-              </a:ext>
-            </a:extLst>
-          </p:cNvPr>
+            <a:endParaRPr lang="en-US" dirty="0"/>
+          </a:p>
+        </p:txBody>
+      </p:sp>
+      <p:sp>
+        <p:nvSpPr>
+          <p:cNvPr id="4" name="Date Placeholder 3"/>
           <p:cNvSpPr>
             <a:spLocks noGrp="1"/>
           </p:cNvSpPr>
@@ -667,23 +812,17 @@
           <a:bodyPr/>
           <a:lstStyle/>
           <a:p>
-            <a:fld id="{80D9230E-80DB-4F7B-BAEB-06D1BFD77493}" type="datetimeFigureOut">
-              <a:rPr lang="en-IN" smtClean="0"/>
-              <a:t>05-01-2021</a:t>
+            <a:fld id="{737F1531-2477-4CED-A5BC-E3388EBB2988}" type="datetimeFigureOut">
+              <a:rPr lang="en-US" smtClean="0"/>
+              <a:t>1/7/2021</a:t>
             </a:fld>
-            <a:endParaRPr lang="en-IN"/>
-          </a:p>
-        </p:txBody>
-      </p:sp>
-      <p:sp>
-        <p:nvSpPr>
-          <p:cNvPr id="5" name="Footer Placeholder 4">
-            <a:extLst>
-              <a:ext uri="{FF2B5EF4-FFF2-40B4-BE49-F238E27FC236}">
-                <a16:creationId xmlns:a16="http://schemas.microsoft.com/office/drawing/2014/main" id="{4D04D9FE-D1F1-400A-B36B-3A1255785A2C}"/>
-              </a:ext>
-            </a:extLst>
-          </p:cNvPr>
+            <a:endParaRPr lang="en-US" dirty="0"/>
+          </a:p>
+        </p:txBody>
+      </p:sp>
+      <p:sp>
+        <p:nvSpPr>
+          <p:cNvPr id="5" name="Footer Placeholder 4"/>
           <p:cNvSpPr>
             <a:spLocks noGrp="1"/>
           </p:cNvSpPr>
@@ -696,19 +835,13 @@
           <a:bodyPr/>
           <a:lstStyle/>
           <a:p>
-            <a:endParaRPr lang="en-IN"/>
-          </a:p>
-        </p:txBody>
-      </p:sp>
-      <p:sp>
-        <p:nvSpPr>
-          <p:cNvPr id="6" name="Slide Number Placeholder 5">
-            <a:extLst>
-              <a:ext uri="{FF2B5EF4-FFF2-40B4-BE49-F238E27FC236}">
-                <a16:creationId xmlns:a16="http://schemas.microsoft.com/office/drawing/2014/main" id="{5A96192D-C147-4E8E-BC1A-D0BA1FB92181}"/>
-              </a:ext>
-            </a:extLst>
-          </p:cNvPr>
+            <a:endParaRPr lang="en-US" dirty="0"/>
+          </a:p>
+        </p:txBody>
+      </p:sp>
+      <p:sp>
+        <p:nvSpPr>
+          <p:cNvPr id="6" name="Slide Number Placeholder 5"/>
           <p:cNvSpPr>
             <a:spLocks noGrp="1"/>
           </p:cNvSpPr>
@@ -721,18 +854,18 @@
           <a:bodyPr/>
           <a:lstStyle/>
           <a:p>
-            <a:fld id="{A4B7F553-2167-4149-A7C8-488EED6FAA5F}" type="slidenum">
-              <a:rPr lang="en-IN" smtClean="0"/>
+            <a:fld id="{E76D3A98-F3BA-4969-A9AE-395C259084C7}" type="slidenum">
+              <a:rPr lang="en-US" smtClean="0"/>
               <a:t>‹#›</a:t>
             </a:fld>
-            <a:endParaRPr lang="en-IN"/>
+            <a:endParaRPr lang="en-US" dirty="0"/>
           </a:p>
         </p:txBody>
       </p:sp>
     </p:spTree>
     <p:extLst>
       <p:ext uri="{BB962C8B-B14F-4D97-AF65-F5344CB8AC3E}">
-        <p14:creationId xmlns:p14="http://schemas.microsoft.com/office/powerpoint/2010/main" val="1261672040"/>
+        <p14:creationId xmlns:p14="http://schemas.microsoft.com/office/powerpoint/2010/main" val="4276968079"/>
       </p:ext>
     </p:extLst>
   </p:cSld>
@@ -761,13 +894,7 @@
       </p:grpSpPr>
       <p:sp>
         <p:nvSpPr>
-          <p:cNvPr id="2" name="Title 1">
-            <a:extLst>
-              <a:ext uri="{FF2B5EF4-FFF2-40B4-BE49-F238E27FC236}">
-                <a16:creationId xmlns:a16="http://schemas.microsoft.com/office/drawing/2014/main" id="{586134EF-E0A8-4E44-92C0-18DAA677A8F0}"/>
-              </a:ext>
-            </a:extLst>
-          </p:cNvPr>
+          <p:cNvPr id="2" name="Title 1"/>
           <p:cNvSpPr>
             <a:spLocks noGrp="1"/>
           </p:cNvSpPr>
@@ -778,25 +905,23 @@
         <p:spPr/>
         <p:txBody>
           <a:bodyPr/>
-          <a:lstStyle/>
+          <a:lstStyle>
+            <a:lvl1pPr marL="0">
+              <a:defRPr/>
+            </a:lvl1pPr>
+          </a:lstStyle>
           <a:p>
             <a:r>
               <a:rPr lang="en-US"/>
               <a:t>Click to edit Master title style</a:t>
             </a:r>
-            <a:endParaRPr lang="en-IN"/>
-          </a:p>
-        </p:txBody>
-      </p:sp>
-      <p:sp>
-        <p:nvSpPr>
-          <p:cNvPr id="3" name="Content Placeholder 2">
-            <a:extLst>
-              <a:ext uri="{FF2B5EF4-FFF2-40B4-BE49-F238E27FC236}">
-                <a16:creationId xmlns:a16="http://schemas.microsoft.com/office/drawing/2014/main" id="{1CCA066E-8E33-4A84-9BBE-DC7CCAA959DA}"/>
-              </a:ext>
-            </a:extLst>
-          </p:cNvPr>
+            <a:endParaRPr lang="en-US" dirty="0"/>
+          </a:p>
+        </p:txBody>
+      </p:sp>
+      <p:sp>
+        <p:nvSpPr>
+          <p:cNvPr id="3" name="Content Placeholder 2"/>
           <p:cNvSpPr>
             <a:spLocks noGrp="1"/>
           </p:cNvSpPr>
@@ -842,19 +967,13 @@
               <a:rPr lang="en-US"/>
               <a:t>Fifth level</a:t>
             </a:r>
-            <a:endParaRPr lang="en-IN"/>
-          </a:p>
-        </p:txBody>
-      </p:sp>
-      <p:sp>
-        <p:nvSpPr>
-          <p:cNvPr id="4" name="Date Placeholder 3">
-            <a:extLst>
-              <a:ext uri="{FF2B5EF4-FFF2-40B4-BE49-F238E27FC236}">
-                <a16:creationId xmlns:a16="http://schemas.microsoft.com/office/drawing/2014/main" id="{DBE719C9-045A-462A-99F7-5A9081401944}"/>
-              </a:ext>
-            </a:extLst>
-          </p:cNvPr>
+            <a:endParaRPr lang="en-US" dirty="0"/>
+          </a:p>
+        </p:txBody>
+      </p:sp>
+      <p:sp>
+        <p:nvSpPr>
+          <p:cNvPr id="4" name="Date Placeholder 3"/>
           <p:cNvSpPr>
             <a:spLocks noGrp="1"/>
           </p:cNvSpPr>
@@ -867,23 +986,17 @@
           <a:bodyPr/>
           <a:lstStyle/>
           <a:p>
-            <a:fld id="{80D9230E-80DB-4F7B-BAEB-06D1BFD77493}" type="datetimeFigureOut">
-              <a:rPr lang="en-IN" smtClean="0"/>
-              <a:t>05-01-2021</a:t>
+            <a:fld id="{737F1531-2477-4CED-A5BC-E3388EBB2988}" type="datetimeFigureOut">
+              <a:rPr lang="en-US" smtClean="0"/>
+              <a:t>1/7/2021</a:t>
             </a:fld>
-            <a:endParaRPr lang="en-IN"/>
-          </a:p>
-        </p:txBody>
-      </p:sp>
-      <p:sp>
-        <p:nvSpPr>
-          <p:cNvPr id="5" name="Footer Placeholder 4">
-            <a:extLst>
-              <a:ext uri="{FF2B5EF4-FFF2-40B4-BE49-F238E27FC236}">
-                <a16:creationId xmlns:a16="http://schemas.microsoft.com/office/drawing/2014/main" id="{B3EC3FE4-817C-490A-9BDE-B435463B8570}"/>
-              </a:ext>
-            </a:extLst>
-          </p:cNvPr>
+            <a:endParaRPr lang="en-US" dirty="0"/>
+          </a:p>
+        </p:txBody>
+      </p:sp>
+      <p:sp>
+        <p:nvSpPr>
+          <p:cNvPr id="5" name="Footer Placeholder 4"/>
           <p:cNvSpPr>
             <a:spLocks noGrp="1"/>
           </p:cNvSpPr>
@@ -896,19 +1009,13 @@
           <a:bodyPr/>
           <a:lstStyle/>
           <a:p>
-            <a:endParaRPr lang="en-IN"/>
-          </a:p>
-        </p:txBody>
-      </p:sp>
-      <p:sp>
-        <p:nvSpPr>
-          <p:cNvPr id="6" name="Slide Number Placeholder 5">
-            <a:extLst>
-              <a:ext uri="{FF2B5EF4-FFF2-40B4-BE49-F238E27FC236}">
-                <a16:creationId xmlns:a16="http://schemas.microsoft.com/office/drawing/2014/main" id="{BF63BDC7-94CA-4C2F-A18C-DC2C61B85FBE}"/>
-              </a:ext>
-            </a:extLst>
-          </p:cNvPr>
+            <a:endParaRPr lang="en-US" dirty="0"/>
+          </a:p>
+        </p:txBody>
+      </p:sp>
+      <p:sp>
+        <p:nvSpPr>
+          <p:cNvPr id="6" name="Slide Number Placeholder 5"/>
           <p:cNvSpPr>
             <a:spLocks noGrp="1"/>
           </p:cNvSpPr>
@@ -921,18 +1028,18 @@
           <a:bodyPr/>
           <a:lstStyle/>
           <a:p>
-            <a:fld id="{A4B7F553-2167-4149-A7C8-488EED6FAA5F}" type="slidenum">
-              <a:rPr lang="en-IN" smtClean="0"/>
+            <a:fld id="{E76D3A98-F3BA-4969-A9AE-395C259084C7}" type="slidenum">
+              <a:rPr lang="en-US" smtClean="0"/>
               <a:t>‹#›</a:t>
             </a:fld>
-            <a:endParaRPr lang="en-IN"/>
+            <a:endParaRPr lang="en-US" dirty="0"/>
           </a:p>
         </p:txBody>
       </p:sp>
     </p:spTree>
     <p:extLst>
       <p:ext uri="{BB962C8B-B14F-4D97-AF65-F5344CB8AC3E}">
-        <p14:creationId xmlns:p14="http://schemas.microsoft.com/office/powerpoint/2010/main" val="2402259363"/>
+        <p14:creationId xmlns:p14="http://schemas.microsoft.com/office/powerpoint/2010/main" val="254233356"/>
       </p:ext>
     </p:extLst>
   </p:cSld>
@@ -943,8 +1050,16 @@
 </file>
 
 <file path=ppt/slideLayouts/slideLayout3.xml><?xml version="1.0" encoding="utf-8"?>
-<p:sldLayout xmlns:a="http://schemas.openxmlformats.org/drawingml/2006/main" xmlns:r="http://schemas.openxmlformats.org/officeDocument/2006/relationships" xmlns:p="http://schemas.openxmlformats.org/presentationml/2006/main" type="secHead" preserve="1">
+<p:sldLayout xmlns:a="http://schemas.openxmlformats.org/drawingml/2006/main" xmlns:r="http://schemas.openxmlformats.org/officeDocument/2006/relationships" xmlns:p="http://schemas.openxmlformats.org/presentationml/2006/main" showMasterSp="0" type="secHead" preserve="1">
   <p:cSld name="Section Header">
+    <p:bg>
+      <p:bgPr>
+        <a:solidFill>
+          <a:schemeClr val="bg1"/>
+        </a:solidFill>
+        <a:effectLst/>
+      </p:bgPr>
+    </p:bg>
     <p:spTree>
       <p:nvGrpSpPr>
         <p:cNvPr id="1" name=""/>
@@ -961,31 +1076,113 @@
       </p:grpSpPr>
       <p:sp>
         <p:nvSpPr>
-          <p:cNvPr id="2" name="Title 1">
-            <a:extLst>
-              <a:ext uri="{FF2B5EF4-FFF2-40B4-BE49-F238E27FC236}">
-                <a16:creationId xmlns:a16="http://schemas.microsoft.com/office/drawing/2014/main" id="{1B70C0A4-1BA6-4937-98CB-02796232B47C}"/>
-              </a:ext>
-            </a:extLst>
-          </p:cNvPr>
-          <p:cNvSpPr>
-            <a:spLocks noGrp="1"/>
-          </p:cNvSpPr>
-          <p:nvPr>
-            <p:ph type="title"/>
-          </p:nvPr>
+          <p:cNvPr id="7" name="Rectangle 6"/>
+          <p:cNvSpPr/>
+          <p:nvPr/>
         </p:nvSpPr>
         <p:spPr>
           <a:xfrm>
-            <a:off x="831850" y="1709738"/>
-            <a:ext cx="10515600" cy="2852737"/>
+            <a:off x="3175" y="6400800"/>
+            <a:ext cx="12188825" cy="457200"/>
+          </a:xfrm>
+          <a:prstGeom prst="rect">
+            <a:avLst/>
+          </a:prstGeom>
+          <a:solidFill>
+            <a:schemeClr val="accent2"/>
+          </a:solidFill>
+          <a:ln>
+            <a:noFill/>
+          </a:ln>
+        </p:spPr>
+        <p:style>
+          <a:lnRef idx="2">
+            <a:schemeClr val="accent1">
+              <a:shade val="50000"/>
+            </a:schemeClr>
+          </a:lnRef>
+          <a:fillRef idx="1">
+            <a:schemeClr val="accent1"/>
+          </a:fillRef>
+          <a:effectRef idx="0">
+            <a:schemeClr val="accent1"/>
+          </a:effectRef>
+          <a:fontRef idx="minor">
+            <a:schemeClr val="lt1"/>
+          </a:fontRef>
+        </p:style>
+      </p:sp>
+      <p:sp>
+        <p:nvSpPr>
+          <p:cNvPr id="8" name="Rectangle 7"/>
+          <p:cNvSpPr/>
+          <p:nvPr/>
+        </p:nvSpPr>
+        <p:spPr>
+          <a:xfrm>
+            <a:off x="15" y="6334316"/>
+            <a:ext cx="12188825" cy="64008"/>
+          </a:xfrm>
+          <a:prstGeom prst="rect">
+            <a:avLst/>
+          </a:prstGeom>
+          <a:solidFill>
+            <a:schemeClr val="accent1"/>
+          </a:solidFill>
+          <a:ln>
+            <a:noFill/>
+          </a:ln>
+        </p:spPr>
+        <p:style>
+          <a:lnRef idx="2">
+            <a:schemeClr val="accent1">
+              <a:shade val="50000"/>
+            </a:schemeClr>
+          </a:lnRef>
+          <a:fillRef idx="1">
+            <a:schemeClr val="accent1"/>
+          </a:fillRef>
+          <a:effectRef idx="0">
+            <a:schemeClr val="accent1"/>
+          </a:effectRef>
+          <a:fontRef idx="minor">
+            <a:schemeClr val="lt1"/>
+          </a:fontRef>
+        </p:style>
+      </p:sp>
+      <p:sp>
+        <p:nvSpPr>
+          <p:cNvPr id="2" name="Title 1"/>
+          <p:cNvSpPr>
+            <a:spLocks noGrp="1"/>
+          </p:cNvSpPr>
+          <p:nvPr>
+            <p:ph type="title"/>
+          </p:nvPr>
+        </p:nvSpPr>
+        <p:spPr>
+          <a:xfrm>
+            <a:off x="1097280" y="758952"/>
+            <a:ext cx="10058400" cy="3566160"/>
           </a:xfrm>
         </p:spPr>
         <p:txBody>
-          <a:bodyPr anchor="b"/>
+          <a:bodyPr anchor="b" anchorCtr="0">
+            <a:normAutofit/>
+          </a:bodyPr>
           <a:lstStyle>
             <a:lvl1pPr>
-              <a:defRPr sz="6000"/>
+              <a:lnSpc>
+                <a:spcPct val="85000"/>
+              </a:lnSpc>
+              <a:defRPr sz="8000" b="0">
+                <a:solidFill>
+                  <a:schemeClr val="tx1">
+                    <a:lumMod val="85000"/>
+                    <a:lumOff val="15000"/>
+                  </a:schemeClr>
+                </a:solidFill>
+              </a:defRPr>
             </a:lvl1pPr>
           </a:lstStyle>
           <a:p>
@@ -993,19 +1190,13 @@
               <a:rPr lang="en-US"/>
               <a:t>Click to edit Master title style</a:t>
             </a:r>
-            <a:endParaRPr lang="en-IN"/>
-          </a:p>
-        </p:txBody>
-      </p:sp>
-      <p:sp>
-        <p:nvSpPr>
-          <p:cNvPr id="3" name="Text Placeholder 2">
-            <a:extLst>
-              <a:ext uri="{FF2B5EF4-FFF2-40B4-BE49-F238E27FC236}">
-                <a16:creationId xmlns:a16="http://schemas.microsoft.com/office/drawing/2014/main" id="{EA9AAD80-0EFB-4CA0-96E2-D8614F878489}"/>
-              </a:ext>
-            </a:extLst>
-          </p:cNvPr>
+            <a:endParaRPr lang="en-US" dirty="0"/>
+          </a:p>
+        </p:txBody>
+      </p:sp>
+      <p:sp>
+        <p:nvSpPr>
+          <p:cNvPr id="3" name="Text Placeholder 2"/>
           <p:cNvSpPr>
             <a:spLocks noGrp="1"/>
           </p:cNvSpPr>
@@ -1015,102 +1206,103 @@
         </p:nvSpPr>
         <p:spPr>
           <a:xfrm>
-            <a:off x="831850" y="4589463"/>
-            <a:ext cx="10515600" cy="1500187"/>
+            <a:off x="1097280" y="4453128"/>
+            <a:ext cx="10058400" cy="1143000"/>
           </a:xfrm>
         </p:spPr>
         <p:txBody>
-          <a:bodyPr/>
+          <a:bodyPr lIns="91440" rIns="91440" anchor="t" anchorCtr="0">
+            <a:normAutofit/>
+          </a:bodyPr>
           <a:lstStyle>
             <a:lvl1pPr marL="0" indent="0">
               <a:buNone/>
-              <a:defRPr sz="2400">
+              <a:defRPr sz="2400" cap="all" spc="200" baseline="0">
+                <a:solidFill>
+                  <a:schemeClr val="tx2"/>
+                </a:solidFill>
+                <a:latin typeface="+mj-lt"/>
+              </a:defRPr>
+            </a:lvl1pPr>
+            <a:lvl2pPr marL="457200" indent="0">
+              <a:buNone/>
+              <a:defRPr sz="1800">
                 <a:solidFill>
                   <a:schemeClr val="tx1">
                     <a:tint val="75000"/>
                   </a:schemeClr>
                 </a:solidFill>
               </a:defRPr>
-            </a:lvl1pPr>
-            <a:lvl2pPr marL="457200" indent="0">
-              <a:buNone/>
-              <a:defRPr sz="2000">
+            </a:lvl2pPr>
+            <a:lvl3pPr marL="914400" indent="0">
+              <a:buNone/>
+              <a:defRPr sz="1600">
                 <a:solidFill>
                   <a:schemeClr val="tx1">
                     <a:tint val="75000"/>
                   </a:schemeClr>
                 </a:solidFill>
               </a:defRPr>
-            </a:lvl2pPr>
-            <a:lvl3pPr marL="914400" indent="0">
-              <a:buNone/>
-              <a:defRPr sz="1800">
+            </a:lvl3pPr>
+            <a:lvl4pPr marL="1371600" indent="0">
+              <a:buNone/>
+              <a:defRPr sz="1400">
                 <a:solidFill>
                   <a:schemeClr val="tx1">
                     <a:tint val="75000"/>
                   </a:schemeClr>
                 </a:solidFill>
               </a:defRPr>
-            </a:lvl3pPr>
-            <a:lvl4pPr marL="1371600" indent="0">
-              <a:buNone/>
-              <a:defRPr sz="1600">
+            </a:lvl4pPr>
+            <a:lvl5pPr marL="1828800" indent="0">
+              <a:buNone/>
+              <a:defRPr sz="1400">
                 <a:solidFill>
                   <a:schemeClr val="tx1">
                     <a:tint val="75000"/>
                   </a:schemeClr>
                 </a:solidFill>
               </a:defRPr>
-            </a:lvl4pPr>
-            <a:lvl5pPr marL="1828800" indent="0">
-              <a:buNone/>
-              <a:defRPr sz="1600">
+            </a:lvl5pPr>
+            <a:lvl6pPr marL="2286000" indent="0">
+              <a:buNone/>
+              <a:defRPr sz="1400">
                 <a:solidFill>
                   <a:schemeClr val="tx1">
                     <a:tint val="75000"/>
                   </a:schemeClr>
                 </a:solidFill>
               </a:defRPr>
-            </a:lvl5pPr>
-            <a:lvl6pPr marL="2286000" indent="0">
-              <a:buNone/>
-              <a:defRPr sz="1600">
+            </a:lvl6pPr>
+            <a:lvl7pPr marL="2743200" indent="0">
+              <a:buNone/>
+              <a:defRPr sz="1400">
                 <a:solidFill>
                   <a:schemeClr val="tx1">
                     <a:tint val="75000"/>
                   </a:schemeClr>
                 </a:solidFill>
               </a:defRPr>
-            </a:lvl6pPr>
-            <a:lvl7pPr marL="2743200" indent="0">
-              <a:buNone/>
-              <a:defRPr sz="1600">
+            </a:lvl7pPr>
+            <a:lvl8pPr marL="3200400" indent="0">
+              <a:buNone/>
+              <a:defRPr sz="1400">
                 <a:solidFill>
                   <a:schemeClr val="tx1">
                     <a:tint val="75000"/>
                   </a:schemeClr>
                 </a:solidFill>
               </a:defRPr>
-            </a:lvl7pPr>
-            <a:lvl8pPr marL="3200400" indent="0">
-              <a:buNone/>
-              <a:defRPr sz="1600">
+            </a:lvl8pPr>
+            <a:lvl9pPr marL="3657600" indent="0">
+              <a:buNone/>
+              <a:defRPr sz="1400">
                 <a:solidFill>
                   <a:schemeClr val="tx1">
                     <a:tint val="75000"/>
                   </a:schemeClr>
                 </a:solidFill>
               </a:defRPr>
-            </a:lvl8pPr>
-            <a:lvl9pPr marL="3657600" indent="0">
-              <a:buNone/>
-              <a:defRPr sz="1600">
-                <a:solidFill>
-                  <a:schemeClr val="tx1">
-                    <a:tint val="75000"/>
-                  </a:schemeClr>
-                </a:solidFill>
-              </a:defRPr>
             </a:lvl9pPr>
           </a:lstStyle>
           <a:p>
@@ -1124,13 +1316,7 @@
       </p:sp>
       <p:sp>
         <p:nvSpPr>
-          <p:cNvPr id="4" name="Date Placeholder 3">
-            <a:extLst>
-              <a:ext uri="{FF2B5EF4-FFF2-40B4-BE49-F238E27FC236}">
-                <a16:creationId xmlns:a16="http://schemas.microsoft.com/office/drawing/2014/main" id="{1CAFC3EB-BB04-45D0-94B6-5FC15ED8B2ED}"/>
-              </a:ext>
-            </a:extLst>
-          </p:cNvPr>
+          <p:cNvPr id="4" name="Date Placeholder 3"/>
           <p:cNvSpPr>
             <a:spLocks noGrp="1"/>
           </p:cNvSpPr>
@@ -1143,23 +1329,17 @@
           <a:bodyPr/>
           <a:lstStyle/>
           <a:p>
-            <a:fld id="{80D9230E-80DB-4F7B-BAEB-06D1BFD77493}" type="datetimeFigureOut">
-              <a:rPr lang="en-IN" smtClean="0"/>
-              <a:t>05-01-2021</a:t>
+            <a:fld id="{737F1531-2477-4CED-A5BC-E3388EBB2988}" type="datetimeFigureOut">
+              <a:rPr lang="en-US" smtClean="0"/>
+              <a:t>1/7/2021</a:t>
             </a:fld>
-            <a:endParaRPr lang="en-IN"/>
-          </a:p>
-        </p:txBody>
-      </p:sp>
-      <p:sp>
-        <p:nvSpPr>
-          <p:cNvPr id="5" name="Footer Placeholder 4">
-            <a:extLst>
-              <a:ext uri="{FF2B5EF4-FFF2-40B4-BE49-F238E27FC236}">
-                <a16:creationId xmlns:a16="http://schemas.microsoft.com/office/drawing/2014/main" id="{946E1B77-5E16-4C92-BA2D-C8767514C54C}"/>
-              </a:ext>
-            </a:extLst>
-          </p:cNvPr>
+            <a:endParaRPr lang="en-US" dirty="0"/>
+          </a:p>
+        </p:txBody>
+      </p:sp>
+      <p:sp>
+        <p:nvSpPr>
+          <p:cNvPr id="5" name="Footer Placeholder 4"/>
           <p:cNvSpPr>
             <a:spLocks noGrp="1"/>
           </p:cNvSpPr>
@@ -1172,19 +1352,13 @@
           <a:bodyPr/>
           <a:lstStyle/>
           <a:p>
-            <a:endParaRPr lang="en-IN"/>
-          </a:p>
-        </p:txBody>
-      </p:sp>
-      <p:sp>
-        <p:nvSpPr>
-          <p:cNvPr id="6" name="Slide Number Placeholder 5">
-            <a:extLst>
-              <a:ext uri="{FF2B5EF4-FFF2-40B4-BE49-F238E27FC236}">
-                <a16:creationId xmlns:a16="http://schemas.microsoft.com/office/drawing/2014/main" id="{B5F95EE0-1352-45C1-B1EC-7ECC309265EB}"/>
-              </a:ext>
-            </a:extLst>
-          </p:cNvPr>
+            <a:endParaRPr lang="en-US" dirty="0"/>
+          </a:p>
+        </p:txBody>
+      </p:sp>
+      <p:sp>
+        <p:nvSpPr>
+          <p:cNvPr id="6" name="Slide Number Placeholder 5"/>
           <p:cNvSpPr>
             <a:spLocks noGrp="1"/>
           </p:cNvSpPr>
@@ -1197,18 +1371,56 @@
           <a:bodyPr/>
           <a:lstStyle/>
           <a:p>
-            <a:fld id="{A4B7F553-2167-4149-A7C8-488EED6FAA5F}" type="slidenum">
-              <a:rPr lang="en-IN" smtClean="0"/>
+            <a:fld id="{E76D3A98-F3BA-4969-A9AE-395C259084C7}" type="slidenum">
+              <a:rPr lang="en-US" smtClean="0"/>
               <a:t>‹#›</a:t>
             </a:fld>
-            <a:endParaRPr lang="en-IN"/>
-          </a:p>
-        </p:txBody>
-      </p:sp>
+            <a:endParaRPr lang="en-US" dirty="0"/>
+          </a:p>
+        </p:txBody>
+      </p:sp>
+      <p:cxnSp>
+        <p:nvCxnSpPr>
+          <p:cNvPr id="9" name="Straight Connector 8"/>
+          <p:cNvCxnSpPr/>
+          <p:nvPr/>
+        </p:nvCxnSpPr>
+        <p:spPr>
+          <a:xfrm>
+            <a:off x="1207658" y="4343400"/>
+            <a:ext cx="9875520" cy="0"/>
+          </a:xfrm>
+          <a:prstGeom prst="line">
+            <a:avLst/>
+          </a:prstGeom>
+          <a:ln w="6350">
+            <a:solidFill>
+              <a:schemeClr val="tx1">
+                <a:lumMod val="50000"/>
+                <a:lumOff val="50000"/>
+              </a:schemeClr>
+            </a:solidFill>
+          </a:ln>
+        </p:spPr>
+        <p:style>
+          <a:lnRef idx="1">
+            <a:schemeClr val="accent1"/>
+          </a:lnRef>
+          <a:fillRef idx="0">
+            <a:schemeClr val="accent1"/>
+          </a:fillRef>
+          <a:effectRef idx="0">
+            <a:schemeClr val="accent1"/>
+          </a:effectRef>
+          <a:fontRef idx="minor">
+            <a:schemeClr val="tx1"/>
+          </a:fontRef>
+        </p:style>
+      </p:cxnSp>
     </p:spTree>
     <p:extLst>
       <p:ext uri="{BB962C8B-B14F-4D97-AF65-F5344CB8AC3E}">
-        <p14:creationId xmlns:p14="http://schemas.microsoft.com/office/powerpoint/2010/main" val="248702074"/>
+        <p14:creationId xmlns:p14="http://schemas.microsoft.com/office/powerpoint/2010/main" val="2722027754"/>
       </p:ext>
     </p:extLst>
   </p:cSld>
@@ -1237,13 +1449,7 @@
       </p:grpSpPr>
       <p:sp>
         <p:nvSpPr>
-          <p:cNvPr id="2" name="Title 1">
-            <a:extLst>
-              <a:ext uri="{FF2B5EF4-FFF2-40B4-BE49-F238E27FC236}">
-                <a16:creationId xmlns:a16="http://schemas.microsoft.com/office/drawing/2014/main" id="{829A5431-4C49-42AB-BECC-C127E9FD2DAC}"/>
-              </a:ext>
-            </a:extLst>
-          </p:cNvPr>
+          <p:cNvPr id="8" name="Title 7"/>
           <p:cNvSpPr>
             <a:spLocks noGrp="1"/>
           </p:cNvSpPr>
@@ -1251,7 +1457,12 @@
             <p:ph type="title"/>
           </p:nvPr>
         </p:nvSpPr>
-        <p:spPr/>
+        <p:spPr>
+          <a:xfrm>
+            <a:off x="1097280" y="286603"/>
+            <a:ext cx="10058400" cy="1450757"/>
+          </a:xfrm>
+        </p:spPr>
         <p:txBody>
           <a:bodyPr/>
           <a:lstStyle/>
@@ -1260,19 +1471,13 @@
               <a:rPr lang="en-US"/>
               <a:t>Click to edit Master title style</a:t>
             </a:r>
-            <a:endParaRPr lang="en-IN"/>
-          </a:p>
-        </p:txBody>
-      </p:sp>
-      <p:sp>
-        <p:nvSpPr>
-          <p:cNvPr id="3" name="Content Placeholder 2">
-            <a:extLst>
-              <a:ext uri="{FF2B5EF4-FFF2-40B4-BE49-F238E27FC236}">
-                <a16:creationId xmlns:a16="http://schemas.microsoft.com/office/drawing/2014/main" id="{1C61867A-C19F-4DB1-ABF0-226EC3A5ABB5}"/>
-              </a:ext>
-            </a:extLst>
-          </p:cNvPr>
+            <a:endParaRPr lang="en-US" dirty="0"/>
+          </a:p>
+        </p:txBody>
+      </p:sp>
+      <p:sp>
+        <p:nvSpPr>
+          <p:cNvPr id="3" name="Content Placeholder 2"/>
           <p:cNvSpPr>
             <a:spLocks noGrp="1"/>
           </p:cNvSpPr>
@@ -1282,8 +1487,8 @@
         </p:nvSpPr>
         <p:spPr>
           <a:xfrm>
-            <a:off x="838200" y="1825625"/>
-            <a:ext cx="5181600" cy="4351338"/>
+            <a:off x="1097279" y="1845734"/>
+            <a:ext cx="4937760" cy="4023360"/>
           </a:xfrm>
         </p:spPr>
         <p:txBody>
@@ -1323,19 +1528,13 @@
               <a:rPr lang="en-US"/>
               <a:t>Fifth level</a:t>
             </a:r>
-            <a:endParaRPr lang="en-IN"/>
-          </a:p>
-        </p:txBody>
-      </p:sp>
-      <p:sp>
-        <p:nvSpPr>
-          <p:cNvPr id="4" name="Content Placeholder 3">
-            <a:extLst>
-              <a:ext uri="{FF2B5EF4-FFF2-40B4-BE49-F238E27FC236}">
-                <a16:creationId xmlns:a16="http://schemas.microsoft.com/office/drawing/2014/main" id="{F3A5582A-21CE-4521-82A5-3811E73D62E5}"/>
-              </a:ext>
-            </a:extLst>
-          </p:cNvPr>
+            <a:endParaRPr lang="en-US" dirty="0"/>
+          </a:p>
+        </p:txBody>
+      </p:sp>
+      <p:sp>
+        <p:nvSpPr>
+          <p:cNvPr id="4" name="Content Placeholder 3"/>
           <p:cNvSpPr>
             <a:spLocks noGrp="1"/>
           </p:cNvSpPr>
@@ -1345,8 +1544,8 @@
         </p:nvSpPr>
         <p:spPr>
           <a:xfrm>
-            <a:off x="6172200" y="1825625"/>
-            <a:ext cx="5181600" cy="4351338"/>
+            <a:off x="6217920" y="1845735"/>
+            <a:ext cx="4937760" cy="4023360"/>
           </a:xfrm>
         </p:spPr>
         <p:txBody>
@@ -1386,19 +1585,13 @@
               <a:rPr lang="en-US"/>
               <a:t>Fifth level</a:t>
             </a:r>
-            <a:endParaRPr lang="en-IN"/>
-          </a:p>
-        </p:txBody>
-      </p:sp>
-      <p:sp>
-        <p:nvSpPr>
-          <p:cNvPr id="5" name="Date Placeholder 4">
-            <a:extLst>
-              <a:ext uri="{FF2B5EF4-FFF2-40B4-BE49-F238E27FC236}">
-                <a16:creationId xmlns:a16="http://schemas.microsoft.com/office/drawing/2014/main" id="{984CDBBF-E7AC-4DF1-BE46-5664D72F47FD}"/>
-              </a:ext>
-            </a:extLst>
-          </p:cNvPr>
+            <a:endParaRPr lang="en-US" dirty="0"/>
+          </a:p>
+        </p:txBody>
+      </p:sp>
+      <p:sp>
+        <p:nvSpPr>
+          <p:cNvPr id="5" name="Date Placeholder 4"/>
           <p:cNvSpPr>
             <a:spLocks noGrp="1"/>
           </p:cNvSpPr>
@@ -1411,23 +1604,17 @@
           <a:bodyPr/>
           <a:lstStyle/>
           <a:p>
-            <a:fld id="{80D9230E-80DB-4F7B-BAEB-06D1BFD77493}" type="datetimeFigureOut">
-              <a:rPr lang="en-IN" smtClean="0"/>
-              <a:t>05-01-2021</a:t>
+            <a:fld id="{737F1531-2477-4CED-A5BC-E3388EBB2988}" type="datetimeFigureOut">
+              <a:rPr lang="en-US" smtClean="0"/>
+              <a:t>1/7/2021</a:t>
             </a:fld>
-            <a:endParaRPr lang="en-IN"/>
-          </a:p>
-        </p:txBody>
-      </p:sp>
-      <p:sp>
-        <p:nvSpPr>
-          <p:cNvPr id="6" name="Footer Placeholder 5">
-            <a:extLst>
-              <a:ext uri="{FF2B5EF4-FFF2-40B4-BE49-F238E27FC236}">
-                <a16:creationId xmlns:a16="http://schemas.microsoft.com/office/drawing/2014/main" id="{79A50887-B5A1-4F14-863E-360106D9B522}"/>
-              </a:ext>
-            </a:extLst>
-          </p:cNvPr>
+            <a:endParaRPr lang="en-US" dirty="0"/>
+          </a:p>
+        </p:txBody>
+      </p:sp>
+      <p:sp>
+        <p:nvSpPr>
+          <p:cNvPr id="6" name="Footer Placeholder 5"/>
           <p:cNvSpPr>
             <a:spLocks noGrp="1"/>
           </p:cNvSpPr>
@@ -1440,19 +1627,13 @@
           <a:bodyPr/>
           <a:lstStyle/>
           <a:p>
-            <a:endParaRPr lang="en-IN"/>
-          </a:p>
-        </p:txBody>
-      </p:sp>
-      <p:sp>
-        <p:nvSpPr>
-          <p:cNvPr id="7" name="Slide Number Placeholder 6">
-            <a:extLst>
-              <a:ext uri="{FF2B5EF4-FFF2-40B4-BE49-F238E27FC236}">
-                <a16:creationId xmlns:a16="http://schemas.microsoft.com/office/drawing/2014/main" id="{5E942369-E4A5-4059-AAE0-975DA84545E2}"/>
-              </a:ext>
-            </a:extLst>
-          </p:cNvPr>
+            <a:endParaRPr lang="en-US" dirty="0"/>
+          </a:p>
+        </p:txBody>
+      </p:sp>
+      <p:sp>
+        <p:nvSpPr>
+          <p:cNvPr id="7" name="Slide Number Placeholder 6"/>
           <p:cNvSpPr>
             <a:spLocks noGrp="1"/>
           </p:cNvSpPr>
@@ -1465,18 +1646,18 @@
           <a:bodyPr/>
           <a:lstStyle/>
           <a:p>
-            <a:fld id="{A4B7F553-2167-4149-A7C8-488EED6FAA5F}" type="slidenum">
-              <a:rPr lang="en-IN" smtClean="0"/>
+            <a:fld id="{E76D3A98-F3BA-4969-A9AE-395C259084C7}" type="slidenum">
+              <a:rPr lang="en-US" smtClean="0"/>
               <a:t>‹#›</a:t>
             </a:fld>
-            <a:endParaRPr lang="en-IN"/>
+            <a:endParaRPr lang="en-US" dirty="0"/>
           </a:p>
         </p:txBody>
       </p:sp>
     </p:spTree>
     <p:extLst>
       <p:ext uri="{BB962C8B-B14F-4D97-AF65-F5344CB8AC3E}">
-        <p14:creationId xmlns:p14="http://schemas.microsoft.com/office/powerpoint/2010/main" val="66590512"/>
+        <p14:creationId xmlns:p14="http://schemas.microsoft.com/office/powerpoint/2010/main" val="1402030150"/>
       </p:ext>
     </p:extLst>
   </p:cSld>
@@ -1505,13 +1686,7 @@
       </p:grpSpPr>
       <p:sp>
         <p:nvSpPr>
-          <p:cNvPr id="2" name="Title 1">
-            <a:extLst>
-              <a:ext uri="{FF2B5EF4-FFF2-40B4-BE49-F238E27FC236}">
-                <a16:creationId xmlns:a16="http://schemas.microsoft.com/office/drawing/2014/main" id="{693F1210-D220-4AB4-9230-CC1B8F9B94E7}"/>
-              </a:ext>
-            </a:extLst>
-          </p:cNvPr>
+          <p:cNvPr id="10" name="Title 9"/>
           <p:cNvSpPr>
             <a:spLocks noGrp="1"/>
           </p:cNvSpPr>
@@ -1521,8 +1696,8 @@
         </p:nvSpPr>
         <p:spPr>
           <a:xfrm>
-            <a:off x="839788" y="365125"/>
-            <a:ext cx="10515600" cy="1325563"/>
+            <a:off x="1097280" y="286603"/>
+            <a:ext cx="10058400" cy="1450757"/>
           </a:xfrm>
         </p:spPr>
         <p:txBody>
@@ -1533,19 +1708,13 @@
               <a:rPr lang="en-US"/>
               <a:t>Click to edit Master title style</a:t>
             </a:r>
-            <a:endParaRPr lang="en-IN"/>
-          </a:p>
-        </p:txBody>
-      </p:sp>
-      <p:sp>
-        <p:nvSpPr>
-          <p:cNvPr id="3" name="Text Placeholder 2">
-            <a:extLst>
-              <a:ext uri="{FF2B5EF4-FFF2-40B4-BE49-F238E27FC236}">
-                <a16:creationId xmlns:a16="http://schemas.microsoft.com/office/drawing/2014/main" id="{AAAF39EC-4929-4E7F-B97A-13930EEE0CB1}"/>
-              </a:ext>
-            </a:extLst>
-          </p:cNvPr>
+            <a:endParaRPr lang="en-US" dirty="0"/>
+          </a:p>
+        </p:txBody>
+      </p:sp>
+      <p:sp>
+        <p:nvSpPr>
+          <p:cNvPr id="3" name="Text Placeholder 2"/>
           <p:cNvSpPr>
             <a:spLocks noGrp="1"/>
           </p:cNvSpPr>
@@ -1555,16 +1724,22 @@
         </p:nvSpPr>
         <p:spPr>
           <a:xfrm>
-            <a:off x="839788" y="1681163"/>
-            <a:ext cx="5157787" cy="823912"/>
+            <a:off x="1097280" y="1846052"/>
+            <a:ext cx="4937760" cy="736282"/>
           </a:xfrm>
         </p:spPr>
         <p:txBody>
-          <a:bodyPr anchor="b"/>
+          <a:bodyPr lIns="91440" rIns="91440" anchor="ctr">
+            <a:normAutofit/>
+          </a:bodyPr>
           <a:lstStyle>
             <a:lvl1pPr marL="0" indent="0">
               <a:buNone/>
-              <a:defRPr sz="2400" b="1"/>
+              <a:defRPr sz="2000" b="0" cap="all" baseline="0">
+                <a:solidFill>
+                  <a:schemeClr val="tx2"/>
+                </a:solidFill>
+              </a:defRPr>
             </a:lvl1pPr>
             <a:lvl2pPr marL="457200" indent="0">
               <a:buNone/>
@@ -1610,13 +1785,7 @@
       </p:sp>
       <p:sp>
         <p:nvSpPr>
-          <p:cNvPr id="4" name="Content Placeholder 3">
-            <a:extLst>
-              <a:ext uri="{FF2B5EF4-FFF2-40B4-BE49-F238E27FC236}">
-                <a16:creationId xmlns:a16="http://schemas.microsoft.com/office/drawing/2014/main" id="{9CB7E0A0-506E-4ABA-803E-FF7E1A074662}"/>
-              </a:ext>
-            </a:extLst>
-          </p:cNvPr>
+          <p:cNvPr id="4" name="Content Placeholder 3"/>
           <p:cNvSpPr>
             <a:spLocks noGrp="1"/>
           </p:cNvSpPr>
@@ -1626,8 +1795,8 @@
         </p:nvSpPr>
         <p:spPr>
           <a:xfrm>
-            <a:off x="839788" y="2505075"/>
-            <a:ext cx="5157787" cy="3684588"/>
+            <a:off x="1097280" y="2582334"/>
+            <a:ext cx="4937760" cy="3378200"/>
           </a:xfrm>
         </p:spPr>
         <p:txBody>
@@ -1667,19 +1836,13 @@
               <a:rPr lang="en-US"/>
               <a:t>Fifth level</a:t>
             </a:r>
-            <a:endParaRPr lang="en-IN"/>
-          </a:p>
-        </p:txBody>
-      </p:sp>
-      <p:sp>
-        <p:nvSpPr>
-          <p:cNvPr id="5" name="Text Placeholder 4">
-            <a:extLst>
-              <a:ext uri="{FF2B5EF4-FFF2-40B4-BE49-F238E27FC236}">
-                <a16:creationId xmlns:a16="http://schemas.microsoft.com/office/drawing/2014/main" id="{E8B54135-90A2-473D-AFF8-5DF871411E4E}"/>
-              </a:ext>
-            </a:extLst>
-          </p:cNvPr>
+            <a:endParaRPr lang="en-US" dirty="0"/>
+          </a:p>
+        </p:txBody>
+      </p:sp>
+      <p:sp>
+        <p:nvSpPr>
+          <p:cNvPr id="5" name="Text Placeholder 4"/>
           <p:cNvSpPr>
             <a:spLocks noGrp="1"/>
           </p:cNvSpPr>
@@ -1689,16 +1852,22 @@
         </p:nvSpPr>
         <p:spPr>
           <a:xfrm>
-            <a:off x="6172200" y="1681163"/>
-            <a:ext cx="5183188" cy="823912"/>
+            <a:off x="6217920" y="1846052"/>
+            <a:ext cx="4937760" cy="736282"/>
           </a:xfrm>
         </p:spPr>
         <p:txBody>
-          <a:bodyPr anchor="b"/>
+          <a:bodyPr lIns="91440" rIns="91440" anchor="ctr">
+            <a:normAutofit/>
+          </a:bodyPr>
           <a:lstStyle>
             <a:lvl1pPr marL="0" indent="0">
               <a:buNone/>
-              <a:defRPr sz="2400" b="1"/>
+              <a:defRPr sz="2000" b="0" cap="all" baseline="0">
+                <a:solidFill>
+                  <a:schemeClr val="tx2"/>
+                </a:solidFill>
+              </a:defRPr>
             </a:lvl1pPr>
             <a:lvl2pPr marL="457200" indent="0">
               <a:buNone/>
@@ -1744,13 +1913,7 @@
       </p:sp>
       <p:sp>
         <p:nvSpPr>
-          <p:cNvPr id="6" name="Content Placeholder 5">
-            <a:extLst>
-              <a:ext uri="{FF2B5EF4-FFF2-40B4-BE49-F238E27FC236}">
-                <a16:creationId xmlns:a16="http://schemas.microsoft.com/office/drawing/2014/main" id="{8CCF44BF-C7A9-46EE-B1EE-4E58FAA20D82}"/>
-              </a:ext>
-            </a:extLst>
-          </p:cNvPr>
+          <p:cNvPr id="6" name="Content Placeholder 5"/>
           <p:cNvSpPr>
             <a:spLocks noGrp="1"/>
           </p:cNvSpPr>
@@ -1760,8 +1923,8 @@
         </p:nvSpPr>
         <p:spPr>
           <a:xfrm>
-            <a:off x="6172200" y="2505075"/>
-            <a:ext cx="5183188" cy="3684588"/>
+            <a:off x="6217920" y="2582334"/>
+            <a:ext cx="4937760" cy="3378200"/>
           </a:xfrm>
         </p:spPr>
         <p:txBody>
@@ -1801,19 +1964,13 @@
               <a:rPr lang="en-US"/>
               <a:t>Fifth level</a:t>
             </a:r>
-            <a:endParaRPr lang="en-IN"/>
-          </a:p>
-        </p:txBody>
-      </p:sp>
-      <p:sp>
-        <p:nvSpPr>
-          <p:cNvPr id="7" name="Date Placeholder 6">
-            <a:extLst>
-              <a:ext uri="{FF2B5EF4-FFF2-40B4-BE49-F238E27FC236}">
-                <a16:creationId xmlns:a16="http://schemas.microsoft.com/office/drawing/2014/main" id="{96B5C8E6-482B-49A1-8A62-B9715A68A342}"/>
-              </a:ext>
-            </a:extLst>
-          </p:cNvPr>
+            <a:endParaRPr lang="en-US" dirty="0"/>
+          </a:p>
+        </p:txBody>
+      </p:sp>
+      <p:sp>
+        <p:nvSpPr>
+          <p:cNvPr id="7" name="Date Placeholder 6"/>
           <p:cNvSpPr>
             <a:spLocks noGrp="1"/>
           </p:cNvSpPr>
@@ -1826,23 +1983,17 @@
           <a:bodyPr/>
           <a:lstStyle/>
           <a:p>
-            <a:fld id="{80D9230E-80DB-4F7B-BAEB-06D1BFD77493}" type="datetimeFigureOut">
-              <a:rPr lang="en-IN" smtClean="0"/>
-              <a:t>05-01-2021</a:t>
+            <a:fld id="{737F1531-2477-4CED-A5BC-E3388EBB2988}" type="datetimeFigureOut">
+              <a:rPr lang="en-US" smtClean="0"/>
+              <a:t>1/7/2021</a:t>
             </a:fld>
-            <a:endParaRPr lang="en-IN"/>
-          </a:p>
-        </p:txBody>
-      </p:sp>
-      <p:sp>
-        <p:nvSpPr>
-          <p:cNvPr id="8" name="Footer Placeholder 7">
-            <a:extLst>
-              <a:ext uri="{FF2B5EF4-FFF2-40B4-BE49-F238E27FC236}">
-                <a16:creationId xmlns:a16="http://schemas.microsoft.com/office/drawing/2014/main" id="{EE7ED599-601F-454A-9CEA-EF7A62455CD3}"/>
-              </a:ext>
-            </a:extLst>
-          </p:cNvPr>
+            <a:endParaRPr lang="en-US" dirty="0"/>
+          </a:p>
+        </p:txBody>
+      </p:sp>
+      <p:sp>
+        <p:nvSpPr>
+          <p:cNvPr id="8" name="Footer Placeholder 7"/>
           <p:cNvSpPr>
             <a:spLocks noGrp="1"/>
           </p:cNvSpPr>
@@ -1855,19 +2006,13 @@
           <a:bodyPr/>
           <a:lstStyle/>
           <a:p>
-            <a:endParaRPr lang="en-IN"/>
-          </a:p>
-        </p:txBody>
-      </p:sp>
-      <p:sp>
-        <p:nvSpPr>
-          <p:cNvPr id="9" name="Slide Number Placeholder 8">
-            <a:extLst>
-              <a:ext uri="{FF2B5EF4-FFF2-40B4-BE49-F238E27FC236}">
-                <a16:creationId xmlns:a16="http://schemas.microsoft.com/office/drawing/2014/main" id="{F106C7F2-2962-41DA-A5F2-ABA5CECC9AEE}"/>
-              </a:ext>
-            </a:extLst>
-          </p:cNvPr>
+            <a:endParaRPr lang="en-US" dirty="0"/>
+          </a:p>
+        </p:txBody>
+      </p:sp>
+      <p:sp>
+        <p:nvSpPr>
+          <p:cNvPr id="9" name="Slide Number Placeholder 8"/>
           <p:cNvSpPr>
             <a:spLocks noGrp="1"/>
           </p:cNvSpPr>
@@ -1880,18 +2025,18 @@
           <a:bodyPr/>
           <a:lstStyle/>
           <a:p>
-            <a:fld id="{A4B7F553-2167-4149-A7C8-488EED6FAA5F}" type="slidenum">
-              <a:rPr lang="en-IN" smtClean="0"/>
+            <a:fld id="{E76D3A98-F3BA-4969-A9AE-395C259084C7}" type="slidenum">
+              <a:rPr lang="en-US" smtClean="0"/>
               <a:t>‹#›</a:t>
             </a:fld>
-            <a:endParaRPr lang="en-IN"/>
+            <a:endParaRPr lang="en-US" dirty="0"/>
           </a:p>
         </p:txBody>
       </p:sp>
     </p:spTree>
     <p:extLst>
       <p:ext uri="{BB962C8B-B14F-4D97-AF65-F5344CB8AC3E}">
-        <p14:creationId xmlns:p14="http://schemas.microsoft.com/office/powerpoint/2010/main" val="1942989146"/>
+        <p14:creationId xmlns:p14="http://schemas.microsoft.com/office/powerpoint/2010/main" val="1982073429"/>
       </p:ext>
     </p:extLst>
   </p:cSld>
@@ -1920,13 +2065,7 @@
       </p:grpSpPr>
       <p:sp>
         <p:nvSpPr>
-          <p:cNvPr id="2" name="Title 1">
-            <a:extLst>
-              <a:ext uri="{FF2B5EF4-FFF2-40B4-BE49-F238E27FC236}">
-                <a16:creationId xmlns:a16="http://schemas.microsoft.com/office/drawing/2014/main" id="{9D82EA34-C634-486C-B939-4A37DBEB6E64}"/>
-              </a:ext>
-            </a:extLst>
-          </p:cNvPr>
+          <p:cNvPr id="2" name="Title 1"/>
           <p:cNvSpPr>
             <a:spLocks noGrp="1"/>
           </p:cNvSpPr>
@@ -1943,19 +2082,13 @@
               <a:rPr lang="en-US"/>
               <a:t>Click to edit Master title style</a:t>
             </a:r>
-            <a:endParaRPr lang="en-IN"/>
-          </a:p>
-        </p:txBody>
-      </p:sp>
-      <p:sp>
-        <p:nvSpPr>
-          <p:cNvPr id="3" name="Date Placeholder 2">
-            <a:extLst>
-              <a:ext uri="{FF2B5EF4-FFF2-40B4-BE49-F238E27FC236}">
-                <a16:creationId xmlns:a16="http://schemas.microsoft.com/office/drawing/2014/main" id="{0942A1C9-42BA-4F69-9D5D-B4A33247D8F1}"/>
-              </a:ext>
-            </a:extLst>
-          </p:cNvPr>
+            <a:endParaRPr lang="en-US" dirty="0"/>
+          </a:p>
+        </p:txBody>
+      </p:sp>
+      <p:sp>
+        <p:nvSpPr>
+          <p:cNvPr id="3" name="Date Placeholder 2"/>
           <p:cNvSpPr>
             <a:spLocks noGrp="1"/>
           </p:cNvSpPr>
@@ -1968,23 +2101,17 @@
           <a:bodyPr/>
           <a:lstStyle/>
           <a:p>
-            <a:fld id="{80D9230E-80DB-4F7B-BAEB-06D1BFD77493}" type="datetimeFigureOut">
-              <a:rPr lang="en-IN" smtClean="0"/>
-              <a:t>05-01-2021</a:t>
+            <a:fld id="{737F1531-2477-4CED-A5BC-E3388EBB2988}" type="datetimeFigureOut">
+              <a:rPr lang="en-US" smtClean="0"/>
+              <a:t>1/7/2021</a:t>
             </a:fld>
-            <a:endParaRPr lang="en-IN"/>
-          </a:p>
-        </p:txBody>
-      </p:sp>
-      <p:sp>
-        <p:nvSpPr>
-          <p:cNvPr id="4" name="Footer Placeholder 3">
-            <a:extLst>
-              <a:ext uri="{FF2B5EF4-FFF2-40B4-BE49-F238E27FC236}">
-                <a16:creationId xmlns:a16="http://schemas.microsoft.com/office/drawing/2014/main" id="{2419B490-54C3-4B36-AB28-A2B3E2120335}"/>
-              </a:ext>
-            </a:extLst>
-          </p:cNvPr>
+            <a:endParaRPr lang="en-US" dirty="0"/>
+          </a:p>
+        </p:txBody>
+      </p:sp>
+      <p:sp>
+        <p:nvSpPr>
+          <p:cNvPr id="4" name="Footer Placeholder 3"/>
           <p:cNvSpPr>
             <a:spLocks noGrp="1"/>
           </p:cNvSpPr>
@@ -1997,19 +2124,13 @@
           <a:bodyPr/>
           <a:lstStyle/>
           <a:p>
-            <a:endParaRPr lang="en-IN"/>
-          </a:p>
-        </p:txBody>
-      </p:sp>
-      <p:sp>
-        <p:nvSpPr>
-          <p:cNvPr id="5" name="Slide Number Placeholder 4">
-            <a:extLst>
-              <a:ext uri="{FF2B5EF4-FFF2-40B4-BE49-F238E27FC236}">
-                <a16:creationId xmlns:a16="http://schemas.microsoft.com/office/drawing/2014/main" id="{88541618-BB80-4852-AEB3-B8F6737988B3}"/>
-              </a:ext>
-            </a:extLst>
-          </p:cNvPr>
+            <a:endParaRPr lang="en-US" dirty="0"/>
+          </a:p>
+        </p:txBody>
+      </p:sp>
+      <p:sp>
+        <p:nvSpPr>
+          <p:cNvPr id="5" name="Slide Number Placeholder 4"/>
           <p:cNvSpPr>
             <a:spLocks noGrp="1"/>
           </p:cNvSpPr>
@@ -2022,18 +2143,18 @@
           <a:bodyPr/>
           <a:lstStyle/>
           <a:p>
-            <a:fld id="{A4B7F553-2167-4149-A7C8-488EED6FAA5F}" type="slidenum">
-              <a:rPr lang="en-IN" smtClean="0"/>
+            <a:fld id="{E76D3A98-F3BA-4969-A9AE-395C259084C7}" type="slidenum">
+              <a:rPr lang="en-US" smtClean="0"/>
               <a:t>‹#›</a:t>
             </a:fld>
-            <a:endParaRPr lang="en-IN"/>
+            <a:endParaRPr lang="en-US" dirty="0"/>
           </a:p>
         </p:txBody>
       </p:sp>
     </p:spTree>
     <p:extLst>
       <p:ext uri="{BB962C8B-B14F-4D97-AF65-F5344CB8AC3E}">
-        <p14:creationId xmlns:p14="http://schemas.microsoft.com/office/powerpoint/2010/main" val="3618314723"/>
+        <p14:creationId xmlns:p14="http://schemas.microsoft.com/office/powerpoint/2010/main" val="3315401993"/>
       </p:ext>
     </p:extLst>
   </p:cSld>
@@ -2044,7 +2165,7 @@
 </file>
 
 <file path=ppt/slideLayouts/slideLayout7.xml><?xml version="1.0" encoding="utf-8"?>
-<p:sldLayout xmlns:a="http://schemas.openxmlformats.org/drawingml/2006/main" xmlns:r="http://schemas.openxmlformats.org/officeDocument/2006/relationships" xmlns:p="http://schemas.openxmlformats.org/presentationml/2006/main" type="blank" preserve="1">
+<p:sldLayout xmlns:a="http://schemas.openxmlformats.org/drawingml/2006/main" xmlns:r="http://schemas.openxmlformats.org/officeDocument/2006/relationships" xmlns:p="http://schemas.openxmlformats.org/presentationml/2006/main" showMasterSp="0" type="blank" preserve="1">
   <p:cSld name="Blank">
     <p:spTree>
       <p:nvGrpSpPr>
@@ -2062,13 +2183,83 @@
       </p:grpSpPr>
       <p:sp>
         <p:nvSpPr>
-          <p:cNvPr id="2" name="Date Placeholder 1">
-            <a:extLst>
-              <a:ext uri="{FF2B5EF4-FFF2-40B4-BE49-F238E27FC236}">
-                <a16:creationId xmlns:a16="http://schemas.microsoft.com/office/drawing/2014/main" id="{2F99836A-8C1F-4A57-97EF-1A5883C2D919}"/>
-              </a:ext>
-            </a:extLst>
-          </p:cNvPr>
+          <p:cNvPr id="5" name="Rectangle 4"/>
+          <p:cNvSpPr/>
+          <p:nvPr/>
+        </p:nvSpPr>
+        <p:spPr>
+          <a:xfrm>
+            <a:off x="3175" y="6400800"/>
+            <a:ext cx="12188825" cy="457200"/>
+          </a:xfrm>
+          <a:prstGeom prst="rect">
+            <a:avLst/>
+          </a:prstGeom>
+          <a:solidFill>
+            <a:schemeClr val="accent2"/>
+          </a:solidFill>
+          <a:ln>
+            <a:noFill/>
+          </a:ln>
+        </p:spPr>
+        <p:style>
+          <a:lnRef idx="2">
+            <a:schemeClr val="accent1">
+              <a:shade val="50000"/>
+            </a:schemeClr>
+          </a:lnRef>
+          <a:fillRef idx="1">
+            <a:schemeClr val="accent1"/>
+          </a:fillRef>
+          <a:effectRef idx="0">
+            <a:schemeClr val="accent1"/>
+          </a:effectRef>
+          <a:fontRef idx="minor">
+            <a:schemeClr val="lt1"/>
+          </a:fontRef>
+        </p:style>
+      </p:sp>
+      <p:sp>
+        <p:nvSpPr>
+          <p:cNvPr id="6" name="Rectangle 5"/>
+          <p:cNvSpPr/>
+          <p:nvPr/>
+        </p:nvSpPr>
+        <p:spPr>
+          <a:xfrm>
+            <a:off x="15" y="6334316"/>
+            <a:ext cx="12188825" cy="64008"/>
+          </a:xfrm>
+          <a:prstGeom prst="rect">
+            <a:avLst/>
+          </a:prstGeom>
+          <a:solidFill>
+            <a:schemeClr val="accent1"/>
+          </a:solidFill>
+          <a:ln>
+            <a:noFill/>
+          </a:ln>
+        </p:spPr>
+        <p:style>
+          <a:lnRef idx="2">
+            <a:schemeClr val="accent1">
+              <a:shade val="50000"/>
+            </a:schemeClr>
+          </a:lnRef>
+          <a:fillRef idx="1">
+            <a:schemeClr val="accent1"/>
+          </a:fillRef>
+          <a:effectRef idx="0">
+            <a:schemeClr val="accent1"/>
+          </a:effectRef>
+          <a:fontRef idx="minor">
+            <a:schemeClr val="lt1"/>
+          </a:fontRef>
+        </p:style>
+      </p:sp>
+      <p:sp>
+        <p:nvSpPr>
+          <p:cNvPr id="7" name="Date Placeholder 6"/>
           <p:cNvSpPr>
             <a:spLocks noGrp="1"/>
           </p:cNvSpPr>
@@ -2081,23 +2272,17 @@
           <a:bodyPr/>
           <a:lstStyle/>
           <a:p>
-            <a:fld id="{80D9230E-80DB-4F7B-BAEB-06D1BFD77493}" type="datetimeFigureOut">
-              <a:rPr lang="en-IN" smtClean="0"/>
-              <a:t>05-01-2021</a:t>
+            <a:fld id="{737F1531-2477-4CED-A5BC-E3388EBB2988}" type="datetimeFigureOut">
+              <a:rPr lang="en-US" smtClean="0"/>
+              <a:t>1/7/2021</a:t>
             </a:fld>
-            <a:endParaRPr lang="en-IN"/>
-          </a:p>
-        </p:txBody>
-      </p:sp>
-      <p:sp>
-        <p:nvSpPr>
-          <p:cNvPr id="3" name="Footer Placeholder 2">
-            <a:extLst>
-              <a:ext uri="{FF2B5EF4-FFF2-40B4-BE49-F238E27FC236}">
-                <a16:creationId xmlns:a16="http://schemas.microsoft.com/office/drawing/2014/main" id="{2C1DDD90-9E24-4144-B723-783A5362F4DC}"/>
-              </a:ext>
-            </a:extLst>
-          </p:cNvPr>
+            <a:endParaRPr lang="en-US" dirty="0"/>
+          </a:p>
+        </p:txBody>
+      </p:sp>
+      <p:sp>
+        <p:nvSpPr>
+          <p:cNvPr id="8" name="Footer Placeholder 7"/>
           <p:cNvSpPr>
             <a:spLocks noGrp="1"/>
           </p:cNvSpPr>
@@ -2108,21 +2293,23 @@
         <p:spPr/>
         <p:txBody>
           <a:bodyPr/>
-          <a:lstStyle/>
-          <a:p>
-            <a:endParaRPr lang="en-IN"/>
-          </a:p>
-        </p:txBody>
-      </p:sp>
-      <p:sp>
-        <p:nvSpPr>
-          <p:cNvPr id="4" name="Slide Number Placeholder 3">
-            <a:extLst>
-              <a:ext uri="{FF2B5EF4-FFF2-40B4-BE49-F238E27FC236}">
-                <a16:creationId xmlns:a16="http://schemas.microsoft.com/office/drawing/2014/main" id="{EA9AE5FB-80BF-469F-BEFF-EA2C46C655EC}"/>
-              </a:ext>
-            </a:extLst>
-          </p:cNvPr>
+          <a:lstStyle>
+            <a:lvl1pPr>
+              <a:defRPr>
+                <a:solidFill>
+                  <a:srgbClr val="FFFFFF"/>
+                </a:solidFill>
+              </a:defRPr>
+            </a:lvl1pPr>
+          </a:lstStyle>
+          <a:p>
+            <a:endParaRPr lang="en-US" dirty="0"/>
+          </a:p>
+        </p:txBody>
+      </p:sp>
+      <p:sp>
+        <p:nvSpPr>
+          <p:cNvPr id="9" name="Slide Number Placeholder 8"/>
           <p:cNvSpPr>
             <a:spLocks noGrp="1"/>
           </p:cNvSpPr>
@@ -2135,18 +2322,18 @@
           <a:bodyPr/>
           <a:lstStyle/>
           <a:p>
-            <a:fld id="{A4B7F553-2167-4149-A7C8-488EED6FAA5F}" type="slidenum">
-              <a:rPr lang="en-IN" smtClean="0"/>
+            <a:fld id="{E76D3A98-F3BA-4969-A9AE-395C259084C7}" type="slidenum">
+              <a:rPr lang="en-US" smtClean="0"/>
               <a:t>‹#›</a:t>
             </a:fld>
-            <a:endParaRPr lang="en-IN"/>
+            <a:endParaRPr lang="en-US" dirty="0"/>
           </a:p>
         </p:txBody>
       </p:sp>
     </p:spTree>
     <p:extLst>
       <p:ext uri="{BB962C8B-B14F-4D97-AF65-F5344CB8AC3E}">
-        <p14:creationId xmlns:p14="http://schemas.microsoft.com/office/powerpoint/2010/main" val="1277299258"/>
+        <p14:creationId xmlns:p14="http://schemas.microsoft.com/office/powerpoint/2010/main" val="4158211380"/>
       </p:ext>
     </p:extLst>
   </p:cSld>
@@ -2157,7 +2344,7 @@
 </file>
 
 <file path=ppt/slideLayouts/slideLayout8.xml><?xml version="1.0" encoding="utf-8"?>
-<p:sldLayout xmlns:a="http://schemas.openxmlformats.org/drawingml/2006/main" xmlns:r="http://schemas.openxmlformats.org/officeDocument/2006/relationships" xmlns:p="http://schemas.openxmlformats.org/presentationml/2006/main" type="objTx" preserve="1">
+<p:sldLayout xmlns:a="http://schemas.openxmlformats.org/drawingml/2006/main" xmlns:r="http://schemas.openxmlformats.org/officeDocument/2006/relationships" xmlns:p="http://schemas.openxmlformats.org/presentationml/2006/main" showMasterSp="0" type="objTx" preserve="1">
   <p:cSld name="Content with Caption">
     <p:spTree>
       <p:nvGrpSpPr>
@@ -2175,31 +2362,107 @@
       </p:grpSpPr>
       <p:sp>
         <p:nvSpPr>
-          <p:cNvPr id="2" name="Title 1">
-            <a:extLst>
-              <a:ext uri="{FF2B5EF4-FFF2-40B4-BE49-F238E27FC236}">
-                <a16:creationId xmlns:a16="http://schemas.microsoft.com/office/drawing/2014/main" id="{17173467-414C-4228-B361-B020465FF93B}"/>
-              </a:ext>
-            </a:extLst>
-          </p:cNvPr>
-          <p:cNvSpPr>
-            <a:spLocks noGrp="1"/>
-          </p:cNvSpPr>
-          <p:nvPr>
-            <p:ph type="title"/>
-          </p:nvPr>
+          <p:cNvPr id="8" name="Rectangle 7"/>
+          <p:cNvSpPr/>
+          <p:nvPr/>
         </p:nvSpPr>
         <p:spPr>
           <a:xfrm>
-            <a:off x="839788" y="457200"/>
-            <a:ext cx="3932237" cy="1600200"/>
+            <a:off x="16" y="0"/>
+            <a:ext cx="4050791" cy="6858000"/>
+          </a:xfrm>
+          <a:prstGeom prst="rect">
+            <a:avLst/>
+          </a:prstGeom>
+          <a:solidFill>
+            <a:schemeClr val="accent2"/>
+          </a:solidFill>
+          <a:ln>
+            <a:noFill/>
+          </a:ln>
+        </p:spPr>
+        <p:style>
+          <a:lnRef idx="2">
+            <a:schemeClr val="accent1">
+              <a:shade val="50000"/>
+            </a:schemeClr>
+          </a:lnRef>
+          <a:fillRef idx="1">
+            <a:schemeClr val="accent1"/>
+          </a:fillRef>
+          <a:effectRef idx="0">
+            <a:schemeClr val="accent1"/>
+          </a:effectRef>
+          <a:fontRef idx="minor">
+            <a:schemeClr val="lt1"/>
+          </a:fontRef>
+        </p:style>
+      </p:sp>
+      <p:sp>
+        <p:nvSpPr>
+          <p:cNvPr id="9" name="Rectangle 8"/>
+          <p:cNvSpPr/>
+          <p:nvPr/>
+        </p:nvSpPr>
+        <p:spPr>
+          <a:xfrm>
+            <a:off x="4040071" y="0"/>
+            <a:ext cx="64008" cy="6858000"/>
+          </a:xfrm>
+          <a:prstGeom prst="rect">
+            <a:avLst/>
+          </a:prstGeom>
+          <a:solidFill>
+            <a:schemeClr val="accent1"/>
+          </a:solidFill>
+          <a:ln>
+            <a:noFill/>
+          </a:ln>
+        </p:spPr>
+        <p:style>
+          <a:lnRef idx="2">
+            <a:schemeClr val="accent1">
+              <a:shade val="50000"/>
+            </a:schemeClr>
+          </a:lnRef>
+          <a:fillRef idx="1">
+            <a:schemeClr val="accent1"/>
+          </a:fillRef>
+          <a:effectRef idx="0">
+            <a:schemeClr val="accent1"/>
+          </a:effectRef>
+          <a:fontRef idx="minor">
+            <a:schemeClr val="lt1"/>
+          </a:fontRef>
+        </p:style>
+      </p:sp>
+      <p:sp>
+        <p:nvSpPr>
+          <p:cNvPr id="2" name="Title 1"/>
+          <p:cNvSpPr>
+            <a:spLocks noGrp="1"/>
+          </p:cNvSpPr>
+          <p:nvPr>
+            <p:ph type="title"/>
+          </p:nvPr>
+        </p:nvSpPr>
+        <p:spPr>
+          <a:xfrm>
+            <a:off x="457200" y="594359"/>
+            <a:ext cx="3200400" cy="2286000"/>
           </a:xfrm>
         </p:spPr>
         <p:txBody>
-          <a:bodyPr anchor="b"/>
+          <a:bodyPr anchor="b">
+            <a:normAutofit/>
+          </a:bodyPr>
           <a:lstStyle>
             <a:lvl1pPr>
-              <a:defRPr sz="3200"/>
+              <a:defRPr sz="3600" b="0">
+                <a:solidFill>
+                  <a:srgbClr val="FFFFFF"/>
+                </a:solidFill>
+              </a:defRPr>
             </a:lvl1pPr>
           </a:lstStyle>
           <a:p>
@@ -2207,19 +2470,13 @@
               <a:rPr lang="en-US"/>
               <a:t>Click to edit Master title style</a:t>
             </a:r>
-            <a:endParaRPr lang="en-IN"/>
-          </a:p>
-        </p:txBody>
-      </p:sp>
-      <p:sp>
-        <p:nvSpPr>
-          <p:cNvPr id="3" name="Content Placeholder 2">
-            <a:extLst>
-              <a:ext uri="{FF2B5EF4-FFF2-40B4-BE49-F238E27FC236}">
-                <a16:creationId xmlns:a16="http://schemas.microsoft.com/office/drawing/2014/main" id="{24CF6F7E-9EB9-44CF-90CF-EBC9E37AA05B}"/>
-              </a:ext>
-            </a:extLst>
-          </p:cNvPr>
+            <a:endParaRPr lang="en-US" dirty="0"/>
+          </a:p>
+        </p:txBody>
+      </p:sp>
+      <p:sp>
+        <p:nvSpPr>
+          <p:cNvPr id="3" name="Content Placeholder 2"/>
           <p:cNvSpPr>
             <a:spLocks noGrp="1"/>
           </p:cNvSpPr>
@@ -2229,237 +2486,221 @@
         </p:nvSpPr>
         <p:spPr>
           <a:xfrm>
-            <a:off x="5183188" y="987425"/>
-            <a:ext cx="6172200" cy="4873625"/>
+            <a:off x="4800600" y="731520"/>
+            <a:ext cx="6492240" cy="5257800"/>
           </a:xfrm>
         </p:spPr>
+        <p:txBody>
+          <a:bodyPr/>
+          <a:lstStyle/>
+          <a:p>
+            <a:pPr lvl="0"/>
+            <a:r>
+              <a:rPr lang="en-US"/>
+              <a:t>Click to edit Master text styles</a:t>
+            </a:r>
+          </a:p>
+          <a:p>
+            <a:pPr lvl="1"/>
+            <a:r>
+              <a:rPr lang="en-US"/>
+              <a:t>Second level</a:t>
+            </a:r>
+          </a:p>
+          <a:p>
+            <a:pPr lvl="2"/>
+            <a:r>
+              <a:rPr lang="en-US"/>
+              <a:t>Third level</a:t>
+            </a:r>
+          </a:p>
+          <a:p>
+            <a:pPr lvl="3"/>
+            <a:r>
+              <a:rPr lang="en-US"/>
+              <a:t>Fourth level</a:t>
+            </a:r>
+          </a:p>
+          <a:p>
+            <a:pPr lvl="4"/>
+            <a:r>
+              <a:rPr lang="en-US"/>
+              <a:t>Fifth level</a:t>
+            </a:r>
+            <a:endParaRPr lang="en-US" dirty="0"/>
+          </a:p>
+        </p:txBody>
+      </p:sp>
+      <p:sp>
+        <p:nvSpPr>
+          <p:cNvPr id="4" name="Text Placeholder 3"/>
+          <p:cNvSpPr>
+            <a:spLocks noGrp="1"/>
+          </p:cNvSpPr>
+          <p:nvPr>
+            <p:ph type="body" sz="half" idx="2"/>
+          </p:nvPr>
+        </p:nvSpPr>
+        <p:spPr>
+          <a:xfrm>
+            <a:off x="457200" y="2926080"/>
+            <a:ext cx="3200400" cy="3379124"/>
+          </a:xfrm>
+        </p:spPr>
+        <p:txBody>
+          <a:bodyPr lIns="91440" rIns="91440">
+            <a:normAutofit/>
+          </a:bodyPr>
+          <a:lstStyle>
+            <a:lvl1pPr marL="0" indent="0">
+              <a:buNone/>
+              <a:defRPr sz="1500">
+                <a:solidFill>
+                  <a:srgbClr val="FFFFFF"/>
+                </a:solidFill>
+              </a:defRPr>
+            </a:lvl1pPr>
+            <a:lvl2pPr marL="457200" indent="0">
+              <a:buNone/>
+              <a:defRPr sz="1200"/>
+            </a:lvl2pPr>
+            <a:lvl3pPr marL="914400" indent="0">
+              <a:buNone/>
+              <a:defRPr sz="1000"/>
+            </a:lvl3pPr>
+            <a:lvl4pPr marL="1371600" indent="0">
+              <a:buNone/>
+              <a:defRPr sz="900"/>
+            </a:lvl4pPr>
+            <a:lvl5pPr marL="1828800" indent="0">
+              <a:buNone/>
+              <a:defRPr sz="900"/>
+            </a:lvl5pPr>
+            <a:lvl6pPr marL="2286000" indent="0">
+              <a:buNone/>
+              <a:defRPr sz="900"/>
+            </a:lvl6pPr>
+            <a:lvl7pPr marL="2743200" indent="0">
+              <a:buNone/>
+              <a:defRPr sz="900"/>
+            </a:lvl7pPr>
+            <a:lvl8pPr marL="3200400" indent="0">
+              <a:buNone/>
+              <a:defRPr sz="900"/>
+            </a:lvl8pPr>
+            <a:lvl9pPr marL="3657600" indent="0">
+              <a:buNone/>
+              <a:defRPr sz="900"/>
+            </a:lvl9pPr>
+          </a:lstStyle>
+          <a:p>
+            <a:pPr lvl="0"/>
+            <a:r>
+              <a:rPr lang="en-US"/>
+              <a:t>Click to edit Master text styles</a:t>
+            </a:r>
+          </a:p>
+        </p:txBody>
+      </p:sp>
+      <p:sp>
+        <p:nvSpPr>
+          <p:cNvPr id="5" name="Date Placeholder 4"/>
+          <p:cNvSpPr>
+            <a:spLocks noGrp="1"/>
+          </p:cNvSpPr>
+          <p:nvPr>
+            <p:ph type="dt" sz="half" idx="10"/>
+          </p:nvPr>
+        </p:nvSpPr>
+        <p:spPr>
+          <a:xfrm>
+            <a:off x="465512" y="6459785"/>
+            <a:ext cx="2618510" cy="365125"/>
+          </a:xfrm>
+        </p:spPr>
+        <p:txBody>
+          <a:bodyPr/>
+          <a:lstStyle>
+            <a:lvl1pPr algn="l">
+              <a:defRPr/>
+            </a:lvl1pPr>
+          </a:lstStyle>
+          <a:p>
+            <a:fld id="{737F1531-2477-4CED-A5BC-E3388EBB2988}" type="datetimeFigureOut">
+              <a:rPr lang="en-US" smtClean="0"/>
+              <a:t>1/7/2021</a:t>
+            </a:fld>
+            <a:endParaRPr lang="en-US" dirty="0"/>
+          </a:p>
+        </p:txBody>
+      </p:sp>
+      <p:sp>
+        <p:nvSpPr>
+          <p:cNvPr id="6" name="Footer Placeholder 5"/>
+          <p:cNvSpPr>
+            <a:spLocks noGrp="1"/>
+          </p:cNvSpPr>
+          <p:nvPr>
+            <p:ph type="ftr" sz="quarter" idx="11"/>
+          </p:nvPr>
+        </p:nvSpPr>
+        <p:spPr>
+          <a:xfrm>
+            <a:off x="4800600" y="6459785"/>
+            <a:ext cx="4648200" cy="365125"/>
+          </a:xfrm>
+        </p:spPr>
+        <p:txBody>
+          <a:bodyPr/>
+          <a:lstStyle>
+            <a:lvl1pPr algn="l">
+              <a:defRPr>
+                <a:solidFill>
+                  <a:schemeClr val="tx2"/>
+                </a:solidFill>
+              </a:defRPr>
+            </a:lvl1pPr>
+          </a:lstStyle>
+          <a:p>
+            <a:endParaRPr lang="en-US" dirty="0"/>
+          </a:p>
+        </p:txBody>
+      </p:sp>
+      <p:sp>
+        <p:nvSpPr>
+          <p:cNvPr id="7" name="Slide Number Placeholder 6"/>
+          <p:cNvSpPr>
+            <a:spLocks noGrp="1"/>
+          </p:cNvSpPr>
+          <p:nvPr>
+            <p:ph type="sldNum" sz="quarter" idx="12"/>
+          </p:nvPr>
+        </p:nvSpPr>
+        <p:spPr/>
         <p:txBody>
           <a:bodyPr/>
           <a:lstStyle>
             <a:lvl1pPr>
-              <a:defRPr sz="3200"/>
+              <a:defRPr>
+                <a:solidFill>
+                  <a:schemeClr val="tx2"/>
+                </a:solidFill>
+              </a:defRPr>
             </a:lvl1pPr>
-            <a:lvl2pPr>
-              <a:defRPr sz="2800"/>
-            </a:lvl2pPr>
-            <a:lvl3pPr>
-              <a:defRPr sz="2400"/>
-            </a:lvl3pPr>
-            <a:lvl4pPr>
-              <a:defRPr sz="2000"/>
-            </a:lvl4pPr>
-            <a:lvl5pPr>
-              <a:defRPr sz="2000"/>
-            </a:lvl5pPr>
-            <a:lvl6pPr>
-              <a:defRPr sz="2000"/>
-            </a:lvl6pPr>
-            <a:lvl7pPr>
-              <a:defRPr sz="2000"/>
-            </a:lvl7pPr>
-            <a:lvl8pPr>
-              <a:defRPr sz="2000"/>
-            </a:lvl8pPr>
-            <a:lvl9pPr>
-              <a:defRPr sz="2000"/>
-            </a:lvl9pPr>
           </a:lstStyle>
           <a:p>
-            <a:pPr lvl="0"/>
-            <a:r>
-              <a:rPr lang="en-US"/>
-              <a:t>Click to edit Master text styles</a:t>
-            </a:r>
-          </a:p>
-          <a:p>
-            <a:pPr lvl="1"/>
-            <a:r>
-              <a:rPr lang="en-US"/>
-              <a:t>Second level</a:t>
-            </a:r>
-          </a:p>
-          <a:p>
-            <a:pPr lvl="2"/>
-            <a:r>
-              <a:rPr lang="en-US"/>
-              <a:t>Third level</a:t>
-            </a:r>
-          </a:p>
-          <a:p>
-            <a:pPr lvl="3"/>
-            <a:r>
-              <a:rPr lang="en-US"/>
-              <a:t>Fourth level</a:t>
-            </a:r>
-          </a:p>
-          <a:p>
-            <a:pPr lvl="4"/>
-            <a:r>
-              <a:rPr lang="en-US"/>
-              <a:t>Fifth level</a:t>
-            </a:r>
-            <a:endParaRPr lang="en-IN"/>
-          </a:p>
-        </p:txBody>
-      </p:sp>
-      <p:sp>
-        <p:nvSpPr>
-          <p:cNvPr id="4" name="Text Placeholder 3">
-            <a:extLst>
-              <a:ext uri="{FF2B5EF4-FFF2-40B4-BE49-F238E27FC236}">
-                <a16:creationId xmlns:a16="http://schemas.microsoft.com/office/drawing/2014/main" id="{F6C8EEC6-6F6D-4056-8827-E37D6929EA66}"/>
-              </a:ext>
-            </a:extLst>
-          </p:cNvPr>
-          <p:cNvSpPr>
-            <a:spLocks noGrp="1"/>
-          </p:cNvSpPr>
-          <p:nvPr>
-            <p:ph type="body" sz="half" idx="2"/>
-          </p:nvPr>
-        </p:nvSpPr>
-        <p:spPr>
-          <a:xfrm>
-            <a:off x="839788" y="2057400"/>
-            <a:ext cx="3932237" cy="3811588"/>
-          </a:xfrm>
-        </p:spPr>
-        <p:txBody>
-          <a:bodyPr/>
-          <a:lstStyle>
-            <a:lvl1pPr marL="0" indent="0">
-              <a:buNone/>
-              <a:defRPr sz="1600"/>
-            </a:lvl1pPr>
-            <a:lvl2pPr marL="457200" indent="0">
-              <a:buNone/>
-              <a:defRPr sz="1400"/>
-            </a:lvl2pPr>
-            <a:lvl3pPr marL="914400" indent="0">
-              <a:buNone/>
-              <a:defRPr sz="1200"/>
-            </a:lvl3pPr>
-            <a:lvl4pPr marL="1371600" indent="0">
-              <a:buNone/>
-              <a:defRPr sz="1000"/>
-            </a:lvl4pPr>
-            <a:lvl5pPr marL="1828800" indent="0">
-              <a:buNone/>
-              <a:defRPr sz="1000"/>
-            </a:lvl5pPr>
-            <a:lvl6pPr marL="2286000" indent="0">
-              <a:buNone/>
-              <a:defRPr sz="1000"/>
-            </a:lvl6pPr>
-            <a:lvl7pPr marL="2743200" indent="0">
-              <a:buNone/>
-              <a:defRPr sz="1000"/>
-            </a:lvl7pPr>
-            <a:lvl8pPr marL="3200400" indent="0">
-              <a:buNone/>
-              <a:defRPr sz="1000"/>
-            </a:lvl8pPr>
-            <a:lvl9pPr marL="3657600" indent="0">
-              <a:buNone/>
-              <a:defRPr sz="1000"/>
-            </a:lvl9pPr>
-          </a:lstStyle>
-          <a:p>
-            <a:pPr lvl="0"/>
-            <a:r>
-              <a:rPr lang="en-US"/>
-              <a:t>Click to edit Master text styles</a:t>
-            </a:r>
-          </a:p>
-        </p:txBody>
-      </p:sp>
-      <p:sp>
-        <p:nvSpPr>
-          <p:cNvPr id="5" name="Date Placeholder 4">
-            <a:extLst>
-              <a:ext uri="{FF2B5EF4-FFF2-40B4-BE49-F238E27FC236}">
-                <a16:creationId xmlns:a16="http://schemas.microsoft.com/office/drawing/2014/main" id="{4FC89090-5888-4C29-92E2-BDD721B11EE2}"/>
-              </a:ext>
-            </a:extLst>
-          </p:cNvPr>
-          <p:cNvSpPr>
-            <a:spLocks noGrp="1"/>
-          </p:cNvSpPr>
-          <p:nvPr>
-            <p:ph type="dt" sz="half" idx="10"/>
-          </p:nvPr>
-        </p:nvSpPr>
-        <p:spPr/>
-        <p:txBody>
-          <a:bodyPr/>
-          <a:lstStyle/>
-          <a:p>
-            <a:fld id="{80D9230E-80DB-4F7B-BAEB-06D1BFD77493}" type="datetimeFigureOut">
-              <a:rPr lang="en-IN" smtClean="0"/>
-              <a:t>05-01-2021</a:t>
-            </a:fld>
-            <a:endParaRPr lang="en-IN"/>
-          </a:p>
-        </p:txBody>
-      </p:sp>
-      <p:sp>
-        <p:nvSpPr>
-          <p:cNvPr id="6" name="Footer Placeholder 5">
-            <a:extLst>
-              <a:ext uri="{FF2B5EF4-FFF2-40B4-BE49-F238E27FC236}">
-                <a16:creationId xmlns:a16="http://schemas.microsoft.com/office/drawing/2014/main" id="{5C56D967-E2C1-4579-9418-9AAB38D6EAB1}"/>
-              </a:ext>
-            </a:extLst>
-          </p:cNvPr>
-          <p:cNvSpPr>
-            <a:spLocks noGrp="1"/>
-          </p:cNvSpPr>
-          <p:nvPr>
-            <p:ph type="ftr" sz="quarter" idx="11"/>
-          </p:nvPr>
-        </p:nvSpPr>
-        <p:spPr/>
-        <p:txBody>
-          <a:bodyPr/>
-          <a:lstStyle/>
-          <a:p>
-            <a:endParaRPr lang="en-IN"/>
-          </a:p>
-        </p:txBody>
-      </p:sp>
-      <p:sp>
-        <p:nvSpPr>
-          <p:cNvPr id="7" name="Slide Number Placeholder 6">
-            <a:extLst>
-              <a:ext uri="{FF2B5EF4-FFF2-40B4-BE49-F238E27FC236}">
-                <a16:creationId xmlns:a16="http://schemas.microsoft.com/office/drawing/2014/main" id="{771D4210-2CBD-48D0-AE6E-AE5BA031A476}"/>
-              </a:ext>
-            </a:extLst>
-          </p:cNvPr>
-          <p:cNvSpPr>
-            <a:spLocks noGrp="1"/>
-          </p:cNvSpPr>
-          <p:nvPr>
-            <p:ph type="sldNum" sz="quarter" idx="12"/>
-          </p:nvPr>
-        </p:nvSpPr>
-        <p:spPr/>
-        <p:txBody>
-          <a:bodyPr/>
-          <a:lstStyle/>
-          <a:p>
-            <a:fld id="{A4B7F553-2167-4149-A7C8-488EED6FAA5F}" type="slidenum">
-              <a:rPr lang="en-IN" smtClean="0"/>
+            <a:fld id="{E76D3A98-F3BA-4969-A9AE-395C259084C7}" type="slidenum">
+              <a:rPr lang="en-US" smtClean="0"/>
               <a:t>‹#›</a:t>
             </a:fld>
-            <a:endParaRPr lang="en-IN"/>
+            <a:endParaRPr lang="en-US" dirty="0"/>
           </a:p>
         </p:txBody>
       </p:sp>
     </p:spTree>
     <p:extLst>
       <p:ext uri="{BB962C8B-B14F-4D97-AF65-F5344CB8AC3E}">
-        <p14:creationId xmlns:p14="http://schemas.microsoft.com/office/powerpoint/2010/main" val="3051394502"/>
+        <p14:creationId xmlns:p14="http://schemas.microsoft.com/office/powerpoint/2010/main" val="3283162000"/>
       </p:ext>
     </p:extLst>
   </p:cSld>
@@ -2470,7 +2711,7 @@
 </file>
 
 <file path=ppt/slideLayouts/slideLayout9.xml><?xml version="1.0" encoding="utf-8"?>
-<p:sldLayout xmlns:a="http://schemas.openxmlformats.org/drawingml/2006/main" xmlns:r="http://schemas.openxmlformats.org/officeDocument/2006/relationships" xmlns:p="http://schemas.openxmlformats.org/presentationml/2006/main" type="picTx" preserve="1">
+<p:sldLayout xmlns:a="http://schemas.openxmlformats.org/drawingml/2006/main" xmlns:r="http://schemas.openxmlformats.org/officeDocument/2006/relationships" xmlns:p="http://schemas.openxmlformats.org/presentationml/2006/main" showMasterSp="0" type="picTx" preserve="1">
   <p:cSld name="Picture with Caption">
     <p:spTree>
       <p:nvGrpSpPr>
@@ -2488,31 +2729,107 @@
       </p:grpSpPr>
       <p:sp>
         <p:nvSpPr>
-          <p:cNvPr id="2" name="Title 1">
-            <a:extLst>
-              <a:ext uri="{FF2B5EF4-FFF2-40B4-BE49-F238E27FC236}">
-                <a16:creationId xmlns:a16="http://schemas.microsoft.com/office/drawing/2014/main" id="{5EDFEC5B-2AB9-4E53-8009-96CDD998E314}"/>
-              </a:ext>
-            </a:extLst>
-          </p:cNvPr>
-          <p:cNvSpPr>
-            <a:spLocks noGrp="1"/>
-          </p:cNvSpPr>
-          <p:nvPr>
-            <p:ph type="title"/>
-          </p:nvPr>
+          <p:cNvPr id="8" name="Rectangle 7"/>
+          <p:cNvSpPr/>
+          <p:nvPr/>
         </p:nvSpPr>
         <p:spPr>
           <a:xfrm>
-            <a:off x="839788" y="457200"/>
-            <a:ext cx="3932237" cy="1600200"/>
+            <a:off x="0" y="4953000"/>
+            <a:ext cx="12188825" cy="1905000"/>
+          </a:xfrm>
+          <a:prstGeom prst="rect">
+            <a:avLst/>
+          </a:prstGeom>
+          <a:solidFill>
+            <a:schemeClr val="accent2"/>
+          </a:solidFill>
+          <a:ln>
+            <a:noFill/>
+          </a:ln>
+        </p:spPr>
+        <p:style>
+          <a:lnRef idx="2">
+            <a:schemeClr val="accent1">
+              <a:shade val="50000"/>
+            </a:schemeClr>
+          </a:lnRef>
+          <a:fillRef idx="1">
+            <a:schemeClr val="accent1"/>
+          </a:fillRef>
+          <a:effectRef idx="0">
+            <a:schemeClr val="accent1"/>
+          </a:effectRef>
+          <a:fontRef idx="minor">
+            <a:schemeClr val="lt1"/>
+          </a:fontRef>
+        </p:style>
+      </p:sp>
+      <p:sp>
+        <p:nvSpPr>
+          <p:cNvPr id="9" name="Rectangle 8"/>
+          <p:cNvSpPr/>
+          <p:nvPr/>
+        </p:nvSpPr>
+        <p:spPr>
+          <a:xfrm>
+            <a:off x="15" y="4915076"/>
+            <a:ext cx="12188825" cy="64008"/>
+          </a:xfrm>
+          <a:prstGeom prst="rect">
+            <a:avLst/>
+          </a:prstGeom>
+          <a:solidFill>
+            <a:schemeClr val="accent1"/>
+          </a:solidFill>
+          <a:ln>
+            <a:noFill/>
+          </a:ln>
+        </p:spPr>
+        <p:style>
+          <a:lnRef idx="2">
+            <a:schemeClr val="accent1">
+              <a:shade val="50000"/>
+            </a:schemeClr>
+          </a:lnRef>
+          <a:fillRef idx="1">
+            <a:schemeClr val="accent1"/>
+          </a:fillRef>
+          <a:effectRef idx="0">
+            <a:schemeClr val="accent1"/>
+          </a:effectRef>
+          <a:fontRef idx="minor">
+            <a:schemeClr val="lt1"/>
+          </a:fontRef>
+        </p:style>
+      </p:sp>
+      <p:sp>
+        <p:nvSpPr>
+          <p:cNvPr id="2" name="Title 1"/>
+          <p:cNvSpPr>
+            <a:spLocks noGrp="1"/>
+          </p:cNvSpPr>
+          <p:nvPr>
+            <p:ph type="title"/>
+          </p:nvPr>
+        </p:nvSpPr>
+        <p:spPr>
+          <a:xfrm>
+            <a:off x="1097280" y="5074920"/>
+            <a:ext cx="10113264" cy="822960"/>
           </a:xfrm>
         </p:spPr>
         <p:txBody>
-          <a:bodyPr anchor="b"/>
+          <a:bodyPr lIns="91440" tIns="0" rIns="91440" bIns="0" anchor="b">
+            <a:noAutofit/>
+          </a:bodyPr>
           <a:lstStyle>
             <a:lvl1pPr>
-              <a:defRPr sz="3200"/>
+              <a:defRPr sz="3600" b="0">
+                <a:solidFill>
+                  <a:srgbClr val="FFFFFF"/>
+                </a:solidFill>
+              </a:defRPr>
             </a:lvl1pPr>
           </a:lstStyle>
           <a:p>
@@ -2520,21 +2837,15 @@
               <a:rPr lang="en-US"/>
               <a:t>Click to edit Master title style</a:t>
             </a:r>
-            <a:endParaRPr lang="en-IN"/>
-          </a:p>
-        </p:txBody>
-      </p:sp>
-      <p:sp>
-        <p:nvSpPr>
-          <p:cNvPr id="3" name="Picture Placeholder 2">
-            <a:extLst>
-              <a:ext uri="{FF2B5EF4-FFF2-40B4-BE49-F238E27FC236}">
-                <a16:creationId xmlns:a16="http://schemas.microsoft.com/office/drawing/2014/main" id="{E79437BD-B275-4C16-A453-A82177DEBCAA}"/>
-              </a:ext>
-            </a:extLst>
-          </p:cNvPr>
-          <p:cNvSpPr>
-            <a:spLocks noGrp="1"/>
+            <a:endParaRPr lang="en-US" dirty="0"/>
+          </a:p>
+        </p:txBody>
+      </p:sp>
+      <p:sp>
+        <p:nvSpPr>
+          <p:cNvPr id="3" name="Picture Placeholder 2"/>
+          <p:cNvSpPr>
+            <a:spLocks noGrp="1" noChangeAspect="1"/>
           </p:cNvSpPr>
           <p:nvPr>
             <p:ph type="pic" idx="1"/>
@@ -2542,16 +2853,26 @@
         </p:nvSpPr>
         <p:spPr>
           <a:xfrm>
-            <a:off x="5183188" y="987425"/>
-            <a:ext cx="6172200" cy="4873625"/>
+            <a:off x="15" y="0"/>
+            <a:ext cx="12191985" cy="4915076"/>
           </a:xfrm>
+          <a:blipFill>
+            <a:blip r:embed="rId2"/>
+            <a:stretch>
+              <a:fillRect/>
+            </a:stretch>
+          </a:blipFill>
         </p:spPr>
         <p:txBody>
-          <a:bodyPr/>
+          <a:bodyPr lIns="457200" tIns="457200" anchor="t"/>
           <a:lstStyle>
             <a:lvl1pPr marL="0" indent="0">
               <a:buNone/>
-              <a:defRPr sz="3200"/>
+              <a:defRPr sz="3200">
+                <a:solidFill>
+                  <a:schemeClr val="bg1"/>
+                </a:solidFill>
+              </a:defRPr>
             </a:lvl1pPr>
             <a:lvl2pPr marL="457200" indent="0">
               <a:buNone/>
@@ -2587,19 +2908,17 @@
             </a:lvl9pPr>
           </a:lstStyle>
           <a:p>
-            <a:endParaRPr lang="en-IN"/>
-          </a:p>
-        </p:txBody>
-      </p:sp>
-      <p:sp>
-        <p:nvSpPr>
-          <p:cNvPr id="4" name="Text Placeholder 3">
-            <a:extLst>
-              <a:ext uri="{FF2B5EF4-FFF2-40B4-BE49-F238E27FC236}">
-                <a16:creationId xmlns:a16="http://schemas.microsoft.com/office/drawing/2014/main" id="{FF77CC99-6B00-465B-9CB4-A64D4AB56E20}"/>
-              </a:ext>
-            </a:extLst>
-          </p:cNvPr>
+            <a:r>
+              <a:rPr lang="en-US"/>
+              <a:t>Click icon to add picture</a:t>
+            </a:r>
+            <a:endParaRPr lang="en-US" dirty="0"/>
+          </a:p>
+        </p:txBody>
+      </p:sp>
+      <p:sp>
+        <p:nvSpPr>
+          <p:cNvPr id="4" name="Text Placeholder 3"/>
           <p:cNvSpPr>
             <a:spLocks noGrp="1"/>
           </p:cNvSpPr>
@@ -2609,48 +2928,60 @@
         </p:nvSpPr>
         <p:spPr>
           <a:xfrm>
-            <a:off x="839788" y="2057400"/>
-            <a:ext cx="3932237" cy="3811588"/>
+            <a:off x="1097280" y="5907023"/>
+            <a:ext cx="10113264" cy="594360"/>
           </a:xfrm>
         </p:spPr>
         <p:txBody>
-          <a:bodyPr/>
+          <a:bodyPr lIns="91440" tIns="0" rIns="91440" bIns="0">
+            <a:normAutofit/>
+          </a:bodyPr>
           <a:lstStyle>
             <a:lvl1pPr marL="0" indent="0">
-              <a:buNone/>
-              <a:defRPr sz="1600"/>
+              <a:spcBef>
+                <a:spcPts val="0"/>
+              </a:spcBef>
+              <a:spcAft>
+                <a:spcPts val="600"/>
+              </a:spcAft>
+              <a:buNone/>
+              <a:defRPr sz="1500">
+                <a:solidFill>
+                  <a:srgbClr val="FFFFFF"/>
+                </a:solidFill>
+              </a:defRPr>
             </a:lvl1pPr>
             <a:lvl2pPr marL="457200" indent="0">
               <a:buNone/>
-              <a:defRPr sz="1400"/>
+              <a:defRPr sz="1200"/>
             </a:lvl2pPr>
             <a:lvl3pPr marL="914400" indent="0">
               <a:buNone/>
-              <a:defRPr sz="1200"/>
+              <a:defRPr sz="1000"/>
             </a:lvl3pPr>
             <a:lvl4pPr marL="1371600" indent="0">
               <a:buNone/>
-              <a:defRPr sz="1000"/>
+              <a:defRPr sz="900"/>
             </a:lvl4pPr>
             <a:lvl5pPr marL="1828800" indent="0">
               <a:buNone/>
-              <a:defRPr sz="1000"/>
+              <a:defRPr sz="900"/>
             </a:lvl5pPr>
             <a:lvl6pPr marL="2286000" indent="0">
               <a:buNone/>
-              <a:defRPr sz="1000"/>
+              <a:defRPr sz="900"/>
             </a:lvl6pPr>
             <a:lvl7pPr marL="2743200" indent="0">
               <a:buNone/>
-              <a:defRPr sz="1000"/>
+              <a:defRPr sz="900"/>
             </a:lvl7pPr>
             <a:lvl8pPr marL="3200400" indent="0">
               <a:buNone/>
-              <a:defRPr sz="1000"/>
+              <a:defRPr sz="900"/>
             </a:lvl8pPr>
             <a:lvl9pPr marL="3657600" indent="0">
               <a:buNone/>
-              <a:defRPr sz="1000"/>
+              <a:defRPr sz="900"/>
             </a:lvl9pPr>
           </a:lstStyle>
           <a:p>
@@ -2664,13 +2995,7 @@
       </p:sp>
       <p:sp>
         <p:nvSpPr>
-          <p:cNvPr id="5" name="Date Placeholder 4">
-            <a:extLst>
-              <a:ext uri="{FF2B5EF4-FFF2-40B4-BE49-F238E27FC236}">
-                <a16:creationId xmlns:a16="http://schemas.microsoft.com/office/drawing/2014/main" id="{CD6AF605-EBE5-4C6C-9BFF-301984A75D69}"/>
-              </a:ext>
-            </a:extLst>
-          </p:cNvPr>
+          <p:cNvPr id="5" name="Date Placeholder 4"/>
           <p:cNvSpPr>
             <a:spLocks noGrp="1"/>
           </p:cNvSpPr>
@@ -2683,23 +3008,17 @@
           <a:bodyPr/>
           <a:lstStyle/>
           <a:p>
-            <a:fld id="{80D9230E-80DB-4F7B-BAEB-06D1BFD77493}" type="datetimeFigureOut">
-              <a:rPr lang="en-IN" smtClean="0"/>
-              <a:t>05-01-2021</a:t>
+            <a:fld id="{737F1531-2477-4CED-A5BC-E3388EBB2988}" type="datetimeFigureOut">
+              <a:rPr lang="en-US" smtClean="0"/>
+              <a:t>1/7/2021</a:t>
             </a:fld>
-            <a:endParaRPr lang="en-IN"/>
-          </a:p>
-        </p:txBody>
-      </p:sp>
-      <p:sp>
-        <p:nvSpPr>
-          <p:cNvPr id="6" name="Footer Placeholder 5">
-            <a:extLst>
-              <a:ext uri="{FF2B5EF4-FFF2-40B4-BE49-F238E27FC236}">
-                <a16:creationId xmlns:a16="http://schemas.microsoft.com/office/drawing/2014/main" id="{585BDEB0-D670-4E68-B4BA-3AC881834973}"/>
-              </a:ext>
-            </a:extLst>
-          </p:cNvPr>
+            <a:endParaRPr lang="en-US" dirty="0"/>
+          </a:p>
+        </p:txBody>
+      </p:sp>
+      <p:sp>
+        <p:nvSpPr>
+          <p:cNvPr id="6" name="Footer Placeholder 5"/>
           <p:cNvSpPr>
             <a:spLocks noGrp="1"/>
           </p:cNvSpPr>
@@ -2712,19 +3031,13 @@
           <a:bodyPr/>
           <a:lstStyle/>
           <a:p>
-            <a:endParaRPr lang="en-IN"/>
-          </a:p>
-        </p:txBody>
-      </p:sp>
-      <p:sp>
-        <p:nvSpPr>
-          <p:cNvPr id="7" name="Slide Number Placeholder 6">
-            <a:extLst>
-              <a:ext uri="{FF2B5EF4-FFF2-40B4-BE49-F238E27FC236}">
-                <a16:creationId xmlns:a16="http://schemas.microsoft.com/office/drawing/2014/main" id="{B5071344-2F73-40FB-869E-1D0AB520D31A}"/>
-              </a:ext>
-            </a:extLst>
-          </p:cNvPr>
+            <a:endParaRPr lang="en-US" dirty="0"/>
+          </a:p>
+        </p:txBody>
+      </p:sp>
+      <p:sp>
+        <p:nvSpPr>
+          <p:cNvPr id="7" name="Slide Number Placeholder 6"/>
           <p:cNvSpPr>
             <a:spLocks noGrp="1"/>
           </p:cNvSpPr>
@@ -2737,18 +3050,18 @@
           <a:bodyPr/>
           <a:lstStyle/>
           <a:p>
-            <a:fld id="{A4B7F553-2167-4149-A7C8-488EED6FAA5F}" type="slidenum">
-              <a:rPr lang="en-IN" smtClean="0"/>
+            <a:fld id="{E76D3A98-F3BA-4969-A9AE-395C259084C7}" type="slidenum">
+              <a:rPr lang="en-US" smtClean="0"/>
               <a:t>‹#›</a:t>
             </a:fld>
-            <a:endParaRPr lang="en-IN"/>
+            <a:endParaRPr lang="en-US" dirty="0"/>
           </a:p>
         </p:txBody>
       </p:sp>
     </p:spTree>
     <p:extLst>
       <p:ext uri="{BB962C8B-B14F-4D97-AF65-F5344CB8AC3E}">
-        <p14:creationId xmlns:p14="http://schemas.microsoft.com/office/powerpoint/2010/main" val="1303347469"/>
+        <p14:creationId xmlns:p14="http://schemas.microsoft.com/office/powerpoint/2010/main" val="4036658856"/>
       </p:ext>
     </p:extLst>
   </p:cSld>
@@ -2782,31 +3095,101 @@
       </p:grpSpPr>
       <p:sp>
         <p:nvSpPr>
-          <p:cNvPr id="2" name="Title Placeholder 1">
-            <a:extLst>
-              <a:ext uri="{FF2B5EF4-FFF2-40B4-BE49-F238E27FC236}">
-                <a16:creationId xmlns:a16="http://schemas.microsoft.com/office/drawing/2014/main" id="{CD2D21FD-A988-4713-BC25-CADA40A5E41B}"/>
-              </a:ext>
-            </a:extLst>
-          </p:cNvPr>
-          <p:cNvSpPr>
-            <a:spLocks noGrp="1"/>
-          </p:cNvSpPr>
-          <p:nvPr>
-            <p:ph type="title"/>
-          </p:nvPr>
+          <p:cNvPr id="7" name="Rectangle 6"/>
+          <p:cNvSpPr/>
+          <p:nvPr/>
         </p:nvSpPr>
         <p:spPr>
           <a:xfrm>
-            <a:off x="838200" y="365125"/>
-            <a:ext cx="10515600" cy="1325563"/>
+            <a:off x="1" y="6400800"/>
+            <a:ext cx="12192000" cy="457200"/>
+          </a:xfrm>
+          <a:prstGeom prst="rect">
+            <a:avLst/>
+          </a:prstGeom>
+          <a:solidFill>
+            <a:schemeClr val="accent2"/>
+          </a:solidFill>
+          <a:ln>
+            <a:noFill/>
+          </a:ln>
+        </p:spPr>
+        <p:style>
+          <a:lnRef idx="2">
+            <a:schemeClr val="accent1">
+              <a:shade val="50000"/>
+            </a:schemeClr>
+          </a:lnRef>
+          <a:fillRef idx="1">
+            <a:schemeClr val="accent1"/>
+          </a:fillRef>
+          <a:effectRef idx="0">
+            <a:schemeClr val="accent1"/>
+          </a:effectRef>
+          <a:fontRef idx="minor">
+            <a:schemeClr val="lt1"/>
+          </a:fontRef>
+        </p:style>
+      </p:sp>
+      <p:sp>
+        <p:nvSpPr>
+          <p:cNvPr id="9" name="Rectangle 8"/>
+          <p:cNvSpPr/>
+          <p:nvPr/>
+        </p:nvSpPr>
+        <p:spPr>
+          <a:xfrm>
+            <a:off x="0" y="6334316"/>
+            <a:ext cx="12192001" cy="65998"/>
+          </a:xfrm>
+          <a:prstGeom prst="rect">
+            <a:avLst/>
+          </a:prstGeom>
+          <a:solidFill>
+            <a:schemeClr val="accent1"/>
+          </a:solidFill>
+          <a:ln>
+            <a:noFill/>
+          </a:ln>
+        </p:spPr>
+        <p:style>
+          <a:lnRef idx="2">
+            <a:schemeClr val="accent1">
+              <a:shade val="50000"/>
+            </a:schemeClr>
+          </a:lnRef>
+          <a:fillRef idx="1">
+            <a:schemeClr val="accent1"/>
+          </a:fillRef>
+          <a:effectRef idx="0">
+            <a:schemeClr val="accent1"/>
+          </a:effectRef>
+          <a:fontRef idx="minor">
+            <a:schemeClr val="lt1"/>
+          </a:fontRef>
+        </p:style>
+      </p:sp>
+      <p:sp>
+        <p:nvSpPr>
+          <p:cNvPr id="2" name="Title Placeholder 1"/>
+          <p:cNvSpPr>
+            <a:spLocks noGrp="1"/>
+          </p:cNvSpPr>
+          <p:nvPr>
+            <p:ph type="title"/>
+          </p:nvPr>
+        </p:nvSpPr>
+        <p:spPr>
+          <a:xfrm>
+            <a:off x="1097280" y="286603"/>
+            <a:ext cx="10058400" cy="1450757"/>
           </a:xfrm>
           <a:prstGeom prst="rect">
             <a:avLst/>
           </a:prstGeom>
         </p:spPr>
         <p:txBody>
-          <a:bodyPr vert="horz" lIns="91440" tIns="45720" rIns="91440" bIns="45720" rtlCol="0" anchor="ctr">
+          <a:bodyPr vert="horz" lIns="91440" tIns="45720" rIns="91440" bIns="45720" rtlCol="0" anchor="b">
             <a:normAutofit/>
           </a:bodyPr>
           <a:lstStyle/>
@@ -2815,19 +3198,13 @@
               <a:rPr lang="en-US"/>
               <a:t>Click to edit Master title style</a:t>
             </a:r>
-            <a:endParaRPr lang="en-IN"/>
-          </a:p>
-        </p:txBody>
-      </p:sp>
-      <p:sp>
-        <p:nvSpPr>
-          <p:cNvPr id="3" name="Text Placeholder 2">
-            <a:extLst>
-              <a:ext uri="{FF2B5EF4-FFF2-40B4-BE49-F238E27FC236}">
-                <a16:creationId xmlns:a16="http://schemas.microsoft.com/office/drawing/2014/main" id="{67EA0FEC-EDD2-4094-9440-CE921B71290F}"/>
-              </a:ext>
-            </a:extLst>
-          </p:cNvPr>
+            <a:endParaRPr lang="en-US" dirty="0"/>
+          </a:p>
+        </p:txBody>
+      </p:sp>
+      <p:sp>
+        <p:nvSpPr>
+          <p:cNvPr id="3" name="Text Placeholder 2"/>
           <p:cNvSpPr>
             <a:spLocks noGrp="1"/>
           </p:cNvSpPr>
@@ -2837,15 +3214,15 @@
         </p:nvSpPr>
         <p:spPr>
           <a:xfrm>
-            <a:off x="838200" y="1825625"/>
-            <a:ext cx="10515600" cy="4351338"/>
+            <a:off x="1097280" y="1845734"/>
+            <a:ext cx="10058400" cy="4023360"/>
           </a:xfrm>
           <a:prstGeom prst="rect">
             <a:avLst/>
           </a:prstGeom>
         </p:spPr>
         <p:txBody>
-          <a:bodyPr vert="horz" lIns="91440" tIns="45720" rIns="91440" bIns="45720" rtlCol="0">
+          <a:bodyPr vert="horz" lIns="0" tIns="45720" rIns="0" bIns="45720" rtlCol="0">
             <a:normAutofit/>
           </a:bodyPr>
           <a:lstStyle/>
@@ -2883,19 +3260,13 @@
               <a:rPr lang="en-US"/>
               <a:t>Fifth level</a:t>
             </a:r>
-            <a:endParaRPr lang="en-IN"/>
-          </a:p>
-        </p:txBody>
-      </p:sp>
-      <p:sp>
-        <p:nvSpPr>
-          <p:cNvPr id="4" name="Date Placeholder 3">
-            <a:extLst>
-              <a:ext uri="{FF2B5EF4-FFF2-40B4-BE49-F238E27FC236}">
-                <a16:creationId xmlns:a16="http://schemas.microsoft.com/office/drawing/2014/main" id="{CC6E20F1-85C8-4D62-BAB0-0E81E2AF051E}"/>
-              </a:ext>
-            </a:extLst>
-          </p:cNvPr>
+            <a:endParaRPr lang="en-US" dirty="0"/>
+          </a:p>
+        </p:txBody>
+      </p:sp>
+      <p:sp>
+        <p:nvSpPr>
+          <p:cNvPr id="4" name="Date Placeholder 3"/>
           <p:cNvSpPr>
             <a:spLocks noGrp="1"/>
           </p:cNvSpPr>
@@ -2905,8 +3276,8 @@
         </p:nvSpPr>
         <p:spPr>
           <a:xfrm>
-            <a:off x="838200" y="6356350"/>
-            <a:ext cx="2743200" cy="365125"/>
+            <a:off x="1097280" y="6459785"/>
+            <a:ext cx="2472271" cy="365125"/>
           </a:xfrm>
           <a:prstGeom prst="rect">
             <a:avLst/>
@@ -2916,33 +3287,25 @@
           <a:bodyPr vert="horz" lIns="91440" tIns="45720" rIns="91440" bIns="45720" rtlCol="0" anchor="ctr"/>
           <a:lstStyle>
             <a:lvl1pPr algn="l">
-              <a:defRPr sz="1200">
-                <a:solidFill>
-                  <a:schemeClr val="tx1">
-                    <a:tint val="75000"/>
-                  </a:schemeClr>
+              <a:defRPr sz="900">
+                <a:solidFill>
+                  <a:srgbClr val="FFFFFF"/>
                 </a:solidFill>
               </a:defRPr>
             </a:lvl1pPr>
           </a:lstStyle>
           <a:p>
-            <a:fld id="{80D9230E-80DB-4F7B-BAEB-06D1BFD77493}" type="datetimeFigureOut">
-              <a:rPr lang="en-IN" smtClean="0"/>
-              <a:t>05-01-2021</a:t>
+            <a:fld id="{737F1531-2477-4CED-A5BC-E3388EBB2988}" type="datetimeFigureOut">
+              <a:rPr lang="en-US" smtClean="0"/>
+              <a:t>1/7/2021</a:t>
             </a:fld>
-            <a:endParaRPr lang="en-IN"/>
-          </a:p>
-        </p:txBody>
-      </p:sp>
-      <p:sp>
-        <p:nvSpPr>
-          <p:cNvPr id="5" name="Footer Placeholder 4">
-            <a:extLst>
-              <a:ext uri="{FF2B5EF4-FFF2-40B4-BE49-F238E27FC236}">
-                <a16:creationId xmlns:a16="http://schemas.microsoft.com/office/drawing/2014/main" id="{07287B7C-C55E-44CF-BC14-622C1ED6F5BE}"/>
-              </a:ext>
-            </a:extLst>
-          </p:cNvPr>
+            <a:endParaRPr lang="en-US" dirty="0"/>
+          </a:p>
+        </p:txBody>
+      </p:sp>
+      <p:sp>
+        <p:nvSpPr>
+          <p:cNvPr id="5" name="Footer Placeholder 4"/>
           <p:cNvSpPr>
             <a:spLocks noGrp="1"/>
           </p:cNvSpPr>
@@ -2952,8 +3315,8 @@
         </p:nvSpPr>
         <p:spPr>
           <a:xfrm>
-            <a:off x="4038600" y="6356350"/>
-            <a:ext cx="4114800" cy="365125"/>
+            <a:off x="3686185" y="6459785"/>
+            <a:ext cx="4822804" cy="365125"/>
           </a:xfrm>
           <a:prstGeom prst="rect">
             <a:avLst/>
@@ -2963,29 +3326,21 @@
           <a:bodyPr vert="horz" lIns="91440" tIns="45720" rIns="91440" bIns="45720" rtlCol="0" anchor="ctr"/>
           <a:lstStyle>
             <a:lvl1pPr algn="ctr">
-              <a:defRPr sz="1200">
-                <a:solidFill>
-                  <a:schemeClr val="tx1">
-                    <a:tint val="75000"/>
-                  </a:schemeClr>
+              <a:defRPr sz="900" cap="all" baseline="0">
+                <a:solidFill>
+                  <a:srgbClr val="FFFFFF"/>
                 </a:solidFill>
               </a:defRPr>
             </a:lvl1pPr>
           </a:lstStyle>
           <a:p>
-            <a:endParaRPr lang="en-IN"/>
-          </a:p>
-        </p:txBody>
-      </p:sp>
-      <p:sp>
-        <p:nvSpPr>
-          <p:cNvPr id="6" name="Slide Number Placeholder 5">
-            <a:extLst>
-              <a:ext uri="{FF2B5EF4-FFF2-40B4-BE49-F238E27FC236}">
-                <a16:creationId xmlns:a16="http://schemas.microsoft.com/office/drawing/2014/main" id="{70F7122B-AE71-445C-808A-6C19031E9B58}"/>
-              </a:ext>
-            </a:extLst>
-          </p:cNvPr>
+            <a:endParaRPr lang="en-US" dirty="0"/>
+          </a:p>
+        </p:txBody>
+      </p:sp>
+      <p:sp>
+        <p:nvSpPr>
+          <p:cNvPr id="6" name="Slide Number Placeholder 5"/>
           <p:cNvSpPr>
             <a:spLocks noGrp="1"/>
           </p:cNvSpPr>
@@ -2995,8 +3350,8 @@
         </p:nvSpPr>
         <p:spPr>
           <a:xfrm>
-            <a:off x="8610600" y="6356350"/>
-            <a:ext cx="2743200" cy="365125"/>
+            <a:off x="9900458" y="6459785"/>
+            <a:ext cx="1312025" cy="365125"/>
           </a:xfrm>
           <a:prstGeom prst="rect">
             <a:avLst/>
@@ -3006,58 +3361,97 @@
           <a:bodyPr vert="horz" lIns="91440" tIns="45720" rIns="91440" bIns="45720" rtlCol="0" anchor="ctr"/>
           <a:lstStyle>
             <a:lvl1pPr algn="r">
-              <a:defRPr sz="1200">
-                <a:solidFill>
-                  <a:schemeClr val="tx1">
-                    <a:tint val="75000"/>
-                  </a:schemeClr>
+              <a:defRPr sz="1050">
+                <a:solidFill>
+                  <a:srgbClr val="FFFFFF"/>
                 </a:solidFill>
               </a:defRPr>
             </a:lvl1pPr>
           </a:lstStyle>
           <a:p>
-            <a:fld id="{A4B7F553-2167-4149-A7C8-488EED6FAA5F}" type="slidenum">
-              <a:rPr lang="en-IN" smtClean="0"/>
+            <a:fld id="{E76D3A98-F3BA-4969-A9AE-395C259084C7}" type="slidenum">
+              <a:rPr lang="en-US" smtClean="0"/>
               <a:t>‹#›</a:t>
             </a:fld>
-            <a:endParaRPr lang="en-IN"/>
-          </a:p>
-        </p:txBody>
-      </p:sp>
+            <a:endParaRPr lang="en-US" dirty="0"/>
+          </a:p>
+        </p:txBody>
+      </p:sp>
+      <p:cxnSp>
+        <p:nvCxnSpPr>
+          <p:cNvPr id="10" name="Straight Connector 9"/>
+          <p:cNvCxnSpPr/>
+          <p:nvPr/>
+        </p:nvCxnSpPr>
+        <p:spPr>
+          <a:xfrm>
+            <a:off x="1193532" y="1737845"/>
+            <a:ext cx="9966960" cy="0"/>
+          </a:xfrm>
+          <a:prstGeom prst="line">
+            <a:avLst/>
+          </a:prstGeom>
+          <a:ln w="6350">
+            <a:solidFill>
+              <a:schemeClr val="tx1">
+                <a:lumMod val="50000"/>
+                <a:lumOff val="50000"/>
+              </a:schemeClr>
+            </a:solidFill>
+          </a:ln>
+        </p:spPr>
+        <p:style>
+          <a:lnRef idx="1">
+            <a:schemeClr val="accent1"/>
+          </a:lnRef>
+          <a:fillRef idx="0">
+            <a:schemeClr val="accent1"/>
+          </a:fillRef>
+          <a:effectRef idx="0">
+            <a:schemeClr val="accent1"/>
+          </a:effectRef>
+          <a:fontRef idx="minor">
+            <a:schemeClr val="tx1"/>
+          </a:fontRef>
+        </p:style>
+      </p:cxnSp>
     </p:spTree>
     <p:extLst>
       <p:ext uri="{BB962C8B-B14F-4D97-AF65-F5344CB8AC3E}">
-        <p14:creationId xmlns:p14="http://schemas.microsoft.com/office/powerpoint/2010/main" val="1809681053"/>
+        <p14:creationId xmlns:p14="http://schemas.microsoft.com/office/powerpoint/2010/main" val="2390077044"/>
       </p:ext>
     </p:extLst>
   </p:cSld>
   <p:clrMap bg1="lt1" tx1="dk1" bg2="lt2" tx2="dk2" accent1="accent1" accent2="accent2" accent3="accent3" accent4="accent4" accent5="accent5" accent6="accent6" hlink="hlink" folHlink="folHlink"/>
   <p:sldLayoutIdLst>
-    <p:sldLayoutId id="2147483649" r:id="rId1"/>
-    <p:sldLayoutId id="2147483650" r:id="rId2"/>
-    <p:sldLayoutId id="2147483651" r:id="rId3"/>
-    <p:sldLayoutId id="2147483652" r:id="rId4"/>
-    <p:sldLayoutId id="2147483653" r:id="rId5"/>
-    <p:sldLayoutId id="2147483654" r:id="rId6"/>
-    <p:sldLayoutId id="2147483655" r:id="rId7"/>
-    <p:sldLayoutId id="2147483656" r:id="rId8"/>
-    <p:sldLayoutId id="2147483657" r:id="rId9"/>
-    <p:sldLayoutId id="2147483658" r:id="rId10"/>
-    <p:sldLayoutId id="2147483659" r:id="rId11"/>
+    <p:sldLayoutId id="2147483661" r:id="rId1"/>
+    <p:sldLayoutId id="2147483662" r:id="rId2"/>
+    <p:sldLayoutId id="2147483663" r:id="rId3"/>
+    <p:sldLayoutId id="2147483664" r:id="rId4"/>
+    <p:sldLayoutId id="2147483665" r:id="rId5"/>
+    <p:sldLayoutId id="2147483666" r:id="rId6"/>
+    <p:sldLayoutId id="2147483667" r:id="rId7"/>
+    <p:sldLayoutId id="2147483668" r:id="rId8"/>
+    <p:sldLayoutId id="2147483669" r:id="rId9"/>
+    <p:sldLayoutId id="2147483670" r:id="rId10"/>
+    <p:sldLayoutId id="2147483671" r:id="rId11"/>
   </p:sldLayoutIdLst>
   <p:txStyles>
     <p:titleStyle>
       <a:lvl1pPr algn="l" defTabSz="914400" rtl="0" eaLnBrk="1" latinLnBrk="0" hangingPunct="1">
         <a:lnSpc>
-          <a:spcPct val="90000"/>
+          <a:spcPct val="85000"/>
         </a:lnSpc>
         <a:spcBef>
           <a:spcPct val="0"/>
         </a:spcBef>
         <a:buNone/>
-        <a:defRPr sz="4400" kern="1200">
+        <a:defRPr sz="4800" kern="1200" spc="-50" baseline="0">
           <a:solidFill>
-            <a:schemeClr val="tx1"/>
+            <a:schemeClr val="tx1">
+              <a:lumMod val="75000"/>
+              <a:lumOff val="25000"/>
+            </a:schemeClr>
           </a:solidFill>
           <a:latin typeface="+mj-lt"/>
           <a:ea typeface="+mj-ea"/>
@@ -3066,162 +3460,244 @@
       </a:lvl1pPr>
     </p:titleStyle>
     <p:bodyStyle>
-      <a:lvl1pPr marL="228600" indent="-228600" algn="l" defTabSz="914400" rtl="0" eaLnBrk="1" latinLnBrk="0" hangingPunct="1">
+      <a:lvl1pPr marL="91440" indent="-91440" algn="l" defTabSz="914400" rtl="0" eaLnBrk="1" latinLnBrk="0" hangingPunct="1">
         <a:lnSpc>
           <a:spcPct val="90000"/>
         </a:lnSpc>
         <a:spcBef>
-          <a:spcPts val="1000"/>
+          <a:spcPts val="1200"/>
         </a:spcBef>
-        <a:buFont typeface="Arial" panose="020B0604020202020204" pitchFamily="34" charset="0"/>
-        <a:buChar char="•"/>
-        <a:defRPr sz="2800" kern="1200">
+        <a:spcAft>
+          <a:spcPts val="200"/>
+        </a:spcAft>
+        <a:buClr>
+          <a:schemeClr val="accent1"/>
+        </a:buClr>
+        <a:buSzPct val="100000"/>
+        <a:buFont typeface="Calibri" panose="020F0502020204030204" pitchFamily="34" charset="0"/>
+        <a:buChar char=" "/>
+        <a:defRPr sz="2000" kern="1200">
           <a:solidFill>
-            <a:schemeClr val="tx1"/>
+            <a:schemeClr val="tx1">
+              <a:lumMod val="75000"/>
+              <a:lumOff val="25000"/>
+            </a:schemeClr>
           </a:solidFill>
           <a:latin typeface="+mn-lt"/>
           <a:ea typeface="+mn-ea"/>
           <a:cs typeface="+mn-cs"/>
         </a:defRPr>
       </a:lvl1pPr>
-      <a:lvl2pPr marL="685800" indent="-228600" algn="l" defTabSz="914400" rtl="0" eaLnBrk="1" latinLnBrk="0" hangingPunct="1">
+      <a:lvl2pPr marL="384048" indent="-182880" algn="l" defTabSz="914400" rtl="0" eaLnBrk="1" latinLnBrk="0" hangingPunct="1">
         <a:lnSpc>
           <a:spcPct val="90000"/>
         </a:lnSpc>
         <a:spcBef>
-          <a:spcPts val="500"/>
+          <a:spcPts val="200"/>
         </a:spcBef>
-        <a:buFont typeface="Arial" panose="020B0604020202020204" pitchFamily="34" charset="0"/>
-        <a:buChar char="•"/>
-        <a:defRPr sz="2400" kern="1200">
+        <a:spcAft>
+          <a:spcPts val="400"/>
+        </a:spcAft>
+        <a:buClr>
+          <a:schemeClr val="accent1"/>
+        </a:buClr>
+        <a:buFont typeface="Calibri" pitchFamily="34" charset="0"/>
+        <a:buChar char="◦"/>
+        <a:defRPr sz="1800" kern="1200">
           <a:solidFill>
-            <a:schemeClr val="tx1"/>
+            <a:schemeClr val="tx1">
+              <a:lumMod val="75000"/>
+              <a:lumOff val="25000"/>
+            </a:schemeClr>
           </a:solidFill>
           <a:latin typeface="+mn-lt"/>
           <a:ea typeface="+mn-ea"/>
           <a:cs typeface="+mn-cs"/>
         </a:defRPr>
       </a:lvl2pPr>
-      <a:lvl3pPr marL="1143000" indent="-228600" algn="l" defTabSz="914400" rtl="0" eaLnBrk="1" latinLnBrk="0" hangingPunct="1">
+      <a:lvl3pPr marL="566928" indent="-182880" algn="l" defTabSz="914400" rtl="0" eaLnBrk="1" latinLnBrk="0" hangingPunct="1">
         <a:lnSpc>
           <a:spcPct val="90000"/>
         </a:lnSpc>
         <a:spcBef>
-          <a:spcPts val="500"/>
+          <a:spcPts val="200"/>
         </a:spcBef>
-        <a:buFont typeface="Arial" panose="020B0604020202020204" pitchFamily="34" charset="0"/>
-        <a:buChar char="•"/>
-        <a:defRPr sz="2000" kern="1200">
+        <a:spcAft>
+          <a:spcPts val="400"/>
+        </a:spcAft>
+        <a:buClr>
+          <a:schemeClr val="accent1"/>
+        </a:buClr>
+        <a:buFont typeface="Calibri" pitchFamily="34" charset="0"/>
+        <a:buChar char="◦"/>
+        <a:defRPr sz="1400" kern="1200">
           <a:solidFill>
-            <a:schemeClr val="tx1"/>
+            <a:schemeClr val="tx1">
+              <a:lumMod val="75000"/>
+              <a:lumOff val="25000"/>
+            </a:schemeClr>
           </a:solidFill>
           <a:latin typeface="+mn-lt"/>
           <a:ea typeface="+mn-ea"/>
           <a:cs typeface="+mn-cs"/>
         </a:defRPr>
       </a:lvl3pPr>
-      <a:lvl4pPr marL="1600200" indent="-228600" algn="l" defTabSz="914400" rtl="0" eaLnBrk="1" latinLnBrk="0" hangingPunct="1">
+      <a:lvl4pPr marL="749808" indent="-182880" algn="l" defTabSz="914400" rtl="0" eaLnBrk="1" latinLnBrk="0" hangingPunct="1">
         <a:lnSpc>
           <a:spcPct val="90000"/>
         </a:lnSpc>
         <a:spcBef>
-          <a:spcPts val="500"/>
+          <a:spcPts val="200"/>
         </a:spcBef>
-        <a:buFont typeface="Arial" panose="020B0604020202020204" pitchFamily="34" charset="0"/>
-        <a:buChar char="•"/>
-        <a:defRPr sz="1800" kern="1200">
+        <a:spcAft>
+          <a:spcPts val="400"/>
+        </a:spcAft>
+        <a:buClr>
+          <a:schemeClr val="accent1"/>
+        </a:buClr>
+        <a:buFont typeface="Calibri" pitchFamily="34" charset="0"/>
+        <a:buChar char="◦"/>
+        <a:defRPr sz="1400" kern="1200">
           <a:solidFill>
-            <a:schemeClr val="tx1"/>
+            <a:schemeClr val="tx1">
+              <a:lumMod val="75000"/>
+              <a:lumOff val="25000"/>
+            </a:schemeClr>
           </a:solidFill>
           <a:latin typeface="+mn-lt"/>
           <a:ea typeface="+mn-ea"/>
           <a:cs typeface="+mn-cs"/>
         </a:defRPr>
       </a:lvl4pPr>
-      <a:lvl5pPr marL="2057400" indent="-228600" algn="l" defTabSz="914400" rtl="0" eaLnBrk="1" latinLnBrk="0" hangingPunct="1">
+      <a:lvl5pPr marL="932688" indent="-182880" algn="l" defTabSz="914400" rtl="0" eaLnBrk="1" latinLnBrk="0" hangingPunct="1">
         <a:lnSpc>
           <a:spcPct val="90000"/>
         </a:lnSpc>
         <a:spcBef>
-          <a:spcPts val="500"/>
+          <a:spcPts val="200"/>
         </a:spcBef>
-        <a:buFont typeface="Arial" panose="020B0604020202020204" pitchFamily="34" charset="0"/>
-        <a:buChar char="•"/>
-        <a:defRPr sz="1800" kern="1200">
+        <a:spcAft>
+          <a:spcPts val="400"/>
+        </a:spcAft>
+        <a:buClr>
+          <a:schemeClr val="accent1"/>
+        </a:buClr>
+        <a:buFont typeface="Calibri" pitchFamily="34" charset="0"/>
+        <a:buChar char="◦"/>
+        <a:defRPr sz="1400" kern="1200">
           <a:solidFill>
-            <a:schemeClr val="tx1"/>
+            <a:schemeClr val="tx1">
+              <a:lumMod val="75000"/>
+              <a:lumOff val="25000"/>
+            </a:schemeClr>
           </a:solidFill>
           <a:latin typeface="+mn-lt"/>
           <a:ea typeface="+mn-ea"/>
           <a:cs typeface="+mn-cs"/>
         </a:defRPr>
       </a:lvl5pPr>
-      <a:lvl6pPr marL="2514600" indent="-228600" algn="l" defTabSz="914400" rtl="0" eaLnBrk="1" latinLnBrk="0" hangingPunct="1">
+      <a:lvl6pPr marL="1100000" indent="-228600" algn="l" defTabSz="914400" rtl="0" eaLnBrk="1" latinLnBrk="0" hangingPunct="1">
         <a:lnSpc>
           <a:spcPct val="90000"/>
         </a:lnSpc>
         <a:spcBef>
-          <a:spcPts val="500"/>
+          <a:spcPts val="200"/>
         </a:spcBef>
-        <a:buFont typeface="Arial" panose="020B0604020202020204" pitchFamily="34" charset="0"/>
-        <a:buChar char="•"/>
-        <a:defRPr sz="1800" kern="1200">
+        <a:spcAft>
+          <a:spcPts val="400"/>
+        </a:spcAft>
+        <a:buClr>
+          <a:schemeClr val="accent1"/>
+        </a:buClr>
+        <a:buFont typeface="Calibri" pitchFamily="34" charset="0"/>
+        <a:buChar char="◦"/>
+        <a:defRPr sz="1400" kern="1200">
           <a:solidFill>
-            <a:schemeClr val="tx1"/>
+            <a:schemeClr val="tx1">
+              <a:lumMod val="75000"/>
+              <a:lumOff val="25000"/>
+            </a:schemeClr>
           </a:solidFill>
           <a:latin typeface="+mn-lt"/>
           <a:ea typeface="+mn-ea"/>
           <a:cs typeface="+mn-cs"/>
         </a:defRPr>
       </a:lvl6pPr>
-      <a:lvl7pPr marL="2971800" indent="-228600" algn="l" defTabSz="914400" rtl="0" eaLnBrk="1" latinLnBrk="0" hangingPunct="1">
+      <a:lvl7pPr marL="1300000" indent="-228600" algn="l" defTabSz="914400" rtl="0" eaLnBrk="1" latinLnBrk="0" hangingPunct="1">
         <a:lnSpc>
           <a:spcPct val="90000"/>
         </a:lnSpc>
         <a:spcBef>
-          <a:spcPts val="500"/>
+          <a:spcPts val="200"/>
         </a:spcBef>
-        <a:buFont typeface="Arial" panose="020B0604020202020204" pitchFamily="34" charset="0"/>
-        <a:buChar char="•"/>
-        <a:defRPr sz="1800" kern="1200">
+        <a:spcAft>
+          <a:spcPts val="400"/>
+        </a:spcAft>
+        <a:buClr>
+          <a:schemeClr val="accent1"/>
+        </a:buClr>
+        <a:buFont typeface="Calibri" pitchFamily="34" charset="0"/>
+        <a:buChar char="◦"/>
+        <a:defRPr sz="1400" kern="1200">
           <a:solidFill>
-            <a:schemeClr val="tx1"/>
+            <a:schemeClr val="tx1">
+              <a:lumMod val="75000"/>
+              <a:lumOff val="25000"/>
+            </a:schemeClr>
           </a:solidFill>
           <a:latin typeface="+mn-lt"/>
           <a:ea typeface="+mn-ea"/>
           <a:cs typeface="+mn-cs"/>
         </a:defRPr>
       </a:lvl7pPr>
-      <a:lvl8pPr marL="3429000" indent="-228600" algn="l" defTabSz="914400" rtl="0" eaLnBrk="1" latinLnBrk="0" hangingPunct="1">
+      <a:lvl8pPr marL="1500000" indent="-228600" algn="l" defTabSz="914400" rtl="0" eaLnBrk="1" latinLnBrk="0" hangingPunct="1">
         <a:lnSpc>
           <a:spcPct val="90000"/>
         </a:lnSpc>
         <a:spcBef>
-          <a:spcPts val="500"/>
+          <a:spcPts val="200"/>
         </a:spcBef>
-        <a:buFont typeface="Arial" panose="020B0604020202020204" pitchFamily="34" charset="0"/>
-        <a:buChar char="•"/>
-        <a:defRPr sz="1800" kern="1200">
+        <a:spcAft>
+          <a:spcPts val="400"/>
+        </a:spcAft>
+        <a:buClr>
+          <a:schemeClr val="accent1"/>
+        </a:buClr>
+        <a:buFont typeface="Calibri" pitchFamily="34" charset="0"/>
+        <a:buChar char="◦"/>
+        <a:defRPr sz="1400" kern="1200">
           <a:solidFill>
-            <a:schemeClr val="tx1"/>
+            <a:schemeClr val="tx1">
+              <a:lumMod val="75000"/>
+              <a:lumOff val="25000"/>
+            </a:schemeClr>
           </a:solidFill>
           <a:latin typeface="+mn-lt"/>
           <a:ea typeface="+mn-ea"/>
           <a:cs typeface="+mn-cs"/>
         </a:defRPr>
       </a:lvl8pPr>
-      <a:lvl9pPr marL="3886200" indent="-228600" algn="l" defTabSz="914400" rtl="0" eaLnBrk="1" latinLnBrk="0" hangingPunct="1">
+      <a:lvl9pPr marL="1700000" indent="-228600" algn="l" defTabSz="914400" rtl="0" eaLnBrk="1" latinLnBrk="0" hangingPunct="1">
         <a:lnSpc>
           <a:spcPct val="90000"/>
         </a:lnSpc>
         <a:spcBef>
-          <a:spcPts val="500"/>
+          <a:spcPts val="200"/>
         </a:spcBef>
-        <a:buFont typeface="Arial" panose="020B0604020202020204" pitchFamily="34" charset="0"/>
-        <a:buChar char="•"/>
-        <a:defRPr sz="1800" kern="1200">
+        <a:spcAft>
+          <a:spcPts val="400"/>
+        </a:spcAft>
+        <a:buClr>
+          <a:schemeClr val="accent1"/>
+        </a:buClr>
+        <a:buFont typeface="Calibri" pitchFamily="34" charset="0"/>
+        <a:buChar char="◦"/>
+        <a:defRPr sz="1400" kern="1200">
           <a:solidFill>
-            <a:schemeClr val="tx1"/>
+            <a:schemeClr val="tx1">
+              <a:lumMod val="75000"/>
+              <a:lumOff val="25000"/>
+            </a:schemeClr>
           </a:solidFill>
           <a:latin typeface="+mn-lt"/>
           <a:ea typeface="+mn-ea"/>
@@ -3350,7 +3826,7 @@
           <p:cNvPr id="2" name="Title 1">
             <a:extLst>
               <a:ext uri="{FF2B5EF4-FFF2-40B4-BE49-F238E27FC236}">
-                <a16:creationId xmlns:a16="http://schemas.microsoft.com/office/drawing/2014/main" id="{E490A5ED-DE31-4F3E-A5C0-47B0E0356AD4}"/>
+                <a16:creationId xmlns:a16="http://schemas.microsoft.com/office/drawing/2014/main" id="{B06559F7-222A-46BA-ADCD-4BC5172D953F}"/>
               </a:ext>
             </a:extLst>
           </p:cNvPr>
@@ -3358,13 +3834,13 @@
             <a:spLocks noGrp="1"/>
           </p:cNvSpPr>
           <p:nvPr>
-            <p:ph type="ctrTitle"/>
+            <p:ph type="title"/>
           </p:nvPr>
         </p:nvSpPr>
         <p:spPr>
           <a:xfrm>
-            <a:off x="1524000" y="1122363"/>
-            <a:ext cx="9144000" cy="1590357"/>
+            <a:off x="457199" y="1463863"/>
+            <a:ext cx="3200400" cy="716281"/>
           </a:xfrm>
         </p:spPr>
         <p:txBody>
@@ -3374,7 +3850,7 @@
           <a:lstStyle/>
           <a:p>
             <a:r>
-              <a:rPr lang="en-US" b="0" i="0" u="sng" dirty="0">
+              <a:rPr lang="en-US" sz="2800" b="0" i="0" u="sng" dirty="0">
                 <a:solidFill>
                   <a:srgbClr val="000000"/>
                 </a:solidFill>
@@ -3384,7 +3860,7 @@
               <a:t>Capstone Project 2</a:t>
             </a:r>
             <a:br>
-              <a:rPr lang="en-US" b="0" i="0" u="sng" dirty="0">
+              <a:rPr lang="en-US" sz="2800" b="0" i="0" u="sng" dirty="0">
                 <a:solidFill>
                   <a:srgbClr val="000000"/>
                 </a:solidFill>
@@ -3392,71 +3868,966 @@
                 <a:latin typeface="Roboto"/>
               </a:rPr>
             </a:br>
-            <a:endParaRPr lang="en-IN" u="sng" dirty="0"/>
-          </a:p>
-        </p:txBody>
-      </p:sp>
-      <p:sp>
-        <p:nvSpPr>
-          <p:cNvPr id="3" name="Subtitle 2">
+            <a:r>
+              <a:rPr lang="en-US" sz="2800" b="1" i="1" u="sng" dirty="0"/>
+              <a:t>Detection of Malaria Using Image Processing</a:t>
+            </a:r>
+            <a:br>
+              <a:rPr lang="en-IN" sz="2200" dirty="0"/>
+            </a:br>
+            <a:endParaRPr lang="en-IN" sz="2800" dirty="0"/>
+          </a:p>
+        </p:txBody>
+      </p:sp>
+      <p:pic>
+        <p:nvPicPr>
+          <p:cNvPr id="6" name="Content Placeholder 5">
             <a:extLst>
               <a:ext uri="{FF2B5EF4-FFF2-40B4-BE49-F238E27FC236}">
-                <a16:creationId xmlns:a16="http://schemas.microsoft.com/office/drawing/2014/main" id="{2A46A680-EB31-4C2F-9E71-C8C60567E760}"/>
+                <a16:creationId xmlns:a16="http://schemas.microsoft.com/office/drawing/2014/main" id="{3247EE8C-2DA2-4E83-AB3E-81AE82E70B3B}"/>
               </a:ext>
             </a:extLst>
           </p:cNvPr>
-          <p:cNvSpPr>
-            <a:spLocks noGrp="1"/>
-          </p:cNvSpPr>
-          <p:nvPr>
-            <p:ph type="subTitle" idx="1"/>
-          </p:nvPr>
-        </p:nvSpPr>
+          <p:cNvPicPr>
+            <a:picLocks noGrp="1" noChangeAspect="1"/>
+          </p:cNvPicPr>
+          <p:nvPr>
+            <p:ph idx="1"/>
+          </p:nvPr>
+        </p:nvPicPr>
+        <p:blipFill>
+          <a:blip r:embed="rId2">
+            <a:extLst>
+              <a:ext uri="{28A0092B-C50C-407E-A947-70E740481C1C}">
+                <a14:useLocalDpi xmlns:a14="http://schemas.microsoft.com/office/drawing/2010/main" val="0"/>
+              </a:ext>
+            </a:extLst>
+          </a:blip>
+          <a:stretch>
+            <a:fillRect/>
+          </a:stretch>
+        </p:blipFill>
         <p:spPr>
           <a:xfrm>
-            <a:off x="1935480" y="2951544"/>
-            <a:ext cx="7863840" cy="2306256"/>
+            <a:off x="4808537" y="1098550"/>
+            <a:ext cx="6477000" cy="4524375"/>
           </a:xfrm>
         </p:spPr>
-        <p:txBody>
-          <a:bodyPr/>
-          <a:lstStyle/>
-          <a:p>
-            <a:r>
-              <a:rPr lang="en-IN" b="1" i="0" dirty="0">
-                <a:solidFill>
-                  <a:srgbClr val="FFFFFF"/>
-                </a:solidFill>
-                <a:effectLst/>
-                <a:latin typeface="zeitung"/>
+      </p:pic>
+      <p:sp>
+        <p:nvSpPr>
+          <p:cNvPr id="4" name="Text Placeholder 3">
+            <a:extLst>
+              <a:ext uri="{FF2B5EF4-FFF2-40B4-BE49-F238E27FC236}">
+                <a16:creationId xmlns:a16="http://schemas.microsoft.com/office/drawing/2014/main" id="{66137CA2-AE49-4C31-B2E3-1F1261E35B9D}"/>
+              </a:ext>
+            </a:extLst>
+          </p:cNvPr>
+          <p:cNvSpPr>
+            <a:spLocks noGrp="1"/>
+          </p:cNvSpPr>
+          <p:nvPr>
+            <p:ph type="body" sz="half" idx="2"/>
+          </p:nvPr>
+        </p:nvSpPr>
+        <p:spPr>
+          <a:xfrm>
+            <a:off x="515073" y="2180144"/>
+            <a:ext cx="3084653" cy="2750671"/>
+          </a:xfrm>
+        </p:spPr>
+        <p:txBody>
+          <a:bodyPr>
+            <a:normAutofit fontScale="55000" lnSpcReduction="20000"/>
+          </a:bodyPr>
+          <a:lstStyle/>
+          <a:p>
+            <a:r>
+              <a:rPr lang="en-US" sz="2900" dirty="0"/>
+              <a:t>About Malaria</a:t>
+            </a:r>
+          </a:p>
+          <a:p>
+            <a:r>
+              <a:rPr lang="en-US" sz="2400" dirty="0">
+                <a:solidFill>
+                  <a:schemeClr val="tx2">
+                    <a:lumMod val="20000"/>
+                    <a:lumOff val="80000"/>
+                  </a:schemeClr>
+                </a:solidFill>
               </a:rPr>
-              <a:t>Malaria Cell Images Dataset</a:t>
-            </a:r>
-          </a:p>
-          <a:p>
-            <a:r>
-              <a:rPr lang="en-IN" b="1" i="0" dirty="0">
-                <a:solidFill>
-                  <a:srgbClr val="FFFFFF"/>
-                </a:solidFill>
-                <a:effectLst/>
-                <a:latin typeface="zeitung"/>
+              <a:t>Malaria is spread by the bite of the female </a:t>
+            </a:r>
+            <a:r>
+              <a:rPr lang="en-US" sz="2400" i="1" dirty="0">
+                <a:solidFill>
+                  <a:schemeClr val="tx2">
+                    <a:lumMod val="20000"/>
+                    <a:lumOff val="80000"/>
+                  </a:schemeClr>
+                </a:solidFill>
               </a:rPr>
-              <a:t>Malaria Cell Images Dataset</a:t>
-            </a:r>
-          </a:p>
-          <a:p>
-            <a:r>
-              <a:rPr lang="en-IN" sz="3600" i="1" dirty="0"/>
-              <a:t>Malaria Cell Images Dataset</a:t>
-            </a:r>
+              <a:t>Anopheles </a:t>
+            </a:r>
+            <a:r>
+              <a:rPr lang="en-US" sz="2400" dirty="0">
+                <a:solidFill>
+                  <a:schemeClr val="tx2">
+                    <a:lumMod val="20000"/>
+                    <a:lumOff val="80000"/>
+                  </a:schemeClr>
+                </a:solidFill>
+              </a:rPr>
+              <a:t> mosquito. </a:t>
+            </a:r>
+          </a:p>
+          <a:p>
+            <a:r>
+              <a:rPr lang="en-US" sz="2400" dirty="0">
+                <a:solidFill>
+                  <a:schemeClr val="tx2">
+                    <a:lumMod val="20000"/>
+                    <a:lumOff val="80000"/>
+                  </a:schemeClr>
+                </a:solidFill>
+              </a:rPr>
+              <a:t>This species of mosquito is located world wide including in the United States.</a:t>
+            </a:r>
+          </a:p>
+          <a:p>
+            <a:r>
+              <a:rPr lang="en-US" sz="2400" dirty="0">
+                <a:solidFill>
+                  <a:schemeClr val="tx2">
+                    <a:lumMod val="20000"/>
+                    <a:lumOff val="80000"/>
+                  </a:schemeClr>
+                </a:solidFill>
+              </a:rPr>
+              <a:t>The mosquito becomes infected with the </a:t>
+            </a:r>
+            <a:r>
+              <a:rPr lang="en-US" sz="2400" i="1" dirty="0">
+                <a:solidFill>
+                  <a:schemeClr val="tx2">
+                    <a:lumMod val="20000"/>
+                    <a:lumOff val="80000"/>
+                  </a:schemeClr>
+                </a:solidFill>
+              </a:rPr>
+              <a:t>Plasmodium </a:t>
+            </a:r>
+            <a:r>
+              <a:rPr lang="en-US" sz="2400" dirty="0">
+                <a:solidFill>
+                  <a:schemeClr val="tx2">
+                    <a:lumMod val="20000"/>
+                    <a:lumOff val="80000"/>
+                  </a:schemeClr>
+                </a:solidFill>
+              </a:rPr>
+              <a:t>parasite by feeding on the blood of an infected human. </a:t>
+            </a:r>
+          </a:p>
+          <a:p>
+            <a:r>
+              <a:rPr lang="en-US" sz="2400" dirty="0">
+                <a:solidFill>
+                  <a:schemeClr val="tx2">
+                    <a:lumMod val="20000"/>
+                    <a:lumOff val="80000"/>
+                  </a:schemeClr>
+                </a:solidFill>
+              </a:rPr>
+              <a:t>The mosquito ingests the gametocytes (Sexually reproducing cells) of the parasite, which will take between 10-18 days to grow inside the mosquito. </a:t>
+            </a:r>
+          </a:p>
+          <a:p>
+            <a:endParaRPr lang="en-IN" sz="2200" dirty="0"/>
           </a:p>
         </p:txBody>
       </p:sp>
     </p:spTree>
     <p:extLst>
       <p:ext uri="{BB962C8B-B14F-4D97-AF65-F5344CB8AC3E}">
-        <p14:creationId xmlns:p14="http://schemas.microsoft.com/office/powerpoint/2010/main" val="1304203761"/>
+        <p14:creationId xmlns:p14="http://schemas.microsoft.com/office/powerpoint/2010/main" val="1824985974"/>
+      </p:ext>
+    </p:extLst>
+  </p:cSld>
+  <p:clrMapOvr>
+    <a:masterClrMapping/>
+  </p:clrMapOvr>
+</p:sld>
+</file>
+
+<file path=ppt/slides/slide10.xml><?xml version="1.0" encoding="utf-8"?>
+<p:sld xmlns:a="http://schemas.openxmlformats.org/drawingml/2006/main" xmlns:r="http://schemas.openxmlformats.org/officeDocument/2006/relationships" xmlns:p="http://schemas.openxmlformats.org/presentationml/2006/main">
+  <p:cSld>
+    <p:spTree>
+      <p:nvGrpSpPr>
+        <p:cNvPr id="1" name=""/>
+        <p:cNvGrpSpPr/>
+        <p:nvPr/>
+      </p:nvGrpSpPr>
+      <p:grpSpPr>
+        <a:xfrm>
+          <a:off x="0" y="0"/>
+          <a:ext cx="0" cy="0"/>
+          <a:chOff x="0" y="0"/>
+          <a:chExt cx="0" cy="0"/>
+        </a:xfrm>
+      </p:grpSpPr>
+      <p:sp>
+        <p:nvSpPr>
+          <p:cNvPr id="2" name="Title 1">
+            <a:extLst>
+              <a:ext uri="{FF2B5EF4-FFF2-40B4-BE49-F238E27FC236}">
+                <a16:creationId xmlns:a16="http://schemas.microsoft.com/office/drawing/2014/main" id="{9A427828-D35C-4A1B-BB82-EB89CBD8AEFD}"/>
+              </a:ext>
+            </a:extLst>
+          </p:cNvPr>
+          <p:cNvSpPr>
+            <a:spLocks noGrp="1"/>
+          </p:cNvSpPr>
+          <p:nvPr>
+            <p:ph type="title"/>
+          </p:nvPr>
+        </p:nvSpPr>
+        <p:spPr/>
+        <p:txBody>
+          <a:bodyPr/>
+          <a:lstStyle/>
+          <a:p>
+            <a:r>
+              <a:rPr lang="en-IN" b="0" i="0" dirty="0">
+                <a:solidFill>
+                  <a:srgbClr val="373F51"/>
+                </a:solidFill>
+                <a:effectLst/>
+                <a:latin typeface="Roboto"/>
+              </a:rPr>
+              <a:t>Results understanding</a:t>
+            </a:r>
+            <a:endParaRPr lang="en-IN" dirty="0"/>
+          </a:p>
+        </p:txBody>
+      </p:sp>
+      <p:sp>
+        <p:nvSpPr>
+          <p:cNvPr id="3" name="Content Placeholder 2">
+            <a:extLst>
+              <a:ext uri="{FF2B5EF4-FFF2-40B4-BE49-F238E27FC236}">
+                <a16:creationId xmlns:a16="http://schemas.microsoft.com/office/drawing/2014/main" id="{C5F57B71-A5B7-43ED-90AC-819E5D67E316}"/>
+              </a:ext>
+            </a:extLst>
+          </p:cNvPr>
+          <p:cNvSpPr>
+            <a:spLocks noGrp="1"/>
+          </p:cNvSpPr>
+          <p:nvPr>
+            <p:ph idx="1"/>
+          </p:nvPr>
+        </p:nvSpPr>
+        <p:spPr/>
+        <p:txBody>
+          <a:bodyPr/>
+          <a:lstStyle/>
+          <a:p>
+            <a:endParaRPr lang="en-IN" b="1" u="sng" dirty="0"/>
+          </a:p>
+          <a:p>
+            <a:endParaRPr lang="en-IN" b="1" u="sng" dirty="0"/>
+          </a:p>
+          <a:p>
+            <a:endParaRPr lang="en-IN" b="1" u="sng" dirty="0"/>
+          </a:p>
+          <a:p>
+            <a:r>
+              <a:rPr lang="en-IN" b="1" u="sng" dirty="0"/>
+              <a:t>Prediction &amp;  Model Accuracy</a:t>
+            </a:r>
+          </a:p>
+          <a:p>
+            <a:r>
+              <a:rPr lang="en-IN" dirty="0"/>
+              <a:t>Finally Predict the model on test data </a:t>
+            </a:r>
+          </a:p>
+          <a:p>
+            <a:r>
+              <a:rPr lang="en-IN" dirty="0"/>
+              <a:t>Create Confusion Matrix , Classification Report .</a:t>
+            </a:r>
+          </a:p>
+          <a:p>
+            <a:endParaRPr lang="en-IN" dirty="0"/>
+          </a:p>
+        </p:txBody>
+      </p:sp>
+      <p:sp>
+        <p:nvSpPr>
+          <p:cNvPr id="4" name="Text Placeholder 3">
+            <a:extLst>
+              <a:ext uri="{FF2B5EF4-FFF2-40B4-BE49-F238E27FC236}">
+                <a16:creationId xmlns:a16="http://schemas.microsoft.com/office/drawing/2014/main" id="{9B35B649-9EE4-4982-83F1-079585E74A6F}"/>
+              </a:ext>
+            </a:extLst>
+          </p:cNvPr>
+          <p:cNvSpPr>
+            <a:spLocks noGrp="1"/>
+          </p:cNvSpPr>
+          <p:nvPr>
+            <p:ph type="body" sz="half" idx="2"/>
+          </p:nvPr>
+        </p:nvSpPr>
+        <p:spPr/>
+        <p:txBody>
+          <a:bodyPr/>
+          <a:lstStyle/>
+          <a:p>
+            <a:r>
+              <a:rPr lang="en-US" b="0" i="0" dirty="0">
+                <a:solidFill>
+                  <a:srgbClr val="172B4D"/>
+                </a:solidFill>
+                <a:effectLst/>
+                <a:latin typeface="Roboto"/>
+              </a:rPr>
+              <a:t>Inspecting model results and performing error analysis can be a tricky process. Having one metric, rarely tells you the whole story and  if you do have one interpreting it can be a relatively hard task. </a:t>
+            </a:r>
+            <a:endParaRPr lang="en-IN" dirty="0"/>
+          </a:p>
+        </p:txBody>
+      </p:sp>
+    </p:spTree>
+    <p:extLst>
+      <p:ext uri="{BB962C8B-B14F-4D97-AF65-F5344CB8AC3E}">
+        <p14:creationId xmlns:p14="http://schemas.microsoft.com/office/powerpoint/2010/main" val="3238155780"/>
+      </p:ext>
+    </p:extLst>
+  </p:cSld>
+  <p:clrMapOvr>
+    <a:masterClrMapping/>
+  </p:clrMapOvr>
+</p:sld>
+</file>
+
+<file path=ppt/slides/slide11.xml><?xml version="1.0" encoding="utf-8"?>
+<p:sld xmlns:a="http://schemas.openxmlformats.org/drawingml/2006/main" xmlns:r="http://schemas.openxmlformats.org/officeDocument/2006/relationships" xmlns:p="http://schemas.openxmlformats.org/presentationml/2006/main">
+  <p:cSld>
+    <p:spTree>
+      <p:nvGrpSpPr>
+        <p:cNvPr id="1" name=""/>
+        <p:cNvGrpSpPr/>
+        <p:nvPr/>
+      </p:nvGrpSpPr>
+      <p:grpSpPr>
+        <a:xfrm>
+          <a:off x="0" y="0"/>
+          <a:ext cx="0" cy="0"/>
+          <a:chOff x="0" y="0"/>
+          <a:chExt cx="0" cy="0"/>
+        </a:xfrm>
+      </p:grpSpPr>
+      <p:sp>
+        <p:nvSpPr>
+          <p:cNvPr id="2" name="Title 1">
+            <a:extLst>
+              <a:ext uri="{FF2B5EF4-FFF2-40B4-BE49-F238E27FC236}">
+                <a16:creationId xmlns:a16="http://schemas.microsoft.com/office/drawing/2014/main" id="{CD645778-F3B9-49A5-B393-DF7ADF015D52}"/>
+              </a:ext>
+            </a:extLst>
+          </p:cNvPr>
+          <p:cNvSpPr>
+            <a:spLocks noGrp="1"/>
+          </p:cNvSpPr>
+          <p:nvPr>
+            <p:ph type="title"/>
+          </p:nvPr>
+        </p:nvSpPr>
+        <p:spPr/>
+        <p:txBody>
+          <a:bodyPr/>
+          <a:lstStyle/>
+          <a:p>
+            <a:r>
+              <a:rPr lang="en-IN" dirty="0"/>
+              <a:t>	</a:t>
+            </a:r>
+          </a:p>
+        </p:txBody>
+      </p:sp>
+      <p:pic>
+        <p:nvPicPr>
+          <p:cNvPr id="8" name="Content Placeholder 7">
+            <a:extLst>
+              <a:ext uri="{FF2B5EF4-FFF2-40B4-BE49-F238E27FC236}">
+                <a16:creationId xmlns:a16="http://schemas.microsoft.com/office/drawing/2014/main" id="{188C09DF-270E-4CBE-9836-8B5E47C7A47A}"/>
+              </a:ext>
+            </a:extLst>
+          </p:cNvPr>
+          <p:cNvPicPr>
+            <a:picLocks noGrp="1" noChangeAspect="1"/>
+          </p:cNvPicPr>
+          <p:nvPr>
+            <p:ph idx="1"/>
+          </p:nvPr>
+        </p:nvPicPr>
+        <p:blipFill>
+          <a:blip r:embed="rId2">
+            <a:extLst>
+              <a:ext uri="{28A0092B-C50C-407E-A947-70E740481C1C}">
+                <a14:useLocalDpi xmlns:a14="http://schemas.microsoft.com/office/drawing/2010/main" val="0"/>
+              </a:ext>
+            </a:extLst>
+          </a:blip>
+          <a:stretch>
+            <a:fillRect/>
+          </a:stretch>
+        </p:blipFill>
+        <p:spPr>
+          <a:xfrm>
+            <a:off x="5306290" y="3271973"/>
+            <a:ext cx="3447959" cy="3033231"/>
+          </a:xfrm>
+        </p:spPr>
+      </p:pic>
+      <p:sp>
+        <p:nvSpPr>
+          <p:cNvPr id="4" name="Text Placeholder 3">
+            <a:extLst>
+              <a:ext uri="{FF2B5EF4-FFF2-40B4-BE49-F238E27FC236}">
+                <a16:creationId xmlns:a16="http://schemas.microsoft.com/office/drawing/2014/main" id="{EB9D6439-0E04-4FBC-98B9-00FEA9C98500}"/>
+              </a:ext>
+            </a:extLst>
+          </p:cNvPr>
+          <p:cNvSpPr>
+            <a:spLocks noGrp="1"/>
+          </p:cNvSpPr>
+          <p:nvPr>
+            <p:ph type="body" sz="half" idx="2"/>
+          </p:nvPr>
+        </p:nvSpPr>
+        <p:spPr>
+          <a:xfrm>
+            <a:off x="457200" y="1004535"/>
+            <a:ext cx="3200400" cy="5300669"/>
+          </a:xfrm>
+        </p:spPr>
+        <p:txBody>
+          <a:bodyPr>
+            <a:normAutofit fontScale="85000" lnSpcReduction="20000"/>
+          </a:bodyPr>
+          <a:lstStyle/>
+          <a:p>
+            <a:pPr algn="l"/>
+            <a:endParaRPr lang="en-US" b="1" i="0" dirty="0">
+              <a:solidFill>
+                <a:srgbClr val="292929"/>
+              </a:solidFill>
+              <a:effectLst/>
+              <a:latin typeface="charter"/>
+            </a:endParaRPr>
+          </a:p>
+          <a:p>
+            <a:pPr algn="l"/>
+            <a:r>
+              <a:rPr lang="en-US" b="1" i="0" dirty="0">
+                <a:solidFill>
+                  <a:srgbClr val="292929"/>
+                </a:solidFill>
+                <a:effectLst/>
+                <a:latin typeface="charter"/>
+              </a:rPr>
+              <a:t>True Positive:</a:t>
+            </a:r>
+          </a:p>
+          <a:p>
+            <a:pPr algn="l"/>
+            <a:r>
+              <a:rPr lang="en-US" b="0" i="0" dirty="0">
+                <a:solidFill>
+                  <a:srgbClr val="292929"/>
+                </a:solidFill>
+                <a:effectLst/>
+                <a:latin typeface="charter"/>
+              </a:rPr>
+              <a:t>Interpretation: You predicted positive and it’s true.</a:t>
+            </a:r>
+          </a:p>
+          <a:p>
+            <a:pPr algn="l"/>
+            <a:r>
+              <a:rPr lang="en-US" b="0" i="0" dirty="0">
+                <a:solidFill>
+                  <a:srgbClr val="292929"/>
+                </a:solidFill>
+                <a:effectLst/>
+                <a:latin typeface="charter"/>
+              </a:rPr>
+              <a:t>You predicted that Parasitized Images – 3971 and it’s true</a:t>
+            </a:r>
+          </a:p>
+          <a:p>
+            <a:pPr algn="l"/>
+            <a:r>
+              <a:rPr lang="en-US" b="1" i="0" dirty="0">
+                <a:solidFill>
+                  <a:srgbClr val="292929"/>
+                </a:solidFill>
+                <a:effectLst/>
+                <a:latin typeface="charter"/>
+              </a:rPr>
+              <a:t>True Negative:</a:t>
+            </a:r>
+            <a:endParaRPr lang="en-US" b="0" i="0" dirty="0">
+              <a:solidFill>
+                <a:srgbClr val="292929"/>
+              </a:solidFill>
+              <a:effectLst/>
+              <a:latin typeface="charter"/>
+            </a:endParaRPr>
+          </a:p>
+          <a:p>
+            <a:pPr algn="l"/>
+            <a:r>
+              <a:rPr lang="en-US" b="0" i="0" dirty="0">
+                <a:solidFill>
+                  <a:srgbClr val="292929"/>
+                </a:solidFill>
+                <a:effectLst/>
+                <a:latin typeface="charter"/>
+              </a:rPr>
+              <a:t>Interpretation: You predicted negative and it’s true.</a:t>
+            </a:r>
+          </a:p>
+          <a:p>
+            <a:pPr algn="l"/>
+            <a:r>
+              <a:rPr lang="en-US" b="0" i="0" dirty="0">
+                <a:solidFill>
+                  <a:srgbClr val="292929"/>
+                </a:solidFill>
+                <a:effectLst/>
+                <a:latin typeface="charter"/>
+              </a:rPr>
+              <a:t>You predicted that Uninfected Images – 3812 and it’s true</a:t>
+            </a:r>
+          </a:p>
+          <a:p>
+            <a:pPr algn="l"/>
+            <a:r>
+              <a:rPr lang="en-US" b="1" i="0" dirty="0">
+                <a:solidFill>
+                  <a:srgbClr val="292929"/>
+                </a:solidFill>
+                <a:effectLst/>
+                <a:latin typeface="charter"/>
+              </a:rPr>
+              <a:t>False Positive: (Type 1 Error)</a:t>
+            </a:r>
+            <a:endParaRPr lang="en-US" b="0" i="0" dirty="0">
+              <a:solidFill>
+                <a:srgbClr val="292929"/>
+              </a:solidFill>
+              <a:effectLst/>
+              <a:latin typeface="charter"/>
+            </a:endParaRPr>
+          </a:p>
+          <a:p>
+            <a:pPr algn="l"/>
+            <a:r>
+              <a:rPr lang="en-US" b="0" i="0" dirty="0">
+                <a:solidFill>
+                  <a:srgbClr val="292929"/>
+                </a:solidFill>
+                <a:effectLst/>
+                <a:latin typeface="charter"/>
+              </a:rPr>
+              <a:t>Interpretation: You predicted positive and it’s false.</a:t>
+            </a:r>
+          </a:p>
+          <a:p>
+            <a:r>
+              <a:rPr lang="en-US" b="0" i="0" dirty="0">
+                <a:solidFill>
+                  <a:srgbClr val="292929"/>
+                </a:solidFill>
+                <a:effectLst/>
+                <a:latin typeface="charter"/>
+              </a:rPr>
+              <a:t>You predicted that Parasitized  Images – 245 But they are Uninfected</a:t>
+            </a:r>
+          </a:p>
+          <a:p>
+            <a:pPr algn="l"/>
+            <a:r>
+              <a:rPr lang="en-US" b="1" i="0" dirty="0">
+                <a:solidFill>
+                  <a:srgbClr val="292929"/>
+                </a:solidFill>
+                <a:effectLst/>
+                <a:latin typeface="charter"/>
+              </a:rPr>
+              <a:t>False Negative: (Type 2 Error)</a:t>
+            </a:r>
+            <a:endParaRPr lang="en-US" b="0" i="0" dirty="0">
+              <a:solidFill>
+                <a:srgbClr val="292929"/>
+              </a:solidFill>
+              <a:effectLst/>
+              <a:latin typeface="charter"/>
+            </a:endParaRPr>
+          </a:p>
+          <a:p>
+            <a:pPr algn="l"/>
+            <a:r>
+              <a:rPr lang="en-US" b="0" i="0" dirty="0">
+                <a:solidFill>
+                  <a:srgbClr val="292929"/>
+                </a:solidFill>
+                <a:effectLst/>
+                <a:latin typeface="charter"/>
+              </a:rPr>
+              <a:t>Interpretation: You predicted negative and it’s false.</a:t>
+            </a:r>
+          </a:p>
+          <a:p>
+            <a:r>
+              <a:rPr lang="en-US" b="0" i="0" dirty="0">
+                <a:solidFill>
+                  <a:srgbClr val="292929"/>
+                </a:solidFill>
+                <a:effectLst/>
+                <a:latin typeface="charter"/>
+              </a:rPr>
+              <a:t>You predicted that Uninfected Images – 240 But they are Parasitized</a:t>
+            </a:r>
+          </a:p>
+        </p:txBody>
+      </p:sp>
+      <p:pic>
+        <p:nvPicPr>
+          <p:cNvPr id="5" name="Picture 4">
+            <a:extLst>
+              <a:ext uri="{FF2B5EF4-FFF2-40B4-BE49-F238E27FC236}">
+                <a16:creationId xmlns:a16="http://schemas.microsoft.com/office/drawing/2014/main" id="{AAC94347-47D0-4606-B0C8-F82F69E71AE6}"/>
+              </a:ext>
+            </a:extLst>
+          </p:cNvPr>
+          <p:cNvPicPr>
+            <a:picLocks noChangeAspect="1"/>
+          </p:cNvPicPr>
+          <p:nvPr/>
+        </p:nvPicPr>
+        <p:blipFill>
+          <a:blip r:embed="rId3"/>
+          <a:stretch>
+            <a:fillRect/>
+          </a:stretch>
+        </p:blipFill>
+        <p:spPr>
+          <a:xfrm>
+            <a:off x="5476240" y="952936"/>
+            <a:ext cx="2570480" cy="2088515"/>
+          </a:xfrm>
+          <a:prstGeom prst="rect">
+            <a:avLst/>
+          </a:prstGeom>
+        </p:spPr>
+      </p:pic>
+    </p:spTree>
+    <p:extLst>
+      <p:ext uri="{BB962C8B-B14F-4D97-AF65-F5344CB8AC3E}">
+        <p14:creationId xmlns:p14="http://schemas.microsoft.com/office/powerpoint/2010/main" val="4200547702"/>
+      </p:ext>
+    </p:extLst>
+  </p:cSld>
+  <p:clrMapOvr>
+    <a:masterClrMapping/>
+  </p:clrMapOvr>
+</p:sld>
+</file>
+
+<file path=ppt/slides/slide12.xml><?xml version="1.0" encoding="utf-8"?>
+<p:sld xmlns:a="http://schemas.openxmlformats.org/drawingml/2006/main" xmlns:r="http://schemas.openxmlformats.org/officeDocument/2006/relationships" xmlns:p="http://schemas.openxmlformats.org/presentationml/2006/main">
+  <p:cSld>
+    <p:spTree>
+      <p:nvGrpSpPr>
+        <p:cNvPr id="1" name=""/>
+        <p:cNvGrpSpPr/>
+        <p:nvPr/>
+      </p:nvGrpSpPr>
+      <p:grpSpPr>
+        <a:xfrm>
+          <a:off x="0" y="0"/>
+          <a:ext cx="0" cy="0"/>
+          <a:chOff x="0" y="0"/>
+          <a:chExt cx="0" cy="0"/>
+        </a:xfrm>
+      </p:grpSpPr>
+      <p:sp>
+        <p:nvSpPr>
+          <p:cNvPr id="2" name="Title 1">
+            <a:extLst>
+              <a:ext uri="{FF2B5EF4-FFF2-40B4-BE49-F238E27FC236}">
+                <a16:creationId xmlns:a16="http://schemas.microsoft.com/office/drawing/2014/main" id="{63BAF2C1-5F2C-468F-A564-CF5D8674B108}"/>
+              </a:ext>
+            </a:extLst>
+          </p:cNvPr>
+          <p:cNvSpPr>
+            <a:spLocks noGrp="1"/>
+          </p:cNvSpPr>
+          <p:nvPr>
+            <p:ph type="title"/>
+          </p:nvPr>
+        </p:nvSpPr>
+        <p:spPr/>
+        <p:txBody>
+          <a:bodyPr/>
+          <a:lstStyle/>
+          <a:p>
+            <a:r>
+              <a:rPr lang="en-IN" dirty="0"/>
+              <a:t>Classification Report .</a:t>
+            </a:r>
+          </a:p>
+        </p:txBody>
+      </p:sp>
+      <p:pic>
+        <p:nvPicPr>
+          <p:cNvPr id="7" name="Content Placeholder 6">
+            <a:extLst>
+              <a:ext uri="{FF2B5EF4-FFF2-40B4-BE49-F238E27FC236}">
+                <a16:creationId xmlns:a16="http://schemas.microsoft.com/office/drawing/2014/main" id="{9ED56D05-6385-4687-886B-D55D8208145F}"/>
+              </a:ext>
+            </a:extLst>
+          </p:cNvPr>
+          <p:cNvPicPr>
+            <a:picLocks noGrp="1" noChangeAspect="1"/>
+          </p:cNvPicPr>
+          <p:nvPr>
+            <p:ph idx="1"/>
+          </p:nvPr>
+        </p:nvPicPr>
+        <p:blipFill>
+          <a:blip r:embed="rId2">
+            <a:extLst>
+              <a:ext uri="{28A0092B-C50C-407E-A947-70E740481C1C}">
+                <a14:useLocalDpi xmlns:a14="http://schemas.microsoft.com/office/drawing/2010/main" val="0"/>
+              </a:ext>
+            </a:extLst>
+          </a:blip>
+          <a:stretch>
+            <a:fillRect/>
+          </a:stretch>
+        </p:blipFill>
+        <p:spPr>
+          <a:xfrm>
+            <a:off x="5288218" y="2291788"/>
+            <a:ext cx="6082745" cy="2639027"/>
+          </a:xfrm>
+        </p:spPr>
+      </p:pic>
+      <p:sp>
+        <p:nvSpPr>
+          <p:cNvPr id="4" name="Text Placeholder 3">
+            <a:extLst>
+              <a:ext uri="{FF2B5EF4-FFF2-40B4-BE49-F238E27FC236}">
+                <a16:creationId xmlns:a16="http://schemas.microsoft.com/office/drawing/2014/main" id="{2A0E3272-3BE7-4FEB-A206-4C5A859A65E0}"/>
+              </a:ext>
+            </a:extLst>
+          </p:cNvPr>
+          <p:cNvSpPr>
+            <a:spLocks noGrp="1"/>
+          </p:cNvSpPr>
+          <p:nvPr>
+            <p:ph type="body" sz="half" idx="2"/>
+          </p:nvPr>
+        </p:nvSpPr>
+        <p:spPr/>
+        <p:txBody>
+          <a:bodyPr/>
+          <a:lstStyle/>
+          <a:p>
+            <a:r>
+              <a:rPr lang="en-IN" dirty="0"/>
+              <a:t>Accuracy of the model is 0.94 %</a:t>
+            </a:r>
+          </a:p>
+          <a:p>
+            <a:r>
+              <a:rPr lang="en-IN" dirty="0"/>
+              <a:t>F1-Score 0.94 </a:t>
+            </a:r>
+          </a:p>
+          <a:p>
+            <a:r>
+              <a:rPr lang="en-IN" dirty="0"/>
+              <a:t>Precision 0.94</a:t>
+            </a:r>
+          </a:p>
+        </p:txBody>
+      </p:sp>
+    </p:spTree>
+    <p:extLst>
+      <p:ext uri="{BB962C8B-B14F-4D97-AF65-F5344CB8AC3E}">
+        <p14:creationId xmlns:p14="http://schemas.microsoft.com/office/powerpoint/2010/main" val="2634541566"/>
+      </p:ext>
+    </p:extLst>
+  </p:cSld>
+  <p:clrMapOvr>
+    <a:masterClrMapping/>
+  </p:clrMapOvr>
+</p:sld>
+</file>
+
+<file path=ppt/slides/slide13.xml><?xml version="1.0" encoding="utf-8"?>
+<p:sld xmlns:a="http://schemas.openxmlformats.org/drawingml/2006/main" xmlns:r="http://schemas.openxmlformats.org/officeDocument/2006/relationships" xmlns:p="http://schemas.openxmlformats.org/presentationml/2006/main">
+  <p:cSld>
+    <p:spTree>
+      <p:nvGrpSpPr>
+        <p:cNvPr id="1" name=""/>
+        <p:cNvGrpSpPr/>
+        <p:nvPr/>
+      </p:nvGrpSpPr>
+      <p:grpSpPr>
+        <a:xfrm>
+          <a:off x="0" y="0"/>
+          <a:ext cx="0" cy="0"/>
+          <a:chOff x="0" y="0"/>
+          <a:chExt cx="0" cy="0"/>
+        </a:xfrm>
+      </p:grpSpPr>
+      <p:sp>
+        <p:nvSpPr>
+          <p:cNvPr id="2" name="Title 1">
+            <a:extLst>
+              <a:ext uri="{FF2B5EF4-FFF2-40B4-BE49-F238E27FC236}">
+                <a16:creationId xmlns:a16="http://schemas.microsoft.com/office/drawing/2014/main" id="{A622B8C0-A8AB-4978-B62C-BAB398F2C254}"/>
+              </a:ext>
+            </a:extLst>
+          </p:cNvPr>
+          <p:cNvSpPr>
+            <a:spLocks noGrp="1"/>
+          </p:cNvSpPr>
+          <p:nvPr>
+            <p:ph type="title"/>
+          </p:nvPr>
+        </p:nvSpPr>
+        <p:spPr/>
+        <p:txBody>
+          <a:bodyPr/>
+          <a:lstStyle/>
+          <a:p>
+            <a:pPr algn="ctr"/>
+            <a:r>
+              <a:rPr lang="en-US" dirty="0"/>
+              <a:t>Find Below More Info of Project	</a:t>
+            </a:r>
+          </a:p>
+        </p:txBody>
+      </p:sp>
+      <p:sp>
+        <p:nvSpPr>
+          <p:cNvPr id="3" name="Content Placeholder 2">
+            <a:extLst>
+              <a:ext uri="{FF2B5EF4-FFF2-40B4-BE49-F238E27FC236}">
+                <a16:creationId xmlns:a16="http://schemas.microsoft.com/office/drawing/2014/main" id="{590DC52A-9E52-442F-8181-C65299B122C7}"/>
+              </a:ext>
+            </a:extLst>
+          </p:cNvPr>
+          <p:cNvSpPr>
+            <a:spLocks noGrp="1"/>
+          </p:cNvSpPr>
+          <p:nvPr>
+            <p:ph idx="1"/>
+          </p:nvPr>
+        </p:nvSpPr>
+        <p:spPr>
+          <a:xfrm>
+            <a:off x="838200" y="1825624"/>
+            <a:ext cx="10515600" cy="5032375"/>
+          </a:xfrm>
+        </p:spPr>
+        <p:txBody>
+          <a:bodyPr>
+            <a:normAutofit/>
+          </a:bodyPr>
+          <a:lstStyle/>
+          <a:p>
+            <a:endParaRPr lang="en-IN" dirty="0">
+              <a:hlinkClick r:id="rId2"/>
+            </a:endParaRPr>
+          </a:p>
+          <a:p>
+            <a:r>
+              <a:rPr lang="en-IN" dirty="0">
+                <a:hlinkClick r:id="rId2"/>
+              </a:rPr>
+              <a:t>Below Contains the GitHub Links for Jupyter Notebooks and Python Code.</a:t>
+            </a:r>
+          </a:p>
+          <a:p>
+            <a:r>
+              <a:rPr lang="en-IN" dirty="0">
+                <a:hlinkClick r:id="rId2"/>
+              </a:rPr>
+              <a:t>1. https://github.com/SANDIP79190219/Deep Learning/blob/main/Maleria_Deep_Learning_Grayscale.ipynb</a:t>
+            </a:r>
+            <a:endParaRPr lang="en-IN" dirty="0"/>
+          </a:p>
+          <a:p>
+            <a:endParaRPr lang="en-IN" dirty="0"/>
+          </a:p>
+          <a:p>
+            <a:r>
+              <a:rPr lang="en-IN" dirty="0">
+                <a:hlinkClick r:id="rId3"/>
+              </a:rPr>
+              <a:t>2. https://github.com/SANDIP79190219/Deep-Learning/blob/main/Deep_Learning_Maleria.ipynb</a:t>
+            </a:r>
+            <a:endParaRPr lang="en-IN" dirty="0"/>
+          </a:p>
+          <a:p>
+            <a:pPr marL="0" indent="0">
+              <a:buNone/>
+            </a:pPr>
+            <a:endParaRPr lang="en-US" dirty="0"/>
+          </a:p>
+          <a:p>
+            <a:pPr marL="0" indent="0">
+              <a:buNone/>
+            </a:pPr>
+            <a:r>
+              <a:rPr lang="en-US" dirty="0"/>
+              <a:t> </a:t>
+            </a:r>
+            <a:r>
+              <a:rPr lang="en-IN" dirty="0"/>
+              <a:t> Dataset Source - </a:t>
+            </a:r>
+            <a:r>
+              <a:rPr lang="en-IN" dirty="0">
+                <a:hlinkClick r:id="rId4"/>
+              </a:rPr>
+              <a:t>Malaria Cell Images Dataset | Kaggle</a:t>
+            </a:r>
+            <a:endParaRPr lang="en-IN" dirty="0"/>
+          </a:p>
+          <a:p>
+            <a:pPr marL="0" indent="0">
+              <a:buNone/>
+            </a:pPr>
+            <a:endParaRPr lang="en-US" dirty="0"/>
+          </a:p>
+        </p:txBody>
+      </p:sp>
+    </p:spTree>
+    <p:extLst>
+      <p:ext uri="{BB962C8B-B14F-4D97-AF65-F5344CB8AC3E}">
+        <p14:creationId xmlns:p14="http://schemas.microsoft.com/office/powerpoint/2010/main" val="204990474"/>
       </p:ext>
     </p:extLst>
   </p:cSld>
@@ -3488,7 +4859,7 @@
           <p:cNvPr id="2" name="Title 1">
             <a:extLst>
               <a:ext uri="{FF2B5EF4-FFF2-40B4-BE49-F238E27FC236}">
-                <a16:creationId xmlns:a16="http://schemas.microsoft.com/office/drawing/2014/main" id="{34B8B33F-855E-420C-B6BA-CEA4567D784F}"/>
+                <a16:creationId xmlns:a16="http://schemas.microsoft.com/office/drawing/2014/main" id="{3E497AFB-3B73-4D0D-B273-E45987E4B187}"/>
               </a:ext>
             </a:extLst>
           </p:cNvPr>
@@ -3499,25 +4870,19 @@
             <p:ph type="title"/>
           </p:nvPr>
         </p:nvSpPr>
-        <p:spPr/>
+        <p:spPr>
+          <a:xfrm>
+            <a:off x="457200" y="594359"/>
+            <a:ext cx="3200400" cy="1214121"/>
+          </a:xfrm>
+        </p:spPr>
         <p:txBody>
           <a:bodyPr/>
           <a:lstStyle/>
           <a:p>
             <a:r>
-              <a:rPr lang="en-US" dirty="0"/>
-              <a:t>Capstone Project 2: Project Proposal</a:t>
-            </a:r>
-            <a:r>
               <a:rPr lang="en-IN" dirty="0"/>
-              <a:t> </a:t>
-            </a:r>
-            <a:br>
-              <a:rPr lang="en-IN" dirty="0"/>
-            </a:br>
-            <a:r>
-              <a:rPr lang="en-IN" dirty="0"/>
-              <a:t>Dataset Source - </a:t>
+              <a:t>Goal And Target Audience	</a:t>
             </a:r>
           </a:p>
         </p:txBody>
@@ -3527,7 +4892,7 @@
           <p:cNvPr id="3" name="Content Placeholder 2">
             <a:extLst>
               <a:ext uri="{FF2B5EF4-FFF2-40B4-BE49-F238E27FC236}">
-                <a16:creationId xmlns:a16="http://schemas.microsoft.com/office/drawing/2014/main" id="{E61A3C23-BFEE-4778-8DB9-D0C64AF83F3D}"/>
+                <a16:creationId xmlns:a16="http://schemas.microsoft.com/office/drawing/2014/main" id="{4037AF95-C88F-4F23-93DF-067C298FBBEB}"/>
               </a:ext>
             </a:extLst>
           </p:cNvPr>
@@ -3540,89 +4905,37 @@
         </p:nvSpPr>
         <p:spPr/>
         <p:txBody>
-          <a:bodyPr>
-            <a:normAutofit fontScale="77500" lnSpcReduction="20000"/>
-          </a:bodyPr>
-          <a:lstStyle/>
-          <a:p>
-            <a:r>
-              <a:rPr lang="en-IN" dirty="0">
-                <a:hlinkClick r:id="rId2"/>
-              </a:rPr>
-              <a:t>Malaria Cell Images Dataset | Kaggle</a:t>
-            </a:r>
-            <a:endParaRPr lang="en-IN" dirty="0"/>
-          </a:p>
-          <a:p>
-            <a:endParaRPr lang="en-IN" dirty="0"/>
+          <a:bodyPr/>
+          <a:lstStyle/>
+          <a:p>
+            <a:endParaRPr lang="en-US" dirty="0"/>
           </a:p>
           <a:p>
             <a:r>
               <a:rPr lang="en-US" dirty="0"/>
-              <a:t>What is the problem you want to solve?</a:t>
-            </a:r>
-          </a:p>
-          <a:p>
-            <a:pPr marL="0" indent="0">
-              <a:buNone/>
-            </a:pPr>
+              <a:t>Q. What is the problem you want to solve?</a:t>
+            </a:r>
+          </a:p>
+          <a:p>
+            <a:r>
+              <a:rPr lang="en-IN" dirty="0"/>
+              <a:t>Goal of Project is </a:t>
+            </a:r>
             <a:r>
               <a:rPr lang="en-US" dirty="0"/>
-              <a:t>   Detecting-malaria cell-images</a:t>
-            </a:r>
-          </a:p>
-          <a:p>
-            <a:pPr marL="0" indent="0">
-              <a:buNone/>
-            </a:pPr>
-            <a:endParaRPr lang="en-US" dirty="0"/>
-          </a:p>
-          <a:p>
-            <a:pPr marL="0" indent="0">
-              <a:buNone/>
-            </a:pPr>
+              <a:t>detection of malaria cell-images using Deep Neural Network.</a:t>
+            </a:r>
+          </a:p>
+          <a:p>
             <a:r>
               <a:rPr lang="en-US" dirty="0"/>
-              <a:t>What is the problem you want to solve?</a:t>
-            </a:r>
-          </a:p>
-          <a:p>
-            <a:pPr marL="0" indent="0">
-              <a:buNone/>
-            </a:pPr>
-            <a:endParaRPr lang="en-US" dirty="0"/>
-          </a:p>
-          <a:p>
-            <a:pPr marL="0" indent="0">
-              <a:buNone/>
-            </a:pPr>
+              <a:t>Q. Who is your client and why do they care about this    problem? </a:t>
+            </a:r>
+          </a:p>
+          <a:p>
             <a:r>
               <a:rPr lang="en-US" dirty="0"/>
-              <a:t>. Who is your client and why do they care about this problem? </a:t>
-            </a:r>
-          </a:p>
-          <a:p>
-            <a:pPr marL="0" indent="0">
-              <a:buNone/>
-            </a:pPr>
-            <a:r>
-              <a:rPr lang="en-US" dirty="0"/>
-              <a:t>In other words, what will your client do or decide based on your analysis that they wouldn’t have done otherwise?</a:t>
-            </a:r>
-          </a:p>
-          <a:p>
-            <a:pPr marL="0" indent="0">
-              <a:buNone/>
-            </a:pPr>
-            <a:endParaRPr lang="en-US" dirty="0"/>
-          </a:p>
-          <a:p>
-            <a:pPr marL="0" indent="0">
-              <a:buNone/>
-            </a:pPr>
-            <a:r>
-              <a:rPr lang="en-US" dirty="0"/>
-              <a:t>It can be used by Medical Staff as Lab Technician or Help Doctors </a:t>
+              <a:t>It can be used by Medical Staff as Lab Technician or Help Doctors. And world care about this because…… </a:t>
             </a:r>
             <a:endParaRPr lang="en-IN" dirty="0"/>
           </a:p>
@@ -3631,7 +4944,7 @@
     </p:spTree>
     <p:extLst>
       <p:ext uri="{BB962C8B-B14F-4D97-AF65-F5344CB8AC3E}">
-        <p14:creationId xmlns:p14="http://schemas.microsoft.com/office/powerpoint/2010/main" val="61354528"/>
+        <p14:creationId xmlns:p14="http://schemas.microsoft.com/office/powerpoint/2010/main" val="1072704835"/>
       </p:ext>
     </p:extLst>
   </p:cSld>
@@ -3660,10 +4973,38 @@
       </p:grpSpPr>
       <p:sp>
         <p:nvSpPr>
+          <p:cNvPr id="2" name="Title 1">
+            <a:extLst>
+              <a:ext uri="{FF2B5EF4-FFF2-40B4-BE49-F238E27FC236}">
+                <a16:creationId xmlns:a16="http://schemas.microsoft.com/office/drawing/2014/main" id="{DE08B8B8-6E1D-4EB8-A3F1-204FFD266CC2}"/>
+              </a:ext>
+            </a:extLst>
+          </p:cNvPr>
+          <p:cNvSpPr>
+            <a:spLocks noGrp="1"/>
+          </p:cNvSpPr>
+          <p:nvPr>
+            <p:ph type="title"/>
+          </p:nvPr>
+        </p:nvSpPr>
+        <p:spPr/>
+        <p:txBody>
+          <a:bodyPr/>
+          <a:lstStyle/>
+          <a:p>
+            <a:r>
+              <a:rPr lang="en-US" dirty="0"/>
+              <a:t>Infection Rates </a:t>
+            </a:r>
+          </a:p>
+        </p:txBody>
+      </p:sp>
+      <p:sp>
+        <p:nvSpPr>
           <p:cNvPr id="3" name="Content Placeholder 2">
             <a:extLst>
               <a:ext uri="{FF2B5EF4-FFF2-40B4-BE49-F238E27FC236}">
-                <a16:creationId xmlns:a16="http://schemas.microsoft.com/office/drawing/2014/main" id="{EF032E76-B030-47EF-AA9A-22DD4255A82B}"/>
+                <a16:creationId xmlns:a16="http://schemas.microsoft.com/office/drawing/2014/main" id="{4098AE2A-1355-493B-9E8F-57439CD26EA0}"/>
               </a:ext>
             </a:extLst>
           </p:cNvPr>
@@ -3674,78 +5015,42 @@
             <p:ph idx="1"/>
           </p:nvPr>
         </p:nvSpPr>
-        <p:spPr>
-          <a:xfrm>
-            <a:off x="838200" y="1875099"/>
-            <a:ext cx="10515600" cy="4301864"/>
-          </a:xfrm>
-        </p:spPr>
+        <p:spPr/>
         <p:txBody>
           <a:bodyPr/>
           <a:lstStyle/>
           <a:p>
+            <a:endParaRPr lang="en-US" dirty="0"/>
+          </a:p>
+          <a:p>
             <a:r>
               <a:rPr lang="en-US" dirty="0"/>
-              <a:t>Briefly outline how you’ll solve this problem. Your approach may change later, but this is a good first step to get you thinking about a method and solution.</a:t>
-            </a:r>
-          </a:p>
-          <a:p>
+              <a:t>1,700 cases diagnosed in the United States each year</a:t>
+            </a:r>
+          </a:p>
+          <a:p>
+            <a:pPr lvl="1"/>
             <a:r>
               <a:rPr lang="en-US" dirty="0"/>
-              <a:t>Read the images </a:t>
+              <a:t>Primarily in return travelers and immigrant populations (“import” malaria)</a:t>
             </a:r>
           </a:p>
           <a:p>
             <a:r>
               <a:rPr lang="en-US" dirty="0"/>
-              <a:t>Defining the Model</a:t>
+              <a:t>212 million cases globally</a:t>
             </a:r>
           </a:p>
           <a:p>
             <a:r>
               <a:rPr lang="en-US" dirty="0"/>
-              <a:t>Build the Model </a:t>
+              <a:t>429,000 deaths in 2015</a:t>
             </a:r>
           </a:p>
           <a:p>
             <a:r>
               <a:rPr lang="en-US" dirty="0"/>
-              <a:t>Train the Model </a:t>
-            </a:r>
-          </a:p>
-          <a:p>
-            <a:r>
-              <a:rPr lang="en-US" dirty="0"/>
-              <a:t>Calculate the score for the model.</a:t>
-            </a:r>
-            <a:endParaRPr lang="en-IN" dirty="0"/>
-          </a:p>
-        </p:txBody>
-      </p:sp>
-      <p:sp>
-        <p:nvSpPr>
-          <p:cNvPr id="7" name="Title 6">
-            <a:extLst>
-              <a:ext uri="{FF2B5EF4-FFF2-40B4-BE49-F238E27FC236}">
-                <a16:creationId xmlns:a16="http://schemas.microsoft.com/office/drawing/2014/main" id="{38207C6C-FDA3-4058-B25A-D919643F7550}"/>
-              </a:ext>
-            </a:extLst>
-          </p:cNvPr>
-          <p:cNvSpPr>
-            <a:spLocks noGrp="1"/>
-          </p:cNvSpPr>
-          <p:nvPr>
-            <p:ph type="title"/>
-          </p:nvPr>
-        </p:nvSpPr>
-        <p:spPr/>
-        <p:txBody>
-          <a:bodyPr/>
-          <a:lstStyle/>
-          <a:p>
-            <a:r>
-              <a:rPr lang="en-IN" dirty="0"/>
-              <a:t>.	</a:t>
+              <a:t>In Africa, malaria costs around $12 billion a year in treatment, prevention, and premature death. </a:t>
             </a:r>
           </a:p>
         </p:txBody>
@@ -3753,7 +5058,7 @@
     </p:spTree>
     <p:extLst>
       <p:ext uri="{BB962C8B-B14F-4D97-AF65-F5344CB8AC3E}">
-        <p14:creationId xmlns:p14="http://schemas.microsoft.com/office/powerpoint/2010/main" val="2549807563"/>
+        <p14:creationId xmlns:p14="http://schemas.microsoft.com/office/powerpoint/2010/main" val="3433017063"/>
       </p:ext>
     </p:extLst>
   </p:cSld>
@@ -3785,7 +5090,7 @@
           <p:cNvPr id="2" name="Title 1">
             <a:extLst>
               <a:ext uri="{FF2B5EF4-FFF2-40B4-BE49-F238E27FC236}">
-                <a16:creationId xmlns:a16="http://schemas.microsoft.com/office/drawing/2014/main" id="{FB89358F-1937-4641-A6DB-EB24E11245D9}"/>
+                <a16:creationId xmlns:a16="http://schemas.microsoft.com/office/drawing/2014/main" id="{9DCDDCC8-BE17-40D4-85BC-B333475FC82E}"/>
               </a:ext>
             </a:extLst>
           </p:cNvPr>
@@ -3796,14 +5101,432 @@
             <p:ph type="title"/>
           </p:nvPr>
         </p:nvSpPr>
+        <p:spPr>
+          <a:xfrm>
+            <a:off x="457200" y="429235"/>
+            <a:ext cx="3932237" cy="1600200"/>
+          </a:xfrm>
+        </p:spPr>
+        <p:txBody>
+          <a:bodyPr>
+            <a:normAutofit/>
+          </a:bodyPr>
+          <a:lstStyle/>
+          <a:p>
+            <a:r>
+              <a:rPr lang="en-US" sz="2800" dirty="0"/>
+              <a:t>Blood Sample Images </a:t>
+            </a:r>
+          </a:p>
+        </p:txBody>
+      </p:sp>
+      <p:pic>
+        <p:nvPicPr>
+          <p:cNvPr id="6" name="Content Placeholder 5">
+            <a:extLst>
+              <a:ext uri="{FF2B5EF4-FFF2-40B4-BE49-F238E27FC236}">
+                <a16:creationId xmlns:a16="http://schemas.microsoft.com/office/drawing/2014/main" id="{BFF7AB0E-01DC-4327-B2E3-03E23D6043DE}"/>
+              </a:ext>
+            </a:extLst>
+          </p:cNvPr>
+          <p:cNvPicPr>
+            <a:picLocks noGrp="1" noChangeAspect="1"/>
+          </p:cNvPicPr>
+          <p:nvPr>
+            <p:ph idx="1"/>
+          </p:nvPr>
+        </p:nvPicPr>
+        <p:blipFill>
+          <a:blip r:embed="rId2">
+            <a:extLst>
+              <a:ext uri="{28A0092B-C50C-407E-A947-70E740481C1C}">
+                <a14:useLocalDpi xmlns:a14="http://schemas.microsoft.com/office/drawing/2010/main" val="0"/>
+              </a:ext>
+            </a:extLst>
+          </a:blip>
+          <a:srcRect/>
+          <a:stretch/>
+        </p:blipFill>
+        <p:spPr>
+          <a:xfrm>
+            <a:off x="4823543" y="1032169"/>
+            <a:ext cx="6446988" cy="4328583"/>
+          </a:xfrm>
+          <a:prstGeom prst="rect">
+            <a:avLst/>
+          </a:prstGeom>
+        </p:spPr>
+      </p:pic>
+      <p:sp>
+        <p:nvSpPr>
+          <p:cNvPr id="4" name="Text Placeholder 3">
+            <a:extLst>
+              <a:ext uri="{FF2B5EF4-FFF2-40B4-BE49-F238E27FC236}">
+                <a16:creationId xmlns:a16="http://schemas.microsoft.com/office/drawing/2014/main" id="{E9AAD977-4639-47D4-821A-1408280DF3E1}"/>
+              </a:ext>
+            </a:extLst>
+          </p:cNvPr>
+          <p:cNvSpPr>
+            <a:spLocks noGrp="1"/>
+          </p:cNvSpPr>
+          <p:nvPr>
+            <p:ph type="body" sz="half" idx="2"/>
+          </p:nvPr>
+        </p:nvSpPr>
+        <p:spPr>
+          <a:xfrm>
+            <a:off x="457200" y="2415515"/>
+            <a:ext cx="3200400" cy="3379124"/>
+          </a:xfrm>
+        </p:spPr>
+        <p:txBody>
+          <a:bodyPr>
+            <a:normAutofit/>
+          </a:bodyPr>
+          <a:lstStyle/>
+          <a:p>
+            <a:r>
+              <a:rPr lang="en-US" dirty="0"/>
+              <a:t>Blood sample images of patients found malaria positive [ Parasitized ] and those are Uninfected</a:t>
+            </a:r>
+          </a:p>
+        </p:txBody>
+      </p:sp>
+    </p:spTree>
+    <p:extLst>
+      <p:ext uri="{BB962C8B-B14F-4D97-AF65-F5344CB8AC3E}">
+        <p14:creationId xmlns:p14="http://schemas.microsoft.com/office/powerpoint/2010/main" val="49510697"/>
+      </p:ext>
+    </p:extLst>
+  </p:cSld>
+  <p:clrMapOvr>
+    <a:masterClrMapping/>
+  </p:clrMapOvr>
+</p:sld>
+</file>
+
+<file path=ppt/slides/slide5.xml><?xml version="1.0" encoding="utf-8"?>
+<p:sld xmlns:a="http://schemas.openxmlformats.org/drawingml/2006/main" xmlns:r="http://schemas.openxmlformats.org/officeDocument/2006/relationships" xmlns:p="http://schemas.openxmlformats.org/presentationml/2006/main">
+  <p:cSld>
+    <p:spTree>
+      <p:nvGrpSpPr>
+        <p:cNvPr id="1" name=""/>
+        <p:cNvGrpSpPr/>
+        <p:nvPr/>
+      </p:nvGrpSpPr>
+      <p:grpSpPr>
+        <a:xfrm>
+          <a:off x="0" y="0"/>
+          <a:ext cx="0" cy="0"/>
+          <a:chOff x="0" y="0"/>
+          <a:chExt cx="0" cy="0"/>
+        </a:xfrm>
+      </p:grpSpPr>
+      <p:sp>
+        <p:nvSpPr>
+          <p:cNvPr id="2" name="Title 1">
+            <a:extLst>
+              <a:ext uri="{FF2B5EF4-FFF2-40B4-BE49-F238E27FC236}">
+                <a16:creationId xmlns:a16="http://schemas.microsoft.com/office/drawing/2014/main" id="{A303388F-3C2E-467F-BF5E-7038F6F1FE7A}"/>
+              </a:ext>
+            </a:extLst>
+          </p:cNvPr>
+          <p:cNvSpPr>
+            <a:spLocks noGrp="1"/>
+          </p:cNvSpPr>
+          <p:nvPr>
+            <p:ph type="title"/>
+          </p:nvPr>
+        </p:nvSpPr>
         <p:spPr/>
         <p:txBody>
           <a:bodyPr/>
           <a:lstStyle/>
           <a:p>
             <a:r>
-              <a:rPr lang="en-IN" dirty="0"/>
-              <a:t>Git hub Notebook Links </a:t>
+              <a:rPr lang="en-IN" b="1" i="0" dirty="0">
+                <a:solidFill>
+                  <a:srgbClr val="292929"/>
+                </a:solidFill>
+                <a:effectLst/>
+                <a:latin typeface="sohne"/>
+              </a:rPr>
+              <a:t>How Deep Learning and CNN works</a:t>
+            </a:r>
+            <a:br>
+              <a:rPr lang="en-IN" b="1" i="0" dirty="0">
+                <a:solidFill>
+                  <a:srgbClr val="292929"/>
+                </a:solidFill>
+                <a:effectLst/>
+                <a:latin typeface="sohne"/>
+              </a:rPr>
+            </a:br>
+            <a:endParaRPr lang="en-IN" dirty="0"/>
+          </a:p>
+        </p:txBody>
+      </p:sp>
+      <p:pic>
+        <p:nvPicPr>
+          <p:cNvPr id="6" name="Content Placeholder 5">
+            <a:extLst>
+              <a:ext uri="{FF2B5EF4-FFF2-40B4-BE49-F238E27FC236}">
+                <a16:creationId xmlns:a16="http://schemas.microsoft.com/office/drawing/2014/main" id="{0ED5664C-154C-4BC1-9AF9-B77B5E4C72C3}"/>
+              </a:ext>
+            </a:extLst>
+          </p:cNvPr>
+          <p:cNvPicPr>
+            <a:picLocks noGrp="1" noChangeAspect="1"/>
+          </p:cNvPicPr>
+          <p:nvPr>
+            <p:ph idx="1"/>
+          </p:nvPr>
+        </p:nvPicPr>
+        <p:blipFill>
+          <a:blip r:embed="rId2">
+            <a:extLst>
+              <a:ext uri="{28A0092B-C50C-407E-A947-70E740481C1C}">
+                <a14:useLocalDpi xmlns:a14="http://schemas.microsoft.com/office/drawing/2010/main" val="0"/>
+              </a:ext>
+            </a:extLst>
+          </a:blip>
+          <a:srcRect/>
+          <a:stretch/>
+        </p:blipFill>
+        <p:spPr>
+          <a:xfrm>
+            <a:off x="4800600" y="1381760"/>
+            <a:ext cx="6492874" cy="3086013"/>
+          </a:xfrm>
+        </p:spPr>
+      </p:pic>
+      <p:sp>
+        <p:nvSpPr>
+          <p:cNvPr id="4" name="Text Placeholder 3">
+            <a:extLst>
+              <a:ext uri="{FF2B5EF4-FFF2-40B4-BE49-F238E27FC236}">
+                <a16:creationId xmlns:a16="http://schemas.microsoft.com/office/drawing/2014/main" id="{B193A8B4-91E1-4E0C-B7A1-083DCEE918DD}"/>
+              </a:ext>
+            </a:extLst>
+          </p:cNvPr>
+          <p:cNvSpPr>
+            <a:spLocks noGrp="1"/>
+          </p:cNvSpPr>
+          <p:nvPr>
+            <p:ph type="body" sz="half" idx="2"/>
+          </p:nvPr>
+        </p:nvSpPr>
+        <p:spPr/>
+        <p:txBody>
+          <a:bodyPr>
+            <a:normAutofit fontScale="92500" lnSpcReduction="20000"/>
+          </a:bodyPr>
+          <a:lstStyle/>
+          <a:p>
+            <a:endParaRPr lang="en-IN" dirty="0"/>
+          </a:p>
+          <a:p>
+            <a:r>
+              <a:rPr lang="en-IN" b="1" i="0" dirty="0">
+                <a:solidFill>
+                  <a:srgbClr val="292929"/>
+                </a:solidFill>
+                <a:effectLst/>
+                <a:latin typeface="sohne"/>
+              </a:rPr>
+              <a:t>Different Layers in Convolutional </a:t>
+            </a:r>
+          </a:p>
+          <a:p>
+            <a:r>
+              <a:rPr lang="en-IN" b="1" i="0" dirty="0">
+                <a:solidFill>
+                  <a:srgbClr val="292929"/>
+                </a:solidFill>
+                <a:effectLst/>
+                <a:latin typeface="sohne"/>
+              </a:rPr>
+              <a:t>Neural Network.</a:t>
+            </a:r>
+          </a:p>
+          <a:p>
+            <a:endParaRPr lang="en-IN" b="1" dirty="0">
+              <a:solidFill>
+                <a:srgbClr val="292929"/>
+              </a:solidFill>
+              <a:latin typeface="sohne"/>
+            </a:endParaRPr>
+          </a:p>
+          <a:p>
+            <a:pPr algn="l">
+              <a:buFont typeface="Arial" panose="020B0604020202020204" pitchFamily="34" charset="0"/>
+              <a:buChar char="•"/>
+            </a:pPr>
+            <a:r>
+              <a:rPr lang="en-US" b="0" i="0" dirty="0">
+                <a:solidFill>
+                  <a:srgbClr val="292929"/>
+                </a:solidFill>
+                <a:effectLst/>
+                <a:latin typeface="charter"/>
+              </a:rPr>
+              <a:t>Input layer</a:t>
+            </a:r>
+          </a:p>
+          <a:p>
+            <a:pPr algn="l">
+              <a:buFont typeface="Arial" panose="020B0604020202020204" pitchFamily="34" charset="0"/>
+              <a:buChar char="•"/>
+            </a:pPr>
+            <a:r>
+              <a:rPr lang="en-US" b="0" i="0" dirty="0">
+                <a:solidFill>
+                  <a:srgbClr val="292929"/>
+                </a:solidFill>
+                <a:effectLst/>
+                <a:latin typeface="charter"/>
+              </a:rPr>
+              <a:t>Convo layer (Convo + ReLU)</a:t>
+            </a:r>
+          </a:p>
+          <a:p>
+            <a:pPr algn="l">
+              <a:buFont typeface="Arial" panose="020B0604020202020204" pitchFamily="34" charset="0"/>
+              <a:buChar char="•"/>
+            </a:pPr>
+            <a:r>
+              <a:rPr lang="en-US" b="0" i="0" dirty="0">
+                <a:solidFill>
+                  <a:srgbClr val="292929"/>
+                </a:solidFill>
+                <a:effectLst/>
+                <a:latin typeface="charter"/>
+              </a:rPr>
+              <a:t>Pooling layer</a:t>
+            </a:r>
+          </a:p>
+          <a:p>
+            <a:pPr algn="l">
+              <a:buFont typeface="Arial" panose="020B0604020202020204" pitchFamily="34" charset="0"/>
+              <a:buChar char="•"/>
+            </a:pPr>
+            <a:r>
+              <a:rPr lang="en-US" b="0" i="0" dirty="0">
+                <a:solidFill>
+                  <a:srgbClr val="292929"/>
+                </a:solidFill>
+                <a:effectLst/>
+                <a:latin typeface="charter"/>
+              </a:rPr>
+              <a:t>Fully connected(FC) layer</a:t>
+            </a:r>
+          </a:p>
+          <a:p>
+            <a:pPr algn="l">
+              <a:buFont typeface="Arial" panose="020B0604020202020204" pitchFamily="34" charset="0"/>
+              <a:buChar char="•"/>
+            </a:pPr>
+            <a:r>
+              <a:rPr lang="en-US" b="0" i="0" dirty="0">
+                <a:solidFill>
+                  <a:srgbClr val="292929"/>
+                </a:solidFill>
+                <a:effectLst/>
+                <a:latin typeface="charter"/>
+              </a:rPr>
+              <a:t>Softmax/logistic layer</a:t>
+            </a:r>
+          </a:p>
+          <a:p>
+            <a:pPr algn="l">
+              <a:buFont typeface="Arial" panose="020B0604020202020204" pitchFamily="34" charset="0"/>
+              <a:buChar char="•"/>
+            </a:pPr>
+            <a:r>
+              <a:rPr lang="en-US" b="0" i="0" dirty="0">
+                <a:solidFill>
+                  <a:srgbClr val="292929"/>
+                </a:solidFill>
+                <a:effectLst/>
+                <a:latin typeface="charter"/>
+              </a:rPr>
+              <a:t>Output layer</a:t>
+            </a:r>
+          </a:p>
+          <a:p>
+            <a:endParaRPr lang="en-IN" b="1" dirty="0">
+              <a:solidFill>
+                <a:srgbClr val="292929"/>
+              </a:solidFill>
+              <a:latin typeface="sohne"/>
+            </a:endParaRPr>
+          </a:p>
+          <a:p>
+            <a:endParaRPr lang="en-IN" dirty="0"/>
+          </a:p>
+        </p:txBody>
+      </p:sp>
+    </p:spTree>
+    <p:extLst>
+      <p:ext uri="{BB962C8B-B14F-4D97-AF65-F5344CB8AC3E}">
+        <p14:creationId xmlns:p14="http://schemas.microsoft.com/office/powerpoint/2010/main" val="2321191334"/>
+      </p:ext>
+    </p:extLst>
+  </p:cSld>
+  <p:clrMapOvr>
+    <a:masterClrMapping/>
+  </p:clrMapOvr>
+</p:sld>
+</file>
+
+<file path=ppt/slides/slide6.xml><?xml version="1.0" encoding="utf-8"?>
+<p:sld xmlns:a="http://schemas.openxmlformats.org/drawingml/2006/main" xmlns:r="http://schemas.openxmlformats.org/officeDocument/2006/relationships" xmlns:p="http://schemas.openxmlformats.org/presentationml/2006/main">
+  <p:cSld>
+    <p:spTree>
+      <p:nvGrpSpPr>
+        <p:cNvPr id="1" name=""/>
+        <p:cNvGrpSpPr/>
+        <p:nvPr/>
+      </p:nvGrpSpPr>
+      <p:grpSpPr>
+        <a:xfrm>
+          <a:off x="0" y="0"/>
+          <a:ext cx="0" cy="0"/>
+          <a:chOff x="0" y="0"/>
+          <a:chExt cx="0" cy="0"/>
+        </a:xfrm>
+      </p:grpSpPr>
+      <p:sp>
+        <p:nvSpPr>
+          <p:cNvPr id="2" name="Title 1">
+            <a:extLst>
+              <a:ext uri="{FF2B5EF4-FFF2-40B4-BE49-F238E27FC236}">
+                <a16:creationId xmlns:a16="http://schemas.microsoft.com/office/drawing/2014/main" id="{AAB93AF7-EEE3-4547-A009-59ADDA083492}"/>
+              </a:ext>
+            </a:extLst>
+          </p:cNvPr>
+          <p:cNvSpPr>
+            <a:spLocks noGrp="1"/>
+          </p:cNvSpPr>
+          <p:nvPr>
+            <p:ph type="title"/>
+          </p:nvPr>
+        </p:nvSpPr>
+        <p:spPr>
+          <a:xfrm>
+            <a:off x="457200" y="594359"/>
+            <a:ext cx="3200400" cy="1176568"/>
+          </a:xfrm>
+        </p:spPr>
+        <p:txBody>
+          <a:bodyPr>
+            <a:normAutofit/>
+          </a:bodyPr>
+          <a:lstStyle/>
+          <a:p>
+            <a:r>
+              <a:rPr lang="en-IN" sz="2400" b="1" dirty="0"/>
+              <a:t>Approach and  Solution 	</a:t>
             </a:r>
           </a:p>
         </p:txBody>
@@ -3813,7 +5536,7 @@
           <p:cNvPr id="3" name="Content Placeholder 2">
             <a:extLst>
               <a:ext uri="{FF2B5EF4-FFF2-40B4-BE49-F238E27FC236}">
-                <a16:creationId xmlns:a16="http://schemas.microsoft.com/office/drawing/2014/main" id="{B4B46D61-FD01-4762-820B-482667A768F4}"/>
+                <a16:creationId xmlns:a16="http://schemas.microsoft.com/office/drawing/2014/main" id="{F780DC99-1C25-4A96-A7B3-A785D3CA0CA7}"/>
               </a:ext>
             </a:extLst>
           </p:cNvPr>
@@ -3826,41 +5549,689 @@
         </p:nvSpPr>
         <p:spPr/>
         <p:txBody>
-          <a:bodyPr/>
-          <a:lstStyle/>
-          <a:p>
-            <a:r>
-              <a:rPr lang="en-IN" dirty="0">
-                <a:hlinkClick r:id="rId2"/>
+          <a:bodyPr>
+            <a:normAutofit/>
+          </a:bodyPr>
+          <a:lstStyle/>
+          <a:p>
+            <a:endParaRPr lang="en-US" dirty="0"/>
+          </a:p>
+          <a:p>
+            <a:r>
+              <a:rPr lang="en-US" b="1" dirty="0"/>
+              <a:t>1. Data Exploration and Analysis </a:t>
+            </a:r>
+          </a:p>
+          <a:p>
+            <a:r>
+              <a:rPr lang="en-US" b="1" dirty="0"/>
+              <a:t>2. Preprocessing of the data. </a:t>
+            </a:r>
+          </a:p>
+          <a:p>
+            <a:r>
+              <a:rPr lang="en-US" b="1" dirty="0"/>
+              <a:t>3. Defining the Model.</a:t>
+            </a:r>
+          </a:p>
+          <a:p>
+            <a:r>
+              <a:rPr lang="en-US" b="1" dirty="0"/>
+              <a:t>4. Build the Model </a:t>
+            </a:r>
+          </a:p>
+          <a:p>
+            <a:r>
+              <a:rPr lang="en-US" b="1" dirty="0"/>
+              <a:t>5. Train the Model </a:t>
+            </a:r>
+          </a:p>
+          <a:p>
+            <a:r>
+              <a:rPr lang="en-US" b="1" dirty="0"/>
+              <a:t>6. Fit the model </a:t>
+            </a:r>
+          </a:p>
+          <a:p>
+            <a:r>
+              <a:rPr lang="en-US" b="1" dirty="0"/>
+              <a:t>7. Predict the test data and Calculate the Score , Accuracy          </a:t>
+            </a:r>
+          </a:p>
+          <a:p>
+            <a:endParaRPr lang="en-IN" b="1" dirty="0"/>
+          </a:p>
+          <a:p>
+            <a:endParaRPr lang="en-IN" dirty="0"/>
+          </a:p>
+        </p:txBody>
+      </p:sp>
+      <p:sp>
+        <p:nvSpPr>
+          <p:cNvPr id="4" name="Text Placeholder 3">
+            <a:extLst>
+              <a:ext uri="{FF2B5EF4-FFF2-40B4-BE49-F238E27FC236}">
+                <a16:creationId xmlns:a16="http://schemas.microsoft.com/office/drawing/2014/main" id="{452F92D5-417E-4B70-A23D-67323473F7D3}"/>
+              </a:ext>
+            </a:extLst>
+          </p:cNvPr>
+          <p:cNvSpPr>
+            <a:spLocks noGrp="1"/>
+          </p:cNvSpPr>
+          <p:nvPr>
+            <p:ph type="body" sz="half" idx="2"/>
+          </p:nvPr>
+        </p:nvSpPr>
+        <p:spPr>
+          <a:xfrm>
+            <a:off x="457200" y="2127427"/>
+            <a:ext cx="3200400" cy="3379124"/>
+          </a:xfrm>
+        </p:spPr>
+        <p:txBody>
+          <a:bodyPr>
+            <a:normAutofit/>
+          </a:bodyPr>
+          <a:lstStyle/>
+          <a:p>
+            <a:endParaRPr lang="en-US" b="1" dirty="0"/>
+          </a:p>
+          <a:p>
+            <a:r>
+              <a:rPr lang="en-US" b="1" dirty="0"/>
+              <a:t>Step taken to solve the problems </a:t>
+            </a:r>
+            <a:r>
+              <a:rPr lang="en-US" b="1" dirty="0">
+                <a:sym typeface="Wingdings" panose="05000000000000000000" pitchFamily="2" charset="2"/>
               </a:rPr>
-              <a:t>https://github.com/SANDIP79190219/Deep-Learning/blob/main/Maleria_Deep_Learning_Grayscale.ipynb</a:t>
-            </a:r>
-            <a:endParaRPr lang="en-IN" dirty="0"/>
-          </a:p>
-          <a:p>
-            <a:endParaRPr lang="en-IN" dirty="0"/>
-          </a:p>
-          <a:p>
-            <a:r>
-              <a:rPr lang="en-IN" dirty="0">
-                <a:hlinkClick r:id="rId3"/>
-              </a:rPr>
-              <a:t>https://github.com/SANDIP79190219/Deep-Learning/blob/main/Deep_Learning_Maleria.ipynb</a:t>
-            </a:r>
-            <a:endParaRPr lang="en-IN" dirty="0"/>
-          </a:p>
-          <a:p>
-            <a:endParaRPr lang="en-IN" dirty="0"/>
-          </a:p>
-          <a:p>
-            <a:endParaRPr lang="en-IN" dirty="0"/>
+              <a:t></a:t>
+            </a:r>
+            <a:endParaRPr lang="en-US" b="1" dirty="0"/>
           </a:p>
         </p:txBody>
       </p:sp>
     </p:spTree>
     <p:extLst>
       <p:ext uri="{BB962C8B-B14F-4D97-AF65-F5344CB8AC3E}">
-        <p14:creationId xmlns:p14="http://schemas.microsoft.com/office/powerpoint/2010/main" val="2418450330"/>
+        <p14:creationId xmlns:p14="http://schemas.microsoft.com/office/powerpoint/2010/main" val="2220479130"/>
+      </p:ext>
+    </p:extLst>
+  </p:cSld>
+  <p:clrMapOvr>
+    <a:masterClrMapping/>
+  </p:clrMapOvr>
+</p:sld>
+</file>
+
+<file path=ppt/slides/slide7.xml><?xml version="1.0" encoding="utf-8"?>
+<p:sld xmlns:a="http://schemas.openxmlformats.org/drawingml/2006/main" xmlns:r="http://schemas.openxmlformats.org/officeDocument/2006/relationships" xmlns:p="http://schemas.openxmlformats.org/presentationml/2006/main">
+  <p:cSld>
+    <p:spTree>
+      <p:nvGrpSpPr>
+        <p:cNvPr id="1" name=""/>
+        <p:cNvGrpSpPr/>
+        <p:nvPr/>
+      </p:nvGrpSpPr>
+      <p:grpSpPr>
+        <a:xfrm>
+          <a:off x="0" y="0"/>
+          <a:ext cx="0" cy="0"/>
+          <a:chOff x="0" y="0"/>
+          <a:chExt cx="0" cy="0"/>
+        </a:xfrm>
+      </p:grpSpPr>
+      <p:sp>
+        <p:nvSpPr>
+          <p:cNvPr id="2" name="Title 1">
+            <a:extLst>
+              <a:ext uri="{FF2B5EF4-FFF2-40B4-BE49-F238E27FC236}">
+                <a16:creationId xmlns:a16="http://schemas.microsoft.com/office/drawing/2014/main" id="{DE08B8B8-6E1D-4EB8-A3F1-204FFD266CC2}"/>
+              </a:ext>
+            </a:extLst>
+          </p:cNvPr>
+          <p:cNvSpPr>
+            <a:spLocks noGrp="1"/>
+          </p:cNvSpPr>
+          <p:nvPr>
+            <p:ph type="title"/>
+          </p:nvPr>
+        </p:nvSpPr>
+        <p:spPr/>
+        <p:txBody>
+          <a:bodyPr>
+            <a:normAutofit/>
+          </a:bodyPr>
+          <a:lstStyle/>
+          <a:p>
+            <a:r>
+              <a:rPr lang="en-US" sz="3200" b="1" dirty="0"/>
+              <a:t>Data Exploration and Analysis</a:t>
+            </a:r>
+            <a:endParaRPr lang="en-US" sz="3200" dirty="0"/>
+          </a:p>
+        </p:txBody>
+      </p:sp>
+      <p:sp>
+        <p:nvSpPr>
+          <p:cNvPr id="3" name="Content Placeholder 2">
+            <a:extLst>
+              <a:ext uri="{FF2B5EF4-FFF2-40B4-BE49-F238E27FC236}">
+                <a16:creationId xmlns:a16="http://schemas.microsoft.com/office/drawing/2014/main" id="{4098AE2A-1355-493B-9E8F-57439CD26EA0}"/>
+              </a:ext>
+            </a:extLst>
+          </p:cNvPr>
+          <p:cNvSpPr>
+            <a:spLocks noGrp="1"/>
+          </p:cNvSpPr>
+          <p:nvPr>
+            <p:ph idx="1"/>
+          </p:nvPr>
+        </p:nvSpPr>
+        <p:spPr/>
+        <p:txBody>
+          <a:bodyPr>
+            <a:normAutofit fontScale="77500" lnSpcReduction="20000"/>
+          </a:bodyPr>
+          <a:lstStyle/>
+          <a:p>
+            <a:r>
+              <a:rPr lang="en-US" b="1" i="0" dirty="0">
+                <a:solidFill>
+                  <a:schemeClr val="tx1"/>
+                </a:solidFill>
+                <a:effectLst/>
+                <a:latin typeface="Roboto"/>
+              </a:rPr>
+              <a:t>Data quality and common problems</a:t>
+            </a:r>
+          </a:p>
+          <a:p>
+            <a:r>
+              <a:rPr lang="en-US" b="0" i="0" dirty="0">
+                <a:solidFill>
+                  <a:schemeClr val="tx1"/>
+                </a:solidFill>
+                <a:effectLst/>
+                <a:latin typeface="Roboto"/>
+              </a:rPr>
+              <a:t>Common </a:t>
+            </a:r>
+            <a:r>
+              <a:rPr lang="en-US" b="1" i="0" dirty="0">
+                <a:solidFill>
+                  <a:schemeClr val="tx1"/>
+                </a:solidFill>
+                <a:effectLst/>
+                <a:latin typeface="Roboto"/>
+              </a:rPr>
+              <a:t>data problems when training</a:t>
+            </a:r>
+            <a:r>
+              <a:rPr lang="en-US" b="0" i="0" dirty="0">
+                <a:solidFill>
+                  <a:schemeClr val="tx1"/>
+                </a:solidFill>
+                <a:effectLst/>
+                <a:latin typeface="Roboto"/>
+              </a:rPr>
+              <a:t> Object Detection models include:</a:t>
+            </a:r>
+          </a:p>
+          <a:p>
+            <a:pPr lvl="1"/>
+            <a:r>
+              <a:rPr lang="en-US" b="0" i="0" dirty="0">
+                <a:solidFill>
+                  <a:schemeClr val="tx1"/>
+                </a:solidFill>
+                <a:effectLst/>
+                <a:latin typeface="Roboto"/>
+              </a:rPr>
+              <a:t>Image dimensions and aspect ratios</a:t>
+            </a:r>
+          </a:p>
+          <a:p>
+            <a:pPr lvl="1"/>
+            <a:r>
+              <a:rPr lang="en-US" b="0" i="0" dirty="0">
+                <a:solidFill>
+                  <a:schemeClr val="tx1"/>
+                </a:solidFill>
+                <a:effectLst/>
+                <a:latin typeface="Roboto"/>
+              </a:rPr>
+              <a:t>Labels composition – imbalances, bounding box sizes, aspect ratios </a:t>
+            </a:r>
+          </a:p>
+          <a:p>
+            <a:pPr lvl="1"/>
+            <a:r>
+              <a:rPr lang="en-US" b="0" i="0" dirty="0">
+                <a:solidFill>
+                  <a:schemeClr val="tx1"/>
+                </a:solidFill>
+                <a:effectLst/>
+                <a:latin typeface="Roboto"/>
+              </a:rPr>
+              <a:t>Data preparation not suitable for your dataset.</a:t>
+            </a:r>
+            <a:endParaRPr lang="en-US" dirty="0"/>
+          </a:p>
+          <a:p>
+            <a:pPr marL="0" indent="0">
+              <a:buNone/>
+            </a:pPr>
+            <a:r>
+              <a:rPr lang="en-US" dirty="0">
+                <a:solidFill>
+                  <a:schemeClr val="tx1"/>
+                </a:solidFill>
+              </a:rPr>
+              <a:t>  This step includes exploring the images dataset and checks by raising questions like , </a:t>
+            </a:r>
+          </a:p>
+          <a:p>
+            <a:r>
+              <a:rPr lang="en-US" dirty="0">
+                <a:solidFill>
+                  <a:schemeClr val="tx1"/>
+                </a:solidFill>
+              </a:rPr>
+              <a:t> Q. Is the dataset balanced for the each class? </a:t>
+            </a:r>
+          </a:p>
+          <a:p>
+            <a:pPr lvl="2"/>
+            <a:r>
+              <a:rPr lang="en-US" dirty="0">
+                <a:solidFill>
+                  <a:schemeClr val="tx1"/>
+                </a:solidFill>
+              </a:rPr>
+              <a:t>Dataset contains two classes - </a:t>
+            </a:r>
+          </a:p>
+          <a:p>
+            <a:pPr lvl="2"/>
+            <a:r>
+              <a:rPr lang="en-US" dirty="0">
+                <a:solidFill>
+                  <a:schemeClr val="tx1"/>
+                </a:solidFill>
+              </a:rPr>
+              <a:t>Number of Parasitized Images are  = 13780</a:t>
+            </a:r>
+          </a:p>
+          <a:p>
+            <a:pPr lvl="2"/>
+            <a:r>
+              <a:rPr lang="en-US" dirty="0">
+                <a:solidFill>
+                  <a:schemeClr val="tx1"/>
+                </a:solidFill>
+              </a:rPr>
+              <a:t>Number of Uninfected Images are = 13780</a:t>
+            </a:r>
+          </a:p>
+          <a:p>
+            <a:pPr marL="0" indent="0">
+              <a:buNone/>
+            </a:pPr>
+            <a:r>
+              <a:rPr lang="en-US" dirty="0">
+                <a:solidFill>
+                  <a:schemeClr val="tx1"/>
+                </a:solidFill>
+              </a:rPr>
+              <a:t>   Q. Do we need more data to predict the problem?</a:t>
+            </a:r>
+          </a:p>
+          <a:p>
+            <a:pPr marL="0" indent="0">
+              <a:buNone/>
+            </a:pPr>
+            <a:r>
+              <a:rPr lang="en-US" dirty="0">
+                <a:solidFill>
+                  <a:schemeClr val="tx1"/>
+                </a:solidFill>
+              </a:rPr>
+              <a:t>   Q. What is the size of the image in each class?</a:t>
+            </a:r>
+          </a:p>
+          <a:p>
+            <a:pPr lvl="2"/>
+            <a:r>
+              <a:rPr lang="en-US" dirty="0">
+                <a:solidFill>
+                  <a:schemeClr val="tx1"/>
+                </a:solidFill>
+              </a:rPr>
+              <a:t>Hight	</a:t>
+            </a:r>
+          </a:p>
+          <a:p>
+            <a:pPr lvl="2"/>
+            <a:r>
+              <a:rPr lang="en-US" dirty="0">
+                <a:solidFill>
+                  <a:schemeClr val="tx1"/>
+                </a:solidFill>
+              </a:rPr>
+              <a:t>Width</a:t>
+            </a:r>
+          </a:p>
+          <a:p>
+            <a:pPr lvl="2"/>
+            <a:r>
+              <a:rPr lang="en-US" dirty="0">
+                <a:solidFill>
+                  <a:schemeClr val="tx1"/>
+                </a:solidFill>
+              </a:rPr>
+              <a:t>Channels</a:t>
+            </a:r>
+          </a:p>
+          <a:p>
+            <a:endParaRPr lang="en-US" dirty="0"/>
+          </a:p>
+          <a:p>
+            <a:endParaRPr lang="en-US" dirty="0"/>
+          </a:p>
+        </p:txBody>
+      </p:sp>
+    </p:spTree>
+    <p:extLst>
+      <p:ext uri="{BB962C8B-B14F-4D97-AF65-F5344CB8AC3E}">
+        <p14:creationId xmlns:p14="http://schemas.microsoft.com/office/powerpoint/2010/main" val="3192158641"/>
+      </p:ext>
+    </p:extLst>
+  </p:cSld>
+  <p:clrMapOvr>
+    <a:masterClrMapping/>
+  </p:clrMapOvr>
+</p:sld>
+</file>
+
+<file path=ppt/slides/slide8.xml><?xml version="1.0" encoding="utf-8"?>
+<p:sld xmlns:a="http://schemas.openxmlformats.org/drawingml/2006/main" xmlns:r="http://schemas.openxmlformats.org/officeDocument/2006/relationships" xmlns:p="http://schemas.openxmlformats.org/presentationml/2006/main">
+  <p:cSld>
+    <p:spTree>
+      <p:nvGrpSpPr>
+        <p:cNvPr id="1" name=""/>
+        <p:cNvGrpSpPr/>
+        <p:nvPr/>
+      </p:nvGrpSpPr>
+      <p:grpSpPr>
+        <a:xfrm>
+          <a:off x="0" y="0"/>
+          <a:ext cx="0" cy="0"/>
+          <a:chOff x="0" y="0"/>
+          <a:chExt cx="0" cy="0"/>
+        </a:xfrm>
+      </p:grpSpPr>
+      <p:sp>
+        <p:nvSpPr>
+          <p:cNvPr id="2" name="Title 1">
+            <a:extLst>
+              <a:ext uri="{FF2B5EF4-FFF2-40B4-BE49-F238E27FC236}">
+                <a16:creationId xmlns:a16="http://schemas.microsoft.com/office/drawing/2014/main" id="{DE08B8B8-6E1D-4EB8-A3F1-204FFD266CC2}"/>
+              </a:ext>
+            </a:extLst>
+          </p:cNvPr>
+          <p:cNvSpPr>
+            <a:spLocks noGrp="1"/>
+          </p:cNvSpPr>
+          <p:nvPr>
+            <p:ph type="title"/>
+          </p:nvPr>
+        </p:nvSpPr>
+        <p:spPr/>
+        <p:txBody>
+          <a:bodyPr>
+            <a:normAutofit/>
+          </a:bodyPr>
+          <a:lstStyle/>
+          <a:p>
+            <a:r>
+              <a:rPr lang="en-US" sz="3200" b="1" dirty="0"/>
+              <a:t>Preprocessing of the data</a:t>
+            </a:r>
+            <a:endParaRPr lang="en-US" sz="3200" dirty="0"/>
+          </a:p>
+        </p:txBody>
+      </p:sp>
+      <p:sp>
+        <p:nvSpPr>
+          <p:cNvPr id="3" name="Content Placeholder 2">
+            <a:extLst>
+              <a:ext uri="{FF2B5EF4-FFF2-40B4-BE49-F238E27FC236}">
+                <a16:creationId xmlns:a16="http://schemas.microsoft.com/office/drawing/2014/main" id="{4098AE2A-1355-493B-9E8F-57439CD26EA0}"/>
+              </a:ext>
+            </a:extLst>
+          </p:cNvPr>
+          <p:cNvSpPr>
+            <a:spLocks noGrp="1"/>
+          </p:cNvSpPr>
+          <p:nvPr>
+            <p:ph idx="1"/>
+          </p:nvPr>
+        </p:nvSpPr>
+        <p:spPr/>
+        <p:txBody>
+          <a:bodyPr>
+            <a:normAutofit/>
+          </a:bodyPr>
+          <a:lstStyle/>
+          <a:p>
+            <a:endParaRPr lang="en-US" dirty="0">
+              <a:solidFill>
+                <a:srgbClr val="222222"/>
+              </a:solidFill>
+              <a:latin typeface="Verdana" panose="020B0604030504040204" pitchFamily="34" charset="0"/>
+            </a:endParaRPr>
+          </a:p>
+          <a:p>
+            <a:r>
+              <a:rPr lang="en-US" dirty="0">
+                <a:solidFill>
+                  <a:srgbClr val="222222"/>
+                </a:solidFill>
+                <a:latin typeface="Verdana" panose="020B0604030504040204" pitchFamily="34" charset="0"/>
+              </a:rPr>
+              <a:t>To Feed the data to CNN network , Preprocessing is necessary.</a:t>
+            </a:r>
+          </a:p>
+          <a:p>
+            <a:r>
+              <a:rPr lang="en-US" dirty="0">
+                <a:solidFill>
+                  <a:srgbClr val="222222"/>
+                </a:solidFill>
+                <a:latin typeface="Verdana" panose="020B0604030504040204" pitchFamily="34" charset="0"/>
+              </a:rPr>
+              <a:t>[ Scaling , Normalization ]</a:t>
+            </a:r>
+          </a:p>
+          <a:p>
+            <a:endParaRPr lang="en-US" dirty="0">
+              <a:solidFill>
+                <a:srgbClr val="222222"/>
+              </a:solidFill>
+              <a:latin typeface="Verdana" panose="020B0604030504040204" pitchFamily="34" charset="0"/>
+            </a:endParaRPr>
+          </a:p>
+          <a:p>
+            <a:r>
+              <a:rPr lang="en-US" dirty="0">
+                <a:solidFill>
+                  <a:srgbClr val="222222"/>
+                </a:solidFill>
+                <a:latin typeface="Verdana" panose="020B0604030504040204" pitchFamily="34" charset="0"/>
+              </a:rPr>
+              <a:t>I</a:t>
+            </a:r>
+            <a:r>
+              <a:rPr lang="en-US" b="0" i="0" dirty="0">
+                <a:solidFill>
+                  <a:srgbClr val="222222"/>
+                </a:solidFill>
+                <a:effectLst/>
+                <a:latin typeface="Verdana" panose="020B0604030504040204" pitchFamily="34" charset="0"/>
+              </a:rPr>
+              <a:t>mages are normally 2 dimensional with 1 or 3 color channels.</a:t>
+            </a:r>
+          </a:p>
+          <a:p>
+            <a:r>
+              <a:rPr lang="en-US" dirty="0"/>
+              <a:t>Preprocessing of images involve conversion of images into gray scale image. It will help to speed up the training process at least 3 times faster than 3 channel image.</a:t>
+            </a:r>
+          </a:p>
+          <a:p>
+            <a:r>
+              <a:rPr lang="en-US" dirty="0"/>
+              <a:t>[2 dimensional image with 1 channel is called Gray Scale]</a:t>
+            </a:r>
+          </a:p>
+          <a:p>
+            <a:r>
+              <a:rPr lang="en-US" dirty="0"/>
+              <a:t>Preprocessing also contain splitting the data into train and test set.</a:t>
+            </a:r>
+          </a:p>
+          <a:p>
+            <a:endParaRPr lang="en-US" dirty="0"/>
+          </a:p>
+          <a:p>
+            <a:endParaRPr lang="en-US" dirty="0"/>
+          </a:p>
+          <a:p>
+            <a:endParaRPr lang="en-US" dirty="0"/>
+          </a:p>
+          <a:p>
+            <a:endParaRPr lang="en-US" dirty="0"/>
+          </a:p>
+          <a:p>
+            <a:endParaRPr lang="en-US" dirty="0"/>
+          </a:p>
+        </p:txBody>
+      </p:sp>
+    </p:spTree>
+    <p:extLst>
+      <p:ext uri="{BB962C8B-B14F-4D97-AF65-F5344CB8AC3E}">
+        <p14:creationId xmlns:p14="http://schemas.microsoft.com/office/powerpoint/2010/main" val="1107697791"/>
+      </p:ext>
+    </p:extLst>
+  </p:cSld>
+  <p:clrMapOvr>
+    <a:masterClrMapping/>
+  </p:clrMapOvr>
+</p:sld>
+</file>
+
+<file path=ppt/slides/slide9.xml><?xml version="1.0" encoding="utf-8"?>
+<p:sld xmlns:a="http://schemas.openxmlformats.org/drawingml/2006/main" xmlns:r="http://schemas.openxmlformats.org/officeDocument/2006/relationships" xmlns:p="http://schemas.openxmlformats.org/presentationml/2006/main">
+  <p:cSld>
+    <p:spTree>
+      <p:nvGrpSpPr>
+        <p:cNvPr id="1" name=""/>
+        <p:cNvGrpSpPr/>
+        <p:nvPr/>
+      </p:nvGrpSpPr>
+      <p:grpSpPr>
+        <a:xfrm>
+          <a:off x="0" y="0"/>
+          <a:ext cx="0" cy="0"/>
+          <a:chOff x="0" y="0"/>
+          <a:chExt cx="0" cy="0"/>
+        </a:xfrm>
+      </p:grpSpPr>
+      <p:sp>
+        <p:nvSpPr>
+          <p:cNvPr id="2" name="Title 1">
+            <a:extLst>
+              <a:ext uri="{FF2B5EF4-FFF2-40B4-BE49-F238E27FC236}">
+                <a16:creationId xmlns:a16="http://schemas.microsoft.com/office/drawing/2014/main" id="{AEC7717B-5917-47CE-A648-ADE1E6B318F2}"/>
+              </a:ext>
+            </a:extLst>
+          </p:cNvPr>
+          <p:cNvSpPr>
+            <a:spLocks noGrp="1"/>
+          </p:cNvSpPr>
+          <p:nvPr>
+            <p:ph type="title"/>
+          </p:nvPr>
+        </p:nvSpPr>
+        <p:spPr/>
+        <p:txBody>
+          <a:bodyPr/>
+          <a:lstStyle/>
+          <a:p>
+            <a:r>
+              <a:rPr lang="en-IN" dirty="0"/>
+              <a:t>Build Train and Fit Model</a:t>
+            </a:r>
+          </a:p>
+        </p:txBody>
+      </p:sp>
+      <p:sp>
+        <p:nvSpPr>
+          <p:cNvPr id="3" name="Content Placeholder 2">
+            <a:extLst>
+              <a:ext uri="{FF2B5EF4-FFF2-40B4-BE49-F238E27FC236}">
+                <a16:creationId xmlns:a16="http://schemas.microsoft.com/office/drawing/2014/main" id="{33B5E152-48EC-4319-8E4A-B8AA0A73C1A8}"/>
+              </a:ext>
+            </a:extLst>
+          </p:cNvPr>
+          <p:cNvSpPr>
+            <a:spLocks noGrp="1"/>
+          </p:cNvSpPr>
+          <p:nvPr>
+            <p:ph idx="1"/>
+          </p:nvPr>
+        </p:nvSpPr>
+        <p:spPr/>
+        <p:txBody>
+          <a:bodyPr/>
+          <a:lstStyle/>
+          <a:p>
+            <a:endParaRPr lang="en-IN" dirty="0"/>
+          </a:p>
+          <a:p>
+            <a:r>
+              <a:rPr lang="en-IN" dirty="0"/>
+              <a:t>Define the model that will take input as pre-processed data [ input layers ]</a:t>
+            </a:r>
+          </a:p>
+          <a:p>
+            <a:r>
+              <a:rPr lang="en-IN" dirty="0"/>
+              <a:t>Add Convu Layers Pooling Layers &amp; Fully connected Layers into the model.</a:t>
+            </a:r>
+          </a:p>
+          <a:p>
+            <a:r>
+              <a:rPr lang="en-IN" dirty="0"/>
+              <a:t>Solve classification problem by adding Softmax Layers and generate output .</a:t>
+            </a:r>
+          </a:p>
+          <a:p>
+            <a:endParaRPr lang="en-IN" dirty="0"/>
+          </a:p>
+          <a:p>
+            <a:r>
+              <a:rPr lang="en-IN" dirty="0"/>
+              <a:t>Use Train data to train and Fit model.</a:t>
+            </a:r>
+          </a:p>
+        </p:txBody>
+      </p:sp>
+    </p:spTree>
+    <p:extLst>
+      <p:ext uri="{BB962C8B-B14F-4D97-AF65-F5344CB8AC3E}">
+        <p14:creationId xmlns:p14="http://schemas.microsoft.com/office/powerpoint/2010/main" val="2369557715"/>
       </p:ext>
     </p:extLst>
   </p:cSld>
@@ -3871,54 +6242,54 @@
 </file>
 
 <file path=ppt/theme/theme1.xml><?xml version="1.0" encoding="utf-8"?>
-<a:theme xmlns:a="http://schemas.openxmlformats.org/drawingml/2006/main" name="Office Theme">
+<a:theme xmlns:a="http://schemas.openxmlformats.org/drawingml/2006/main" name="Retrospect">
   <a:themeElements>
-    <a:clrScheme name="Office">
+    <a:clrScheme name="Retrospect">
       <a:dk1>
-        <a:sysClr val="windowText" lastClr="000000"/>
+        <a:srgbClr val="000000"/>
       </a:dk1>
       <a:lt1>
         <a:sysClr val="window" lastClr="FFFFFF"/>
       </a:lt1>
       <a:dk2>
-        <a:srgbClr val="44546A"/>
+        <a:srgbClr val="637052"/>
       </a:dk2>
       <a:lt2>
-        <a:srgbClr val="E7E6E6"/>
+        <a:srgbClr val="CCDDEA"/>
       </a:lt2>
       <a:accent1>
-        <a:srgbClr val="4472C4"/>
+        <a:srgbClr val="E48312"/>
       </a:accent1>
       <a:accent2>
-        <a:srgbClr val="ED7D31"/>
+        <a:srgbClr val="BD582C"/>
       </a:accent2>
       <a:accent3>
-        <a:srgbClr val="A5A5A5"/>
+        <a:srgbClr val="865640"/>
       </a:accent3>
       <a:accent4>
-        <a:srgbClr val="FFC000"/>
+        <a:srgbClr val="9B8357"/>
       </a:accent4>
       <a:accent5>
-        <a:srgbClr val="5B9BD5"/>
+        <a:srgbClr val="C2BC80"/>
       </a:accent5>
       <a:accent6>
-        <a:srgbClr val="70AD47"/>
+        <a:srgbClr val="94A088"/>
       </a:accent6>
       <a:hlink>
-        <a:srgbClr val="0563C1"/>
+        <a:srgbClr val="2998E3"/>
       </a:hlink>
       <a:folHlink>
-        <a:srgbClr val="954F72"/>
+        <a:srgbClr val="8C8C8C"/>
       </a:folHlink>
     </a:clrScheme>
-    <a:fontScheme name="Office">
+    <a:fontScheme name="Retrospect">
       <a:majorFont>
         <a:latin typeface="Calibri Light" panose="020F0302020204030204"/>
         <a:ea typeface=""/>
         <a:cs typeface=""/>
-        <a:font script="Jpan" typeface="游ゴシック Light"/>
+        <a:font script="Jpan" typeface="ＭＳ Ｐゴシック"/>
         <a:font script="Hang" typeface="맑은 고딕"/>
-        <a:font script="Hans" typeface="等线 Light"/>
+        <a:font script="Hans" typeface="宋体"/>
         <a:font script="Hant" typeface="新細明體"/>
         <a:font script="Arab" typeface="Times New Roman"/>
         <a:font script="Hebr" typeface="Times New Roman"/>
@@ -3946,31 +6317,14 @@
         <a:font script="Viet" typeface="Times New Roman"/>
         <a:font script="Uigh" typeface="Microsoft Uighur"/>
         <a:font script="Geor" typeface="Sylfaen"/>
-        <a:font script="Armn" typeface="Arial"/>
-        <a:font script="Bugi" typeface="Leelawadee UI"/>
-        <a:font script="Bopo" typeface="Microsoft JhengHei"/>
-        <a:font script="Java" typeface="Javanese Text"/>
-        <a:font script="Lisu" typeface="Segoe UI"/>
-        <a:font script="Mymr" typeface="Myanmar Text"/>
-        <a:font script="Nkoo" typeface="Ebrima"/>
-        <a:font script="Olck" typeface="Nirmala UI"/>
-        <a:font script="Osma" typeface="Ebrima"/>
-        <a:font script="Phag" typeface="Phagspa"/>
-        <a:font script="Syrn" typeface="Estrangelo Edessa"/>
-        <a:font script="Syrj" typeface="Estrangelo Edessa"/>
-        <a:font script="Syre" typeface="Estrangelo Edessa"/>
-        <a:font script="Sora" typeface="Nirmala UI"/>
-        <a:font script="Tale" typeface="Microsoft Tai Le"/>
-        <a:font script="Talu" typeface="Microsoft New Tai Lue"/>
-        <a:font script="Tfng" typeface="Ebrima"/>
       </a:majorFont>
       <a:minorFont>
         <a:latin typeface="Calibri" panose="020F0502020204030204"/>
         <a:ea typeface=""/>
         <a:cs typeface=""/>
-        <a:font script="Jpan" typeface="游ゴシック"/>
+        <a:font script="Jpan" typeface="ＭＳ Ｐゴシック"/>
         <a:font script="Hang" typeface="맑은 고딕"/>
-        <a:font script="Hans" typeface="等线"/>
+        <a:font script="Hans" typeface="宋体"/>
         <a:font script="Hant" typeface="新細明體"/>
         <a:font script="Arab" typeface="Arial"/>
         <a:font script="Hebr" typeface="Arial"/>
@@ -3998,26 +6352,9 @@
         <a:font script="Viet" typeface="Arial"/>
         <a:font script="Uigh" typeface="Microsoft Uighur"/>
         <a:font script="Geor" typeface="Sylfaen"/>
-        <a:font script="Armn" typeface="Arial"/>
-        <a:font script="Bugi" typeface="Leelawadee UI"/>
-        <a:font script="Bopo" typeface="Microsoft JhengHei"/>
-        <a:font script="Java" typeface="Javanese Text"/>
-        <a:font script="Lisu" typeface="Segoe UI"/>
-        <a:font script="Mymr" typeface="Myanmar Text"/>
-        <a:font script="Nkoo" typeface="Ebrima"/>
-        <a:font script="Olck" typeface="Nirmala UI"/>
-        <a:font script="Osma" typeface="Ebrima"/>
-        <a:font script="Phag" typeface="Phagspa"/>
-        <a:font script="Syrn" typeface="Estrangelo Edessa"/>
-        <a:font script="Syrj" typeface="Estrangelo Edessa"/>
-        <a:font script="Syre" typeface="Estrangelo Edessa"/>
-        <a:font script="Sora" typeface="Nirmala UI"/>
-        <a:font script="Tale" typeface="Microsoft Tai Le"/>
-        <a:font script="Talu" typeface="Microsoft New Tai Lue"/>
-        <a:font script="Tfng" typeface="Ebrima"/>
       </a:minorFont>
     </a:fontScheme>
-    <a:fmtScheme name="Office">
+    <a:fmtScheme name="Retrospect">
       <a:fillStyleLst>
         <a:solidFill>
           <a:schemeClr val="phClr"/>
@@ -4026,76 +6363,81 @@
           <a:gsLst>
             <a:gs pos="0">
               <a:schemeClr val="phClr">
-                <a:lumMod val="110000"/>
-                <a:satMod val="105000"/>
-                <a:tint val="67000"/>
+                <a:tint val="65000"/>
+                <a:shade val="92000"/>
+                <a:satMod val="130000"/>
               </a:schemeClr>
             </a:gs>
-            <a:gs pos="50000">
+            <a:gs pos="45000">
               <a:schemeClr val="phClr">
-                <a:lumMod val="105000"/>
-                <a:satMod val="103000"/>
-                <a:tint val="73000"/>
+                <a:tint val="60000"/>
+                <a:shade val="99000"/>
+                <a:satMod val="120000"/>
               </a:schemeClr>
             </a:gs>
             <a:gs pos="100000">
               <a:schemeClr val="phClr">
-                <a:lumMod val="105000"/>
-                <a:satMod val="109000"/>
-                <a:tint val="81000"/>
+                <a:tint val="55000"/>
+                <a:satMod val="140000"/>
               </a:schemeClr>
             </a:gs>
           </a:gsLst>
-          <a:lin ang="5400000" scaled="0"/>
+          <a:path path="circle">
+            <a:fillToRect l="100000" t="100000" r="100000" b="100000"/>
+          </a:path>
         </a:gradFill>
         <a:gradFill rotWithShape="1">
           <a:gsLst>
             <a:gs pos="0">
               <a:schemeClr val="phClr">
-                <a:satMod val="103000"/>
-                <a:lumMod val="102000"/>
-                <a:tint val="94000"/>
+                <a:shade val="85000"/>
+                <a:satMod val="130000"/>
               </a:schemeClr>
             </a:gs>
-            <a:gs pos="50000">
+            <a:gs pos="34000">
               <a:schemeClr val="phClr">
-                <a:satMod val="110000"/>
-                <a:lumMod val="100000"/>
-                <a:shade val="100000"/>
+                <a:shade val="87000"/>
+                <a:satMod val="125000"/>
+              </a:schemeClr>
+            </a:gs>
+            <a:gs pos="70000">
+              <a:schemeClr val="phClr">
+                <a:tint val="100000"/>
+                <a:shade val="90000"/>
+                <a:satMod val="130000"/>
               </a:schemeClr>
             </a:gs>
             <a:gs pos="100000">
               <a:schemeClr val="phClr">
-                <a:lumMod val="99000"/>
-                <a:satMod val="120000"/>
-                <a:shade val="78000"/>
+                <a:tint val="100000"/>
+                <a:shade val="100000"/>
+                <a:satMod val="110000"/>
               </a:schemeClr>
             </a:gs>
           </a:gsLst>
-          <a:lin ang="5400000" scaled="0"/>
+          <a:path path="circle">
+            <a:fillToRect l="100000" t="100000" r="100000" b="100000"/>
+          </a:path>
         </a:gradFill>
       </a:fillStyleLst>
       <a:lnStyleLst>
-        <a:ln w="6350" cap="flat" cmpd="sng" algn="ctr">
-          <a:solidFill>
-            <a:schemeClr val="phClr"/>
-          </a:solidFill>
-          <a:prstDash val="solid"/>
-          <a:miter lim="800000"/>
-        </a:ln>
         <a:ln w="12700" cap="flat" cmpd="sng" algn="ctr">
           <a:solidFill>
             <a:schemeClr val="phClr"/>
           </a:solidFill>
           <a:prstDash val="solid"/>
-          <a:miter lim="800000"/>
         </a:ln>
-        <a:ln w="19050" cap="flat" cmpd="sng" algn="ctr">
+        <a:ln w="15875" cap="flat" cmpd="sng" algn="ctr">
           <a:solidFill>
             <a:schemeClr val="phClr"/>
           </a:solidFill>
           <a:prstDash val="solid"/>
-          <a:miter lim="800000"/>
+        </a:ln>
+        <a:ln w="25400" cap="flat" cmpd="sng" algn="ctr">
+          <a:solidFill>
+            <a:schemeClr val="phClr"/>
+          </a:solidFill>
+          <a:prstDash val="solid"/>
         </a:ln>
       </a:lnStyleLst>
       <a:effectStyleLst>
@@ -4103,16 +6445,33 @@
           <a:effectLst/>
         </a:effectStyle>
         <a:effectStyle>
-          <a:effectLst/>
+          <a:effectLst>
+            <a:outerShdw blurRad="38100" dist="25400" dir="2700000" algn="br" rotWithShape="0">
+              <a:srgbClr val="000000">
+                <a:alpha val="60000"/>
+              </a:srgbClr>
+            </a:outerShdw>
+          </a:effectLst>
         </a:effectStyle>
         <a:effectStyle>
           <a:effectLst>
-            <a:outerShdw blurRad="57150" dist="19050" dir="5400000" algn="ctr" rotWithShape="0">
+            <a:outerShdw blurRad="44450" dist="25400" dir="2700000" algn="br" rotWithShape="0">
               <a:srgbClr val="000000">
-                <a:alpha val="63000"/>
+                <a:alpha val="60000"/>
               </a:srgbClr>
             </a:outerShdw>
           </a:effectLst>
+          <a:scene3d>
+            <a:camera prst="orthographicFront">
+              <a:rot lat="0" lon="0" rev="0"/>
+            </a:camera>
+            <a:lightRig rig="threePt" dir="t">
+              <a:rot lat="0" lon="0" rev="19800000"/>
+            </a:lightRig>
+          </a:scene3d>
+          <a:sp3d prstMaterial="flat">
+            <a:bevelT w="25400" h="31750"/>
+          </a:sp3d>
         </a:effectStyle>
       </a:effectStyleLst>
       <a:bgFillStyleLst>
@@ -4121,36 +6480,36 @@
         </a:solidFill>
         <a:solidFill>
           <a:schemeClr val="phClr">
-            <a:tint val="95000"/>
-            <a:satMod val="170000"/>
+            <a:tint val="90000"/>
+            <a:shade val="97000"/>
+            <a:satMod val="130000"/>
           </a:schemeClr>
         </a:solidFill>
         <a:gradFill rotWithShape="1">
           <a:gsLst>
             <a:gs pos="0">
               <a:schemeClr val="phClr">
-                <a:tint val="93000"/>
-                <a:satMod val="150000"/>
-                <a:shade val="98000"/>
-                <a:lumMod val="102000"/>
+                <a:tint val="96000"/>
+                <a:shade val="99000"/>
+                <a:satMod val="140000"/>
               </a:schemeClr>
             </a:gs>
-            <a:gs pos="50000">
+            <a:gs pos="65000">
               <a:schemeClr val="phClr">
-                <a:tint val="98000"/>
+                <a:tint val="100000"/>
+                <a:shade val="80000"/>
                 <a:satMod val="130000"/>
-                <a:shade val="90000"/>
-                <a:lumMod val="103000"/>
               </a:schemeClr>
             </a:gs>
             <a:gs pos="100000">
               <a:schemeClr val="phClr">
-                <a:shade val="63000"/>
+                <a:tint val="100000"/>
+                <a:shade val="48000"/>
                 <a:satMod val="120000"/>
               </a:schemeClr>
             </a:gs>
           </a:gsLst>
-          <a:lin ang="5400000" scaled="0"/>
+          <a:lin ang="16200000" scaled="0"/>
         </a:gradFill>
       </a:bgFillStyleLst>
     </a:fmtScheme>
@@ -4159,7 +6518,7 @@
   <a:extraClrSchemeLst/>
   <a:extLst>
     <a:ext uri="{05A4C25C-085E-4340-85A3-A5531E510DB2}">
-      <thm15:themeFamily xmlns:thm15="http://schemas.microsoft.com/office/thememl/2012/main" name="Office Theme" id="{62F939B6-93AF-4DB8-9C6B-D6C7DFDC589F}" vid="{4A3C46E8-61CC-4603-A589-7422A47A8E4A}"/>
+      <thm15:themeFamily xmlns:thm15="http://schemas.microsoft.com/office/thememl/2012/main" name="Retrospect" id="{5F128B03-DCCA-4EEB-AB3B-CF2899314A46}" vid="{3F1AAB62-24C6-49D2-8E01-B56FAC9A3DCD}"/>
     </a:ext>
   </a:extLst>
 </a:theme>

--- a/Capstone Project 2.pptx
+++ b/Capstone Project 2.pptx
@@ -13,11 +13,21 @@
     <p:sldId id="273" r:id="rId7"/>
     <p:sldId id="275" r:id="rId8"/>
     <p:sldId id="276" r:id="rId9"/>
-    <p:sldId id="278" r:id="rId10"/>
-    <p:sldId id="282" r:id="rId11"/>
-    <p:sldId id="280" r:id="rId12"/>
-    <p:sldId id="281" r:id="rId13"/>
-    <p:sldId id="269" r:id="rId14"/>
+    <p:sldId id="283" r:id="rId10"/>
+    <p:sldId id="284" r:id="rId11"/>
+    <p:sldId id="278" r:id="rId12"/>
+    <p:sldId id="288" r:id="rId13"/>
+    <p:sldId id="289" r:id="rId14"/>
+    <p:sldId id="290" r:id="rId15"/>
+    <p:sldId id="291" r:id="rId16"/>
+    <p:sldId id="292" r:id="rId17"/>
+    <p:sldId id="286" r:id="rId18"/>
+    <p:sldId id="285" r:id="rId19"/>
+    <p:sldId id="287" r:id="rId20"/>
+    <p:sldId id="282" r:id="rId21"/>
+    <p:sldId id="280" r:id="rId22"/>
+    <p:sldId id="281" r:id="rId23"/>
+    <p:sldId id="269" r:id="rId24"/>
   </p:sldIdLst>
   <p:sldSz cx="12192000" cy="6858000"/>
   <p:notesSz cx="6858000" cy="9144000"/>
@@ -124,6 +134,18 @@
 </p:presentation>
 </file>
 
+<file path=ppt/commentAuthors.xml><?xml version="1.0" encoding="utf-8"?>
+<p:cmAuthorLst xmlns:a="http://schemas.openxmlformats.org/drawingml/2006/main" xmlns:r="http://schemas.openxmlformats.org/officeDocument/2006/relationships" xmlns:p="http://schemas.openxmlformats.org/presentationml/2006/main">
+  <p:cmAuthor id="1" name="sandip chaudhari" initials="sc" lastIdx="1" clrIdx="0">
+    <p:extLst>
+      <p:ext uri="{19B8F6BF-5375-455C-9EA6-DF929625EA0E}">
+        <p15:presenceInfo xmlns:p15="http://schemas.microsoft.com/office/powerpoint/2012/main" userId="ba47990531d251fb" providerId="Windows Live"/>
+      </p:ext>
+    </p:extLst>
+  </p:cmAuthor>
+</p:cmAuthorLst>
+</file>
+
 <file path=ppt/slideLayouts/slideLayout1.xml><?xml version="1.0" encoding="utf-8"?>
 <p:sldLayout xmlns:a="http://schemas.openxmlformats.org/drawingml/2006/main" xmlns:r="http://schemas.openxmlformats.org/officeDocument/2006/relationships" xmlns:p="http://schemas.openxmlformats.org/presentationml/2006/main" showMasterSp="0" type="title" preserve="1">
   <p:cSld name="Title Slide">
@@ -350,7 +372,7 @@
           <a:p>
             <a:fld id="{737F1531-2477-4CED-A5BC-E3388EBB2988}" type="datetimeFigureOut">
               <a:rPr lang="en-US" smtClean="0"/>
-              <a:t>1/7/2021</a:t>
+              <a:t>2/8/2021</a:t>
             </a:fld>
             <a:endParaRPr lang="en-US" dirty="0"/>
           </a:p>
@@ -558,7 +580,7 @@
           <a:p>
             <a:fld id="{737F1531-2477-4CED-A5BC-E3388EBB2988}" type="datetimeFigureOut">
               <a:rPr lang="en-US" smtClean="0"/>
-              <a:t>1/7/2021</a:t>
+              <a:t>2/8/2021</a:t>
             </a:fld>
             <a:endParaRPr lang="en-US" dirty="0"/>
           </a:p>
@@ -814,7 +836,7 @@
           <a:p>
             <a:fld id="{737F1531-2477-4CED-A5BC-E3388EBB2988}" type="datetimeFigureOut">
               <a:rPr lang="en-US" smtClean="0"/>
-              <a:t>1/7/2021</a:t>
+              <a:t>2/8/2021</a:t>
             </a:fld>
             <a:endParaRPr lang="en-US" dirty="0"/>
           </a:p>
@@ -988,7 +1010,7 @@
           <a:p>
             <a:fld id="{737F1531-2477-4CED-A5BC-E3388EBB2988}" type="datetimeFigureOut">
               <a:rPr lang="en-US" smtClean="0"/>
-              <a:t>1/7/2021</a:t>
+              <a:t>2/8/2021</a:t>
             </a:fld>
             <a:endParaRPr lang="en-US" dirty="0"/>
           </a:p>
@@ -1331,7 +1353,7 @@
           <a:p>
             <a:fld id="{737F1531-2477-4CED-A5BC-E3388EBB2988}" type="datetimeFigureOut">
               <a:rPr lang="en-US" smtClean="0"/>
-              <a:t>1/7/2021</a:t>
+              <a:t>2/8/2021</a:t>
             </a:fld>
             <a:endParaRPr lang="en-US" dirty="0"/>
           </a:p>
@@ -1606,7 +1628,7 @@
           <a:p>
             <a:fld id="{737F1531-2477-4CED-A5BC-E3388EBB2988}" type="datetimeFigureOut">
               <a:rPr lang="en-US" smtClean="0"/>
-              <a:t>1/7/2021</a:t>
+              <a:t>2/8/2021</a:t>
             </a:fld>
             <a:endParaRPr lang="en-US" dirty="0"/>
           </a:p>
@@ -1985,7 +2007,7 @@
           <a:p>
             <a:fld id="{737F1531-2477-4CED-A5BC-E3388EBB2988}" type="datetimeFigureOut">
               <a:rPr lang="en-US" smtClean="0"/>
-              <a:t>1/7/2021</a:t>
+              <a:t>2/8/2021</a:t>
             </a:fld>
             <a:endParaRPr lang="en-US" dirty="0"/>
           </a:p>
@@ -2103,7 +2125,7 @@
           <a:p>
             <a:fld id="{737F1531-2477-4CED-A5BC-E3388EBB2988}" type="datetimeFigureOut">
               <a:rPr lang="en-US" smtClean="0"/>
-              <a:t>1/7/2021</a:t>
+              <a:t>2/8/2021</a:t>
             </a:fld>
             <a:endParaRPr lang="en-US" dirty="0"/>
           </a:p>
@@ -2274,7 +2296,7 @@
           <a:p>
             <a:fld id="{737F1531-2477-4CED-A5BC-E3388EBB2988}" type="datetimeFigureOut">
               <a:rPr lang="en-US" smtClean="0"/>
-              <a:t>1/7/2021</a:t>
+              <a:t>2/8/2021</a:t>
             </a:fld>
             <a:endParaRPr lang="en-US" dirty="0"/>
           </a:p>
@@ -2628,7 +2650,7 @@
           <a:p>
             <a:fld id="{737F1531-2477-4CED-A5BC-E3388EBB2988}" type="datetimeFigureOut">
               <a:rPr lang="en-US" smtClean="0"/>
-              <a:t>1/7/2021</a:t>
+              <a:t>2/8/2021</a:t>
             </a:fld>
             <a:endParaRPr lang="en-US" dirty="0"/>
           </a:p>
@@ -3010,7 +3032,7 @@
           <a:p>
             <a:fld id="{737F1531-2477-4CED-A5BC-E3388EBB2988}" type="datetimeFigureOut">
               <a:rPr lang="en-US" smtClean="0"/>
-              <a:t>1/7/2021</a:t>
+              <a:t>2/8/2021</a:t>
             </a:fld>
             <a:endParaRPr lang="en-US" dirty="0"/>
           </a:p>
@@ -3297,7 +3319,7 @@
           <a:p>
             <a:fld id="{737F1531-2477-4CED-A5BC-E3388EBB2988}" type="datetimeFigureOut">
               <a:rPr lang="en-US" smtClean="0"/>
-              <a:t>1/7/2021</a:t>
+              <a:t>2/8/2021</a:t>
             </a:fld>
             <a:endParaRPr lang="en-US" dirty="0"/>
           </a:p>
@@ -4083,6 +4105,2274 @@
           <p:cNvPr id="2" name="Title 1">
             <a:extLst>
               <a:ext uri="{FF2B5EF4-FFF2-40B4-BE49-F238E27FC236}">
+                <a16:creationId xmlns:a16="http://schemas.microsoft.com/office/drawing/2014/main" id="{093E08F2-5D4C-4172-AC87-456E78009BEE}"/>
+              </a:ext>
+            </a:extLst>
+          </p:cNvPr>
+          <p:cNvSpPr>
+            <a:spLocks noGrp="1"/>
+          </p:cNvSpPr>
+          <p:nvPr>
+            <p:ph type="title"/>
+          </p:nvPr>
+        </p:nvSpPr>
+        <p:spPr/>
+        <p:txBody>
+          <a:bodyPr/>
+          <a:lstStyle/>
+          <a:p>
+            <a:r>
+              <a:rPr lang="en-US" dirty="0"/>
+              <a:t>Preprocessing – Reduce Size of Images	</a:t>
+            </a:r>
+            <a:endParaRPr lang="en-IN" dirty="0"/>
+          </a:p>
+        </p:txBody>
+      </p:sp>
+      <p:sp>
+        <p:nvSpPr>
+          <p:cNvPr id="3" name="Content Placeholder 2">
+            <a:extLst>
+              <a:ext uri="{FF2B5EF4-FFF2-40B4-BE49-F238E27FC236}">
+                <a16:creationId xmlns:a16="http://schemas.microsoft.com/office/drawing/2014/main" id="{BD961F0D-041B-4115-B6C8-01913E782382}"/>
+              </a:ext>
+            </a:extLst>
+          </p:cNvPr>
+          <p:cNvSpPr>
+            <a:spLocks noGrp="1"/>
+          </p:cNvSpPr>
+          <p:nvPr>
+            <p:ph idx="1"/>
+          </p:nvPr>
+        </p:nvSpPr>
+        <p:spPr/>
+        <p:txBody>
+          <a:bodyPr/>
+          <a:lstStyle/>
+          <a:p>
+            <a:pPr algn="l"/>
+            <a:r>
+              <a:rPr lang="en-US" b="1" i="0" dirty="0">
+                <a:solidFill>
+                  <a:srgbClr val="292929"/>
+                </a:solidFill>
+                <a:effectLst/>
+                <a:latin typeface="Calibri" panose="020F0502020204030204" pitchFamily="34" charset="0"/>
+                <a:cs typeface="Calibri" panose="020F0502020204030204" pitchFamily="34" charset="0"/>
+              </a:rPr>
+              <a:t>Why do we resize images during the pre-processing phase?</a:t>
+            </a:r>
+            <a:endParaRPr lang="en-US" b="0" i="0" dirty="0">
+              <a:solidFill>
+                <a:srgbClr val="292929"/>
+              </a:solidFill>
+              <a:effectLst/>
+              <a:latin typeface="Calibri" panose="020F0502020204030204" pitchFamily="34" charset="0"/>
+              <a:cs typeface="Calibri" panose="020F0502020204030204" pitchFamily="34" charset="0"/>
+            </a:endParaRPr>
+          </a:p>
+          <a:p>
+            <a:pPr algn="l"/>
+            <a:r>
+              <a:rPr lang="en-US" b="0" i="0" dirty="0">
+                <a:solidFill>
+                  <a:srgbClr val="292929"/>
+                </a:solidFill>
+                <a:effectLst/>
+                <a:latin typeface="Calibri" panose="020F0502020204030204" pitchFamily="34" charset="0"/>
+                <a:cs typeface="Calibri" panose="020F0502020204030204" pitchFamily="34" charset="0"/>
+              </a:rPr>
+              <a:t>Some images captured by a camera [ or any source ] and fed to AI algorithm vary in size, therefore, we should establish a base size for all images fed into AI algorithms.</a:t>
+            </a:r>
+          </a:p>
+          <a:p>
+            <a:pPr algn="l"/>
+            <a:r>
+              <a:rPr lang="en-IN" b="1" dirty="0">
+                <a:solidFill>
+                  <a:srgbClr val="212529"/>
+                </a:solidFill>
+                <a:latin typeface="Calibri" panose="020F0502020204030204" pitchFamily="34" charset="0"/>
+                <a:cs typeface="Calibri" panose="020F0502020204030204" pitchFamily="34" charset="0"/>
+              </a:rPr>
+              <a:t>Actual Image Size from the dataset- </a:t>
+            </a:r>
+            <a:endParaRPr lang="en-IN" b="1" i="0" dirty="0">
+              <a:solidFill>
+                <a:srgbClr val="212529"/>
+              </a:solidFill>
+              <a:effectLst/>
+              <a:latin typeface="Calibri" panose="020F0502020204030204" pitchFamily="34" charset="0"/>
+              <a:cs typeface="Calibri" panose="020F0502020204030204" pitchFamily="34" charset="0"/>
+            </a:endParaRPr>
+          </a:p>
+          <a:p>
+            <a:pPr algn="l"/>
+            <a:r>
+              <a:rPr lang="en-IN" b="1" dirty="0">
+                <a:solidFill>
+                  <a:srgbClr val="212529"/>
+                </a:solidFill>
+                <a:latin typeface="Calibri" panose="020F0502020204030204" pitchFamily="34" charset="0"/>
+                <a:cs typeface="Calibri" panose="020F0502020204030204" pitchFamily="34" charset="0"/>
+              </a:rPr>
+              <a:t>IMAGE 1:  (139, 160, 3), </a:t>
+            </a:r>
+          </a:p>
+          <a:p>
+            <a:pPr algn="l"/>
+            <a:r>
+              <a:rPr lang="en-IN" b="1" dirty="0">
+                <a:solidFill>
+                  <a:srgbClr val="212529"/>
+                </a:solidFill>
+                <a:latin typeface="Calibri" panose="020F0502020204030204" pitchFamily="34" charset="0"/>
+                <a:cs typeface="Calibri" panose="020F0502020204030204" pitchFamily="34" charset="0"/>
+              </a:rPr>
+              <a:t>IMAGE 2: (208, 148, 3)</a:t>
+            </a:r>
+          </a:p>
+          <a:p>
+            <a:pPr algn="l"/>
+            <a:r>
+              <a:rPr lang="en-IN" b="1" i="0" dirty="0">
+                <a:solidFill>
+                  <a:srgbClr val="212529"/>
+                </a:solidFill>
+                <a:effectLst/>
+                <a:latin typeface="Calibri" panose="020F0502020204030204" pitchFamily="34" charset="0"/>
+                <a:cs typeface="Calibri" panose="020F0502020204030204" pitchFamily="34" charset="0"/>
+              </a:rPr>
+              <a:t>After pre-processing Gray scale images size - </a:t>
+            </a:r>
+          </a:p>
+          <a:p>
+            <a:r>
+              <a:rPr lang="en-US" b="1" dirty="0">
+                <a:latin typeface="Calibri" panose="020F0502020204030204" pitchFamily="34" charset="0"/>
+                <a:cs typeface="Calibri" panose="020F0502020204030204" pitchFamily="34" charset="0"/>
+              </a:rPr>
+              <a:t>IMAGE DATA : (50, 50, 1)</a:t>
+            </a:r>
+          </a:p>
+        </p:txBody>
+      </p:sp>
+    </p:spTree>
+    <p:extLst>
+      <p:ext uri="{BB962C8B-B14F-4D97-AF65-F5344CB8AC3E}">
+        <p14:creationId xmlns:p14="http://schemas.microsoft.com/office/powerpoint/2010/main" val="1045549972"/>
+      </p:ext>
+    </p:extLst>
+  </p:cSld>
+  <p:clrMapOvr>
+    <a:masterClrMapping/>
+  </p:clrMapOvr>
+</p:sld>
+</file>
+
+<file path=ppt/slides/slide11.xml><?xml version="1.0" encoding="utf-8"?>
+<p:sld xmlns:a="http://schemas.openxmlformats.org/drawingml/2006/main" xmlns:r="http://schemas.openxmlformats.org/officeDocument/2006/relationships" xmlns:p="http://schemas.openxmlformats.org/presentationml/2006/main">
+  <p:cSld>
+    <p:spTree>
+      <p:nvGrpSpPr>
+        <p:cNvPr id="1" name=""/>
+        <p:cNvGrpSpPr/>
+        <p:nvPr/>
+      </p:nvGrpSpPr>
+      <p:grpSpPr>
+        <a:xfrm>
+          <a:off x="0" y="0"/>
+          <a:ext cx="0" cy="0"/>
+          <a:chOff x="0" y="0"/>
+          <a:chExt cx="0" cy="0"/>
+        </a:xfrm>
+      </p:grpSpPr>
+      <p:sp>
+        <p:nvSpPr>
+          <p:cNvPr id="2" name="Title 1">
+            <a:extLst>
+              <a:ext uri="{FF2B5EF4-FFF2-40B4-BE49-F238E27FC236}">
+                <a16:creationId xmlns:a16="http://schemas.microsoft.com/office/drawing/2014/main" id="{AEC7717B-5917-47CE-A648-ADE1E6B318F2}"/>
+              </a:ext>
+            </a:extLst>
+          </p:cNvPr>
+          <p:cNvSpPr>
+            <a:spLocks noGrp="1"/>
+          </p:cNvSpPr>
+          <p:nvPr>
+            <p:ph type="title"/>
+          </p:nvPr>
+        </p:nvSpPr>
+        <p:spPr/>
+        <p:txBody>
+          <a:bodyPr/>
+          <a:lstStyle/>
+          <a:p>
+            <a:r>
+              <a:rPr lang="en-IN" dirty="0"/>
+              <a:t>Build Train and Fit Model</a:t>
+            </a:r>
+          </a:p>
+        </p:txBody>
+      </p:sp>
+      <p:sp>
+        <p:nvSpPr>
+          <p:cNvPr id="3" name="Content Placeholder 2">
+            <a:extLst>
+              <a:ext uri="{FF2B5EF4-FFF2-40B4-BE49-F238E27FC236}">
+                <a16:creationId xmlns:a16="http://schemas.microsoft.com/office/drawing/2014/main" id="{33B5E152-48EC-4319-8E4A-B8AA0A73C1A8}"/>
+              </a:ext>
+            </a:extLst>
+          </p:cNvPr>
+          <p:cNvSpPr>
+            <a:spLocks noGrp="1"/>
+          </p:cNvSpPr>
+          <p:nvPr>
+            <p:ph idx="1"/>
+          </p:nvPr>
+        </p:nvSpPr>
+        <p:spPr/>
+        <p:txBody>
+          <a:bodyPr/>
+          <a:lstStyle/>
+          <a:p>
+            <a:r>
+              <a:rPr lang="en-IN" sz="4000" dirty="0"/>
+              <a:t>Build the Model - </a:t>
+            </a:r>
+          </a:p>
+          <a:p>
+            <a:r>
+              <a:rPr lang="en-IN" dirty="0"/>
+              <a:t>Define the model that will take input as pre-processed data [ input layers ]</a:t>
+            </a:r>
+          </a:p>
+          <a:p>
+            <a:r>
+              <a:rPr lang="en-IN" dirty="0"/>
+              <a:t>Need Of Convolutional Layer </a:t>
+            </a:r>
+          </a:p>
+          <a:p>
+            <a:r>
+              <a:rPr lang="en-IN" dirty="0"/>
+              <a:t>Add Convu Layers Pooling Layers &amp; Fully connected Layers into the model.</a:t>
+            </a:r>
+          </a:p>
+          <a:p>
+            <a:r>
+              <a:rPr lang="en-IN" dirty="0"/>
+              <a:t>Solve classification problem by adding Softmax Layers and generate output .</a:t>
+            </a:r>
+          </a:p>
+          <a:p>
+            <a:endParaRPr lang="en-IN" dirty="0"/>
+          </a:p>
+          <a:p>
+            <a:r>
+              <a:rPr lang="en-IN" dirty="0"/>
+              <a:t>Use Train data to train and Fit model.</a:t>
+            </a:r>
+          </a:p>
+        </p:txBody>
+      </p:sp>
+    </p:spTree>
+    <p:extLst>
+      <p:ext uri="{BB962C8B-B14F-4D97-AF65-F5344CB8AC3E}">
+        <p14:creationId xmlns:p14="http://schemas.microsoft.com/office/powerpoint/2010/main" val="2369557715"/>
+      </p:ext>
+    </p:extLst>
+  </p:cSld>
+  <p:clrMapOvr>
+    <a:masterClrMapping/>
+  </p:clrMapOvr>
+</p:sld>
+</file>
+
+<file path=ppt/slides/slide12.xml><?xml version="1.0" encoding="utf-8"?>
+<p:sld xmlns:a="http://schemas.openxmlformats.org/drawingml/2006/main" xmlns:r="http://schemas.openxmlformats.org/officeDocument/2006/relationships" xmlns:p="http://schemas.openxmlformats.org/presentationml/2006/main">
+  <p:cSld>
+    <p:spTree>
+      <p:nvGrpSpPr>
+        <p:cNvPr id="1" name=""/>
+        <p:cNvGrpSpPr/>
+        <p:nvPr/>
+      </p:nvGrpSpPr>
+      <p:grpSpPr>
+        <a:xfrm>
+          <a:off x="0" y="0"/>
+          <a:ext cx="0" cy="0"/>
+          <a:chOff x="0" y="0"/>
+          <a:chExt cx="0" cy="0"/>
+        </a:xfrm>
+      </p:grpSpPr>
+      <p:sp>
+        <p:nvSpPr>
+          <p:cNvPr id="2" name="Title 1">
+            <a:extLst>
+              <a:ext uri="{FF2B5EF4-FFF2-40B4-BE49-F238E27FC236}">
+                <a16:creationId xmlns:a16="http://schemas.microsoft.com/office/drawing/2014/main" id="{5DE1C773-6F26-423F-AE63-F11FC7155133}"/>
+              </a:ext>
+            </a:extLst>
+          </p:cNvPr>
+          <p:cNvSpPr>
+            <a:spLocks noGrp="1"/>
+          </p:cNvSpPr>
+          <p:nvPr>
+            <p:ph type="title"/>
+          </p:nvPr>
+        </p:nvSpPr>
+        <p:spPr/>
+        <p:txBody>
+          <a:bodyPr/>
+          <a:lstStyle/>
+          <a:p>
+            <a:r>
+              <a:rPr lang="en-IN" dirty="0"/>
+              <a:t>CNN Neural Network Architecture</a:t>
+            </a:r>
+          </a:p>
+        </p:txBody>
+      </p:sp>
+      <p:sp>
+        <p:nvSpPr>
+          <p:cNvPr id="3" name="Content Placeholder 2">
+            <a:extLst>
+              <a:ext uri="{FF2B5EF4-FFF2-40B4-BE49-F238E27FC236}">
+                <a16:creationId xmlns:a16="http://schemas.microsoft.com/office/drawing/2014/main" id="{183A877F-8EB9-4616-A8B1-D6A11A5CBA65}"/>
+              </a:ext>
+            </a:extLst>
+          </p:cNvPr>
+          <p:cNvSpPr>
+            <a:spLocks noGrp="1"/>
+          </p:cNvSpPr>
+          <p:nvPr>
+            <p:ph idx="1"/>
+          </p:nvPr>
+        </p:nvSpPr>
+        <p:spPr/>
+        <p:txBody>
+          <a:bodyPr>
+            <a:normAutofit/>
+          </a:bodyPr>
+          <a:lstStyle/>
+          <a:p>
+            <a:pPr marL="201168" lvl="1" indent="0">
+              <a:buNone/>
+            </a:pPr>
+            <a:endParaRPr lang="en-IN" dirty="0"/>
+          </a:p>
+          <a:p>
+            <a:pPr marL="201168" lvl="1" indent="0">
+              <a:buNone/>
+            </a:pPr>
+            <a:r>
+              <a:rPr lang="en-US" dirty="0"/>
+              <a:t>In deep learning, a convolutional neural network (CNN) is a class of deep neural networks, most commonly applied to analyzing visual imagery.</a:t>
+            </a:r>
+          </a:p>
+          <a:p>
+            <a:pPr marL="201168" lvl="1" indent="0">
+              <a:buNone/>
+            </a:pPr>
+            <a:endParaRPr lang="en-US" dirty="0"/>
+          </a:p>
+          <a:p>
+            <a:pPr marL="201168" lvl="1" indent="0">
+              <a:buNone/>
+            </a:pPr>
+            <a:r>
+              <a:rPr lang="en-US" dirty="0"/>
+              <a:t>In a CNN, the input is a tensor with shape (number of images) x (image height) x (image width) x (input channels). </a:t>
+            </a:r>
+          </a:p>
+          <a:p>
+            <a:pPr marL="201168" lvl="1" indent="0">
+              <a:buNone/>
+            </a:pPr>
+            <a:r>
+              <a:rPr lang="en-US" dirty="0"/>
+              <a:t>After passing through a convolutional layer, the image becomes abstracted to a feature map, with shape (number of images) x (feature map height) x (feature map width) x (feature map channels). </a:t>
+            </a:r>
+          </a:p>
+          <a:p>
+            <a:pPr marL="201168" lvl="1" indent="0">
+              <a:buNone/>
+            </a:pPr>
+            <a:r>
+              <a:rPr lang="en-US" dirty="0"/>
+              <a:t>e.g. </a:t>
+            </a:r>
+            <a:r>
+              <a:rPr lang="en-IN" dirty="0"/>
+              <a:t>inputShape = (19290 </a:t>
+            </a:r>
+            <a:r>
+              <a:rPr lang="en-US" dirty="0"/>
+              <a:t>x </a:t>
+            </a:r>
+            <a:r>
+              <a:rPr lang="en-IN" dirty="0"/>
+              <a:t>50 </a:t>
+            </a:r>
+            <a:r>
+              <a:rPr lang="en-US" dirty="0"/>
+              <a:t>x </a:t>
+            </a:r>
+            <a:r>
+              <a:rPr lang="en-IN" dirty="0"/>
+              <a:t>50</a:t>
+            </a:r>
+            <a:r>
+              <a:rPr lang="en-US" dirty="0"/>
+              <a:t> x</a:t>
+            </a:r>
+            <a:r>
+              <a:rPr lang="en-IN" dirty="0"/>
+              <a:t> 1)</a:t>
+            </a:r>
+          </a:p>
+          <a:p>
+            <a:pPr marL="201168" lvl="1" indent="0">
+              <a:buNone/>
+            </a:pPr>
+            <a:endParaRPr lang="en-IN" dirty="0"/>
+          </a:p>
+          <a:p>
+            <a:pPr marL="201168" lvl="1" indent="0">
+              <a:buNone/>
+            </a:pPr>
+            <a:r>
+              <a:rPr lang="en-IN" dirty="0"/>
+              <a:t> model.add(Conv2D(32, (3,3), activation = '</a:t>
+            </a:r>
+            <a:r>
+              <a:rPr lang="en-IN" dirty="0" err="1"/>
+              <a:t>relu</a:t>
+            </a:r>
+            <a:r>
+              <a:rPr lang="en-IN" dirty="0"/>
+              <a:t>', input_shape = inputShape))</a:t>
+            </a:r>
+          </a:p>
+          <a:p>
+            <a:r>
+              <a:rPr lang="en-IN" dirty="0"/>
+              <a:t>   </a:t>
+            </a:r>
+          </a:p>
+        </p:txBody>
+      </p:sp>
+    </p:spTree>
+    <p:extLst>
+      <p:ext uri="{BB962C8B-B14F-4D97-AF65-F5344CB8AC3E}">
+        <p14:creationId xmlns:p14="http://schemas.microsoft.com/office/powerpoint/2010/main" val="2452254826"/>
+      </p:ext>
+    </p:extLst>
+  </p:cSld>
+  <p:clrMapOvr>
+    <a:masterClrMapping/>
+  </p:clrMapOvr>
+</p:sld>
+</file>
+
+<file path=ppt/slides/slide13.xml><?xml version="1.0" encoding="utf-8"?>
+<p:sld xmlns:a="http://schemas.openxmlformats.org/drawingml/2006/main" xmlns:r="http://schemas.openxmlformats.org/officeDocument/2006/relationships" xmlns:p="http://schemas.openxmlformats.org/presentationml/2006/main">
+  <p:cSld>
+    <p:spTree>
+      <p:nvGrpSpPr>
+        <p:cNvPr id="1" name=""/>
+        <p:cNvGrpSpPr/>
+        <p:nvPr/>
+      </p:nvGrpSpPr>
+      <p:grpSpPr>
+        <a:xfrm>
+          <a:off x="0" y="0"/>
+          <a:ext cx="0" cy="0"/>
+          <a:chOff x="0" y="0"/>
+          <a:chExt cx="0" cy="0"/>
+        </a:xfrm>
+      </p:grpSpPr>
+      <p:sp>
+        <p:nvSpPr>
+          <p:cNvPr id="2" name="Title 1">
+            <a:extLst>
+              <a:ext uri="{FF2B5EF4-FFF2-40B4-BE49-F238E27FC236}">
+                <a16:creationId xmlns:a16="http://schemas.microsoft.com/office/drawing/2014/main" id="{42E74DD8-6B45-4E09-A4E3-F39566C5853A}"/>
+              </a:ext>
+            </a:extLst>
+          </p:cNvPr>
+          <p:cNvSpPr>
+            <a:spLocks noGrp="1"/>
+          </p:cNvSpPr>
+          <p:nvPr>
+            <p:ph type="title"/>
+          </p:nvPr>
+        </p:nvSpPr>
+        <p:spPr/>
+        <p:txBody>
+          <a:bodyPr/>
+          <a:lstStyle/>
+          <a:p>
+            <a:r>
+              <a:rPr lang="en-IN" dirty="0"/>
+              <a:t>CNN Neural Network Architecture</a:t>
+            </a:r>
+          </a:p>
+        </p:txBody>
+      </p:sp>
+      <p:sp>
+        <p:nvSpPr>
+          <p:cNvPr id="3" name="Content Placeholder 2">
+            <a:extLst>
+              <a:ext uri="{FF2B5EF4-FFF2-40B4-BE49-F238E27FC236}">
+                <a16:creationId xmlns:a16="http://schemas.microsoft.com/office/drawing/2014/main" id="{6D7B79B2-14DC-4216-8AE3-A537DAFD6095}"/>
+              </a:ext>
+            </a:extLst>
+          </p:cNvPr>
+          <p:cNvSpPr>
+            <a:spLocks noGrp="1"/>
+          </p:cNvSpPr>
+          <p:nvPr>
+            <p:ph idx="1"/>
+          </p:nvPr>
+        </p:nvSpPr>
+        <p:spPr/>
+        <p:txBody>
+          <a:bodyPr>
+            <a:normAutofit/>
+          </a:bodyPr>
+          <a:lstStyle/>
+          <a:p>
+            <a:pPr marL="201168" lvl="1" indent="0">
+              <a:buNone/>
+            </a:pPr>
+            <a:r>
+              <a:rPr lang="en-IN" dirty="0">
+                <a:latin typeface="Calibri (Body)"/>
+              </a:rPr>
+              <a:t>   Repeating the above Process with different </a:t>
+            </a:r>
+            <a:r>
+              <a:rPr lang="en-US" b="0" i="0" dirty="0">
+                <a:solidFill>
+                  <a:srgbClr val="212529"/>
+                </a:solidFill>
+                <a:effectLst/>
+                <a:latin typeface="Calibri (Body)"/>
+              </a:rPr>
+              <a:t>Filters</a:t>
+            </a:r>
+            <a:r>
+              <a:rPr lang="en-US" b="1" dirty="0">
+                <a:solidFill>
+                  <a:srgbClr val="212529"/>
+                </a:solidFill>
+                <a:latin typeface="Calibri (Body)"/>
+              </a:rPr>
+              <a:t> </a:t>
+            </a:r>
+            <a:r>
+              <a:rPr lang="en-US" b="0" i="0" dirty="0">
+                <a:solidFill>
+                  <a:srgbClr val="212529"/>
+                </a:solidFill>
+                <a:effectLst/>
+                <a:latin typeface="Calibri (Body)"/>
+              </a:rPr>
+              <a:t>, i.e. </a:t>
+            </a:r>
+          </a:p>
+          <a:p>
+            <a:pPr marL="201168" lvl="1" indent="0">
+              <a:buNone/>
+            </a:pPr>
+            <a:r>
+              <a:rPr lang="en-US" dirty="0">
+                <a:solidFill>
+                  <a:srgbClr val="212529"/>
+                </a:solidFill>
+                <a:latin typeface="Calibri (Body)"/>
+              </a:rPr>
+              <a:t>   </a:t>
+            </a:r>
+            <a:r>
+              <a:rPr lang="en-US" b="0" i="0" dirty="0">
+                <a:solidFill>
+                  <a:srgbClr val="212529"/>
+                </a:solidFill>
+                <a:effectLst/>
+                <a:latin typeface="Calibri (Body)"/>
+              </a:rPr>
+              <a:t>the dimensionality of the output space (i.e. the number of output filters in the convolution). </a:t>
+            </a:r>
+            <a:r>
+              <a:rPr lang="en-IN" dirty="0">
+                <a:latin typeface="Calibri (Body)"/>
+              </a:rPr>
+              <a:t>16 and 8</a:t>
+            </a:r>
+          </a:p>
+          <a:p>
+            <a:pPr marL="201168" lvl="1" indent="0">
+              <a:buNone/>
+            </a:pPr>
+            <a:r>
+              <a:rPr lang="en-IN" dirty="0">
+                <a:latin typeface="Calibri (Body)"/>
+              </a:rPr>
+              <a:t> </a:t>
+            </a:r>
+          </a:p>
+          <a:p>
+            <a:pPr marL="201168" lvl="1" indent="0">
+              <a:buNone/>
+            </a:pPr>
+            <a:r>
+              <a:rPr lang="en-IN" dirty="0">
+                <a:latin typeface="Calibri (Body)"/>
+              </a:rPr>
+              <a:t>   </a:t>
+            </a:r>
+            <a:r>
+              <a:rPr lang="en-US" dirty="0"/>
+              <a:t>example in Keras - </a:t>
+            </a:r>
+            <a:r>
+              <a:rPr lang="en-IN" dirty="0">
+                <a:latin typeface="Calibri (Body)"/>
+              </a:rPr>
+              <a:t>model.add(Conv2D(16, (3,3), activation = '</a:t>
+            </a:r>
+            <a:r>
+              <a:rPr lang="en-IN" dirty="0" err="1">
+                <a:latin typeface="Calibri (Body)"/>
+              </a:rPr>
+              <a:t>relu</a:t>
+            </a:r>
+            <a:r>
+              <a:rPr lang="en-IN" dirty="0">
+                <a:latin typeface="Calibri (Body)"/>
+              </a:rPr>
+              <a:t>’))</a:t>
+            </a:r>
+          </a:p>
+          <a:p>
+            <a:pPr marL="201168" lvl="1" indent="0">
+              <a:buNone/>
+            </a:pPr>
+            <a:endParaRPr lang="en-IN" dirty="0">
+              <a:latin typeface="Calibri (Body)"/>
+            </a:endParaRPr>
+          </a:p>
+          <a:p>
+            <a:pPr marL="201168" lvl="1" indent="0">
+              <a:buNone/>
+            </a:pPr>
+            <a:r>
+              <a:rPr lang="en-IN" dirty="0">
+                <a:latin typeface="Calibri (Body)"/>
+              </a:rPr>
+              <a:t>   </a:t>
+            </a:r>
+            <a:r>
+              <a:rPr lang="en-US" dirty="0"/>
+              <a:t>example in Keras - </a:t>
+            </a:r>
+            <a:r>
+              <a:rPr lang="en-IN" dirty="0">
+                <a:latin typeface="Calibri (Body)"/>
+              </a:rPr>
+              <a:t>model.add(Conv2D(8, (3,3), activation = '</a:t>
+            </a:r>
+            <a:r>
+              <a:rPr lang="en-IN" dirty="0" err="1">
+                <a:latin typeface="Calibri (Body)"/>
+              </a:rPr>
+              <a:t>relu</a:t>
+            </a:r>
+            <a:r>
+              <a:rPr lang="en-IN" dirty="0">
+                <a:latin typeface="Calibri (Body)"/>
+              </a:rPr>
+              <a:t>’))</a:t>
+            </a:r>
+          </a:p>
+          <a:p>
+            <a:pPr marL="201168" lvl="1" indent="0">
+              <a:buNone/>
+            </a:pPr>
+            <a:endParaRPr lang="en-IN" dirty="0">
+              <a:latin typeface="Calibri (Body)"/>
+            </a:endParaRPr>
+          </a:p>
+          <a:p>
+            <a:pPr marL="201168" lvl="1" indent="0">
+              <a:buNone/>
+            </a:pPr>
+            <a:r>
+              <a:rPr lang="en-IN" dirty="0">
+                <a:latin typeface="Calibri (Body)"/>
+              </a:rPr>
+              <a:t>    After Every </a:t>
+            </a:r>
+            <a:r>
+              <a:rPr lang="en-US" dirty="0"/>
+              <a:t>convolutional neural network (CNN ) , Add MaxPooling2D Layer [ to reduce the dimension ]</a:t>
+            </a:r>
+          </a:p>
+          <a:p>
+            <a:pPr marL="201168" lvl="1" indent="0">
+              <a:buNone/>
+            </a:pPr>
+            <a:r>
+              <a:rPr lang="en-US" dirty="0"/>
+              <a:t>    </a:t>
+            </a:r>
+          </a:p>
+          <a:p>
+            <a:pPr marL="201168" lvl="1" indent="0">
+              <a:buNone/>
+            </a:pPr>
+            <a:r>
+              <a:rPr lang="en-US" dirty="0"/>
+              <a:t>    example in Keras - model.add(MaxPooling2D(2,2))</a:t>
+            </a:r>
+          </a:p>
+          <a:p>
+            <a:pPr marL="201168" lvl="1" indent="0">
+              <a:buNone/>
+            </a:pPr>
+            <a:endParaRPr lang="en-US" dirty="0">
+              <a:latin typeface="Calibri (Body)"/>
+            </a:endParaRPr>
+          </a:p>
+        </p:txBody>
+      </p:sp>
+    </p:spTree>
+    <p:extLst>
+      <p:ext uri="{BB962C8B-B14F-4D97-AF65-F5344CB8AC3E}">
+        <p14:creationId xmlns:p14="http://schemas.microsoft.com/office/powerpoint/2010/main" val="3314432552"/>
+      </p:ext>
+    </p:extLst>
+  </p:cSld>
+  <p:clrMapOvr>
+    <a:masterClrMapping/>
+  </p:clrMapOvr>
+</p:sld>
+</file>
+
+<file path=ppt/slides/slide14.xml><?xml version="1.0" encoding="utf-8"?>
+<p:sld xmlns:a="http://schemas.openxmlformats.org/drawingml/2006/main" xmlns:r="http://schemas.openxmlformats.org/officeDocument/2006/relationships" xmlns:p="http://schemas.openxmlformats.org/presentationml/2006/main">
+  <p:cSld>
+    <p:spTree>
+      <p:nvGrpSpPr>
+        <p:cNvPr id="1" name=""/>
+        <p:cNvGrpSpPr/>
+        <p:nvPr/>
+      </p:nvGrpSpPr>
+      <p:grpSpPr>
+        <a:xfrm>
+          <a:off x="0" y="0"/>
+          <a:ext cx="0" cy="0"/>
+          <a:chOff x="0" y="0"/>
+          <a:chExt cx="0" cy="0"/>
+        </a:xfrm>
+      </p:grpSpPr>
+      <p:sp>
+        <p:nvSpPr>
+          <p:cNvPr id="2" name="Title 1">
+            <a:extLst>
+              <a:ext uri="{FF2B5EF4-FFF2-40B4-BE49-F238E27FC236}">
+                <a16:creationId xmlns:a16="http://schemas.microsoft.com/office/drawing/2014/main" id="{4BE24512-BD62-4844-8987-B05623A94310}"/>
+              </a:ext>
+            </a:extLst>
+          </p:cNvPr>
+          <p:cNvSpPr>
+            <a:spLocks noGrp="1"/>
+          </p:cNvSpPr>
+          <p:nvPr>
+            <p:ph type="title"/>
+          </p:nvPr>
+        </p:nvSpPr>
+        <p:spPr/>
+        <p:txBody>
+          <a:bodyPr/>
+          <a:lstStyle/>
+          <a:p>
+            <a:r>
+              <a:rPr lang="en-IN" dirty="0"/>
+              <a:t>CNN Neural Network Architecture</a:t>
+            </a:r>
+          </a:p>
+        </p:txBody>
+      </p:sp>
+      <p:sp>
+        <p:nvSpPr>
+          <p:cNvPr id="3" name="Content Placeholder 2">
+            <a:extLst>
+              <a:ext uri="{FF2B5EF4-FFF2-40B4-BE49-F238E27FC236}">
+                <a16:creationId xmlns:a16="http://schemas.microsoft.com/office/drawing/2014/main" id="{88319C8A-0DAC-4006-BD21-05DAF2140B94}"/>
+              </a:ext>
+            </a:extLst>
+          </p:cNvPr>
+          <p:cNvSpPr>
+            <a:spLocks noGrp="1"/>
+          </p:cNvSpPr>
+          <p:nvPr>
+            <p:ph idx="1"/>
+          </p:nvPr>
+        </p:nvSpPr>
+        <p:spPr/>
+        <p:txBody>
+          <a:bodyPr>
+            <a:normAutofit lnSpcReduction="10000"/>
+          </a:bodyPr>
+          <a:lstStyle/>
+          <a:p>
+            <a:r>
+              <a:rPr lang="en-US" b="1" i="0" dirty="0">
+                <a:solidFill>
+                  <a:srgbClr val="5F6368"/>
+                </a:solidFill>
+                <a:effectLst/>
+                <a:latin typeface="Calibri (Body)"/>
+              </a:rPr>
+              <a:t>Batch normalization</a:t>
+            </a:r>
+            <a:r>
+              <a:rPr lang="en-US" b="0" i="0" dirty="0">
+                <a:solidFill>
+                  <a:srgbClr val="4D5156"/>
+                </a:solidFill>
+                <a:effectLst/>
+                <a:latin typeface="Calibri (Body)"/>
+              </a:rPr>
+              <a:t> is a technique for training very deep neural networks that standardizes the inputs to a layer for each mini-batch. This has the effect of stabilizing the learning process and dramatically reducing the number of training epochs required to train deep networks.</a:t>
+            </a:r>
+          </a:p>
+          <a:p>
+            <a:r>
+              <a:rPr lang="en-US" dirty="0">
+                <a:solidFill>
+                  <a:srgbClr val="4D5156"/>
+                </a:solidFill>
+                <a:latin typeface="Calibri (Body)"/>
+              </a:rPr>
+              <a:t>Use </a:t>
+            </a:r>
+            <a:r>
+              <a:rPr lang="en-US" b="1" i="0" dirty="0">
+                <a:solidFill>
+                  <a:srgbClr val="5F6368"/>
+                </a:solidFill>
+                <a:effectLst/>
+                <a:latin typeface="Calibri (Body)"/>
+              </a:rPr>
+              <a:t>Batch normalization</a:t>
+            </a:r>
+            <a:r>
+              <a:rPr lang="en-US" b="0" i="0" dirty="0">
+                <a:solidFill>
+                  <a:srgbClr val="4D5156"/>
+                </a:solidFill>
+                <a:effectLst/>
+                <a:latin typeface="Calibri (Body)"/>
+              </a:rPr>
+              <a:t> after every C</a:t>
+            </a:r>
+            <a:r>
+              <a:rPr lang="en-US" dirty="0">
+                <a:latin typeface="Calibri (Body)"/>
+              </a:rPr>
+              <a:t>onvolutional neural network and MaxPooling Layer, before passing input to next Iteration .</a:t>
+            </a:r>
+          </a:p>
+          <a:p>
+            <a:r>
+              <a:rPr lang="en-US" dirty="0">
+                <a:latin typeface="Calibri (Body)"/>
+              </a:rPr>
+              <a:t>example in Keras - model.add(BatchNormalization(axis = chanDim))</a:t>
+            </a:r>
+          </a:p>
+          <a:p>
+            <a:r>
+              <a:rPr lang="en-US" b="1" i="0" dirty="0">
+                <a:solidFill>
+                  <a:srgbClr val="202124"/>
+                </a:solidFill>
+                <a:effectLst/>
+                <a:latin typeface="Calibri (Body)"/>
+              </a:rPr>
+              <a:t>Flatten &amp; Dense</a:t>
+            </a:r>
+            <a:endParaRPr lang="en-US" dirty="0">
+              <a:latin typeface="Calibri (Body)"/>
+            </a:endParaRPr>
+          </a:p>
+          <a:p>
+            <a:r>
+              <a:rPr lang="en-US" b="1" i="0" dirty="0">
+                <a:solidFill>
+                  <a:srgbClr val="202124"/>
+                </a:solidFill>
+                <a:effectLst/>
+                <a:latin typeface="Calibri (Body)"/>
+              </a:rPr>
+              <a:t>Flatten</a:t>
+            </a:r>
+            <a:r>
+              <a:rPr lang="en-US" b="0" i="0" dirty="0">
+                <a:solidFill>
+                  <a:srgbClr val="202124"/>
+                </a:solidFill>
+                <a:effectLst/>
+                <a:latin typeface="Calibri (Body)"/>
+              </a:rPr>
+              <a:t> is the function that converts the pooled feature map to a single column that is passed to the fully connected </a:t>
+            </a:r>
+            <a:r>
+              <a:rPr lang="en-US" b="1" i="0" dirty="0">
+                <a:solidFill>
+                  <a:srgbClr val="202124"/>
+                </a:solidFill>
+                <a:effectLst/>
+                <a:latin typeface="Calibri (Body)"/>
+              </a:rPr>
+              <a:t>layer</a:t>
+            </a:r>
+            <a:r>
+              <a:rPr lang="en-US" b="0" i="0" dirty="0">
+                <a:solidFill>
+                  <a:srgbClr val="202124"/>
+                </a:solidFill>
+                <a:effectLst/>
+                <a:latin typeface="Calibri (Body)"/>
+              </a:rPr>
+              <a:t>. Dense adds the fully connected </a:t>
+            </a:r>
+            <a:r>
+              <a:rPr lang="en-US" b="1" i="0" dirty="0">
+                <a:solidFill>
+                  <a:srgbClr val="202124"/>
+                </a:solidFill>
+                <a:effectLst/>
+                <a:latin typeface="Calibri (Body)"/>
+              </a:rPr>
+              <a:t>layer</a:t>
+            </a:r>
+            <a:r>
+              <a:rPr lang="en-US" b="0" i="0" dirty="0">
+                <a:solidFill>
+                  <a:srgbClr val="202124"/>
+                </a:solidFill>
+                <a:effectLst/>
+                <a:latin typeface="Calibri (Body)"/>
+              </a:rPr>
+              <a:t> to the neural network.</a:t>
+            </a:r>
+          </a:p>
+          <a:p>
+            <a:r>
+              <a:rPr lang="en-US" dirty="0">
+                <a:latin typeface="Calibri (Body)"/>
+              </a:rPr>
+              <a:t>example in Keras - model.add(Flatten())</a:t>
+            </a:r>
+          </a:p>
+          <a:p>
+            <a:r>
+              <a:rPr lang="en-US" dirty="0">
+                <a:latin typeface="Calibri (Body)"/>
+              </a:rPr>
+              <a:t>example in Keras - model.add(Dense(512, activation = '</a:t>
+            </a:r>
+            <a:r>
+              <a:rPr lang="en-US" dirty="0" err="1">
+                <a:latin typeface="Calibri (Body)"/>
+              </a:rPr>
+              <a:t>relu</a:t>
+            </a:r>
+            <a:r>
+              <a:rPr lang="en-US" dirty="0">
+                <a:latin typeface="Calibri (Body)"/>
+              </a:rPr>
+              <a:t>'))</a:t>
+            </a:r>
+            <a:endParaRPr lang="en-US" dirty="0">
+              <a:solidFill>
+                <a:srgbClr val="202124"/>
+              </a:solidFill>
+              <a:latin typeface="Calibri (Body)"/>
+            </a:endParaRPr>
+          </a:p>
+          <a:p>
+            <a:endParaRPr lang="en-US" dirty="0">
+              <a:latin typeface="Calibri (Body)"/>
+            </a:endParaRPr>
+          </a:p>
+          <a:p>
+            <a:endParaRPr lang="en-IN" dirty="0"/>
+          </a:p>
+        </p:txBody>
+      </p:sp>
+    </p:spTree>
+    <p:extLst>
+      <p:ext uri="{BB962C8B-B14F-4D97-AF65-F5344CB8AC3E}">
+        <p14:creationId xmlns:p14="http://schemas.microsoft.com/office/powerpoint/2010/main" val="3421973890"/>
+      </p:ext>
+    </p:extLst>
+  </p:cSld>
+  <p:clrMapOvr>
+    <a:masterClrMapping/>
+  </p:clrMapOvr>
+</p:sld>
+</file>
+
+<file path=ppt/slides/slide15.xml><?xml version="1.0" encoding="utf-8"?>
+<p:sld xmlns:a="http://schemas.openxmlformats.org/drawingml/2006/main" xmlns:r="http://schemas.openxmlformats.org/officeDocument/2006/relationships" xmlns:p="http://schemas.openxmlformats.org/presentationml/2006/main">
+  <p:cSld>
+    <p:spTree>
+      <p:nvGrpSpPr>
+        <p:cNvPr id="1" name=""/>
+        <p:cNvGrpSpPr/>
+        <p:nvPr/>
+      </p:nvGrpSpPr>
+      <p:grpSpPr>
+        <a:xfrm>
+          <a:off x="0" y="0"/>
+          <a:ext cx="0" cy="0"/>
+          <a:chOff x="0" y="0"/>
+          <a:chExt cx="0" cy="0"/>
+        </a:xfrm>
+      </p:grpSpPr>
+      <p:sp>
+        <p:nvSpPr>
+          <p:cNvPr id="2" name="Title 1">
+            <a:extLst>
+              <a:ext uri="{FF2B5EF4-FFF2-40B4-BE49-F238E27FC236}">
+                <a16:creationId xmlns:a16="http://schemas.microsoft.com/office/drawing/2014/main" id="{15C5AE14-E6A1-40B1-8601-9B8E692CD89D}"/>
+              </a:ext>
+            </a:extLst>
+          </p:cNvPr>
+          <p:cNvSpPr>
+            <a:spLocks noGrp="1"/>
+          </p:cNvSpPr>
+          <p:nvPr>
+            <p:ph type="title"/>
+          </p:nvPr>
+        </p:nvSpPr>
+        <p:spPr/>
+        <p:txBody>
+          <a:bodyPr/>
+          <a:lstStyle/>
+          <a:p>
+            <a:r>
+              <a:rPr lang="en-IN" dirty="0"/>
+              <a:t>CNN Neural Network Architecture</a:t>
+            </a:r>
+          </a:p>
+        </p:txBody>
+      </p:sp>
+      <p:sp>
+        <p:nvSpPr>
+          <p:cNvPr id="3" name="Content Placeholder 2">
+            <a:extLst>
+              <a:ext uri="{FF2B5EF4-FFF2-40B4-BE49-F238E27FC236}">
+                <a16:creationId xmlns:a16="http://schemas.microsoft.com/office/drawing/2014/main" id="{CF1BAEEA-592C-473A-931C-349C444163E7}"/>
+              </a:ext>
+            </a:extLst>
+          </p:cNvPr>
+          <p:cNvSpPr>
+            <a:spLocks noGrp="1"/>
+          </p:cNvSpPr>
+          <p:nvPr>
+            <p:ph idx="1"/>
+          </p:nvPr>
+        </p:nvSpPr>
+        <p:spPr/>
+        <p:txBody>
+          <a:bodyPr/>
+          <a:lstStyle/>
+          <a:p>
+            <a:r>
+              <a:rPr lang="en-IN" dirty="0">
+                <a:latin typeface="Calibri (Body)"/>
+              </a:rPr>
+              <a:t>Activation Function - ReLU</a:t>
+            </a:r>
+          </a:p>
+          <a:p>
+            <a:r>
+              <a:rPr lang="en-US" b="0" i="0" dirty="0">
+                <a:solidFill>
+                  <a:srgbClr val="000000"/>
+                </a:solidFill>
+                <a:effectLst/>
+                <a:latin typeface="Calibri (Body)"/>
+              </a:rPr>
+              <a:t>A neural network without activation function will act as a linear regression with limited learning power.</a:t>
+            </a:r>
+          </a:p>
+          <a:p>
+            <a:r>
+              <a:rPr lang="en-US" b="0" i="0" dirty="0">
+                <a:solidFill>
+                  <a:srgbClr val="000000"/>
+                </a:solidFill>
+                <a:effectLst/>
+                <a:latin typeface="Calibri (Body)"/>
+              </a:rPr>
+              <a:t>But we also want our neural network to learn non-linear states as we give it complex real-world information like images</a:t>
+            </a:r>
+            <a:endParaRPr lang="en-IN" dirty="0">
+              <a:latin typeface="Calibri (Body)"/>
+            </a:endParaRPr>
+          </a:p>
+        </p:txBody>
+      </p:sp>
+      <p:pic>
+        <p:nvPicPr>
+          <p:cNvPr id="5" name="Picture 4">
+            <a:extLst>
+              <a:ext uri="{FF2B5EF4-FFF2-40B4-BE49-F238E27FC236}">
+                <a16:creationId xmlns:a16="http://schemas.microsoft.com/office/drawing/2014/main" id="{5C4C0D21-02B3-47C5-8F44-A09340E645D0}"/>
+              </a:ext>
+            </a:extLst>
+          </p:cNvPr>
+          <p:cNvPicPr>
+            <a:picLocks noChangeAspect="1"/>
+          </p:cNvPicPr>
+          <p:nvPr/>
+        </p:nvPicPr>
+        <p:blipFill>
+          <a:blip r:embed="rId2">
+            <a:extLst>
+              <a:ext uri="{28A0092B-C50C-407E-A947-70E740481C1C}">
+                <a14:useLocalDpi xmlns:a14="http://schemas.microsoft.com/office/drawing/2010/main" val="0"/>
+              </a:ext>
+            </a:extLst>
+          </a:blip>
+          <a:stretch>
+            <a:fillRect/>
+          </a:stretch>
+        </p:blipFill>
+        <p:spPr>
+          <a:xfrm>
+            <a:off x="2847372" y="3326633"/>
+            <a:ext cx="6366076" cy="2923696"/>
+          </a:xfrm>
+          <a:prstGeom prst="rect">
+            <a:avLst/>
+          </a:prstGeom>
+        </p:spPr>
+      </p:pic>
+    </p:spTree>
+    <p:extLst>
+      <p:ext uri="{BB962C8B-B14F-4D97-AF65-F5344CB8AC3E}">
+        <p14:creationId xmlns:p14="http://schemas.microsoft.com/office/powerpoint/2010/main" val="2401358592"/>
+      </p:ext>
+    </p:extLst>
+  </p:cSld>
+  <p:clrMapOvr>
+    <a:masterClrMapping/>
+  </p:clrMapOvr>
+</p:sld>
+</file>
+
+<file path=ppt/slides/slide16.xml><?xml version="1.0" encoding="utf-8"?>
+<p:sld xmlns:a="http://schemas.openxmlformats.org/drawingml/2006/main" xmlns:r="http://schemas.openxmlformats.org/officeDocument/2006/relationships" xmlns:p="http://schemas.openxmlformats.org/presentationml/2006/main">
+  <p:cSld>
+    <p:spTree>
+      <p:nvGrpSpPr>
+        <p:cNvPr id="1" name=""/>
+        <p:cNvGrpSpPr/>
+        <p:nvPr/>
+      </p:nvGrpSpPr>
+      <p:grpSpPr>
+        <a:xfrm>
+          <a:off x="0" y="0"/>
+          <a:ext cx="0" cy="0"/>
+          <a:chOff x="0" y="0"/>
+          <a:chExt cx="0" cy="0"/>
+        </a:xfrm>
+      </p:grpSpPr>
+      <p:sp>
+        <p:nvSpPr>
+          <p:cNvPr id="2" name="Title 1">
+            <a:extLst>
+              <a:ext uri="{FF2B5EF4-FFF2-40B4-BE49-F238E27FC236}">
+                <a16:creationId xmlns:a16="http://schemas.microsoft.com/office/drawing/2014/main" id="{573FFE26-068D-4567-AB45-6357BD78B00F}"/>
+              </a:ext>
+            </a:extLst>
+          </p:cNvPr>
+          <p:cNvSpPr>
+            <a:spLocks noGrp="1"/>
+          </p:cNvSpPr>
+          <p:nvPr>
+            <p:ph type="title"/>
+          </p:nvPr>
+        </p:nvSpPr>
+        <p:spPr/>
+        <p:txBody>
+          <a:bodyPr/>
+          <a:lstStyle/>
+          <a:p>
+            <a:r>
+              <a:rPr lang="en-IN" dirty="0"/>
+              <a:t>CNN Neural Network Architecture</a:t>
+            </a:r>
+          </a:p>
+        </p:txBody>
+      </p:sp>
+      <p:sp>
+        <p:nvSpPr>
+          <p:cNvPr id="3" name="Content Placeholder 2">
+            <a:extLst>
+              <a:ext uri="{FF2B5EF4-FFF2-40B4-BE49-F238E27FC236}">
+                <a16:creationId xmlns:a16="http://schemas.microsoft.com/office/drawing/2014/main" id="{68001D61-C4F6-44B7-A407-8A577DA94742}"/>
+              </a:ext>
+            </a:extLst>
+          </p:cNvPr>
+          <p:cNvSpPr>
+            <a:spLocks noGrp="1"/>
+          </p:cNvSpPr>
+          <p:nvPr>
+            <p:ph idx="1"/>
+          </p:nvPr>
+        </p:nvSpPr>
+        <p:spPr/>
+        <p:txBody>
+          <a:bodyPr/>
+          <a:lstStyle/>
+          <a:p>
+            <a:r>
+              <a:rPr lang="en-US" dirty="0"/>
+              <a:t>def ReLU(x):</a:t>
+            </a:r>
+          </a:p>
+          <a:p>
+            <a:r>
+              <a:rPr lang="en-US" dirty="0"/>
+              <a:t>  if x&gt;0:</a:t>
+            </a:r>
+          </a:p>
+          <a:p>
+            <a:r>
+              <a:rPr lang="en-US" dirty="0"/>
+              <a:t>	  return x</a:t>
+            </a:r>
+          </a:p>
+          <a:p>
+            <a:r>
+              <a:rPr lang="en-US" dirty="0"/>
+              <a:t>  else: </a:t>
+            </a:r>
+          </a:p>
+          <a:p>
+            <a:r>
+              <a:rPr lang="en-US" dirty="0"/>
+              <a:t>    return 0</a:t>
+            </a:r>
+            <a:endParaRPr lang="en-IN" dirty="0"/>
+          </a:p>
+        </p:txBody>
+      </p:sp>
+    </p:spTree>
+    <p:extLst>
+      <p:ext uri="{BB962C8B-B14F-4D97-AF65-F5344CB8AC3E}">
+        <p14:creationId xmlns:p14="http://schemas.microsoft.com/office/powerpoint/2010/main" val="3476865788"/>
+      </p:ext>
+    </p:extLst>
+  </p:cSld>
+  <p:clrMapOvr>
+    <a:masterClrMapping/>
+  </p:clrMapOvr>
+</p:sld>
+</file>
+
+<file path=ppt/slides/slide17.xml><?xml version="1.0" encoding="utf-8"?>
+<p:sld xmlns:a="http://schemas.openxmlformats.org/drawingml/2006/main" xmlns:r="http://schemas.openxmlformats.org/officeDocument/2006/relationships" xmlns:p="http://schemas.openxmlformats.org/presentationml/2006/main">
+  <p:cSld>
+    <p:spTree>
+      <p:nvGrpSpPr>
+        <p:cNvPr id="1" name=""/>
+        <p:cNvGrpSpPr/>
+        <p:nvPr/>
+      </p:nvGrpSpPr>
+      <p:grpSpPr>
+        <a:xfrm>
+          <a:off x="0" y="0"/>
+          <a:ext cx="0" cy="0"/>
+          <a:chOff x="0" y="0"/>
+          <a:chExt cx="0" cy="0"/>
+        </a:xfrm>
+      </p:grpSpPr>
+      <p:pic>
+        <p:nvPicPr>
+          <p:cNvPr id="5" name="Content Placeholder 4">
+            <a:extLst>
+              <a:ext uri="{FF2B5EF4-FFF2-40B4-BE49-F238E27FC236}">
+                <a16:creationId xmlns:a16="http://schemas.microsoft.com/office/drawing/2014/main" id="{887C740A-F17D-4E2A-9349-916320D368AF}"/>
+              </a:ext>
+            </a:extLst>
+          </p:cNvPr>
+          <p:cNvPicPr>
+            <a:picLocks noGrp="1" noChangeAspect="1"/>
+          </p:cNvPicPr>
+          <p:nvPr>
+            <p:ph idx="1"/>
+          </p:nvPr>
+        </p:nvPicPr>
+        <p:blipFill>
+          <a:blip r:embed="rId2">
+            <a:extLst>
+              <a:ext uri="{28A0092B-C50C-407E-A947-70E740481C1C}">
+                <a14:useLocalDpi xmlns:a14="http://schemas.microsoft.com/office/drawing/2010/main" val="0"/>
+              </a:ext>
+            </a:extLst>
+          </a:blip>
+          <a:stretch>
+            <a:fillRect/>
+          </a:stretch>
+        </p:blipFill>
+        <p:spPr>
+          <a:xfrm>
+            <a:off x="101600" y="513080"/>
+            <a:ext cx="11724640" cy="5831840"/>
+          </a:xfrm>
+        </p:spPr>
+      </p:pic>
+      <p:sp>
+        <p:nvSpPr>
+          <p:cNvPr id="6" name="Rectangle 5">
+            <a:extLst>
+              <a:ext uri="{FF2B5EF4-FFF2-40B4-BE49-F238E27FC236}">
+                <a16:creationId xmlns:a16="http://schemas.microsoft.com/office/drawing/2014/main" id="{A79AC5E8-3136-4731-97D4-35E5709C904E}"/>
+              </a:ext>
+            </a:extLst>
+          </p:cNvPr>
+          <p:cNvSpPr/>
+          <p:nvPr/>
+        </p:nvSpPr>
+        <p:spPr>
+          <a:xfrm>
+            <a:off x="1686561" y="81279"/>
+            <a:ext cx="8280400" cy="523220"/>
+          </a:xfrm>
+          <a:prstGeom prst="rect">
+            <a:avLst/>
+          </a:prstGeom>
+          <a:noFill/>
+        </p:spPr>
+        <p:txBody>
+          <a:bodyPr wrap="square" lIns="91440" tIns="45720" rIns="91440" bIns="45720">
+            <a:spAutoFit/>
+          </a:bodyPr>
+          <a:lstStyle/>
+          <a:p>
+            <a:pPr algn="ctr"/>
+            <a:r>
+              <a:rPr lang="en-US" sz="2800" dirty="0">
+                <a:ln w="0"/>
+                <a:effectLst>
+                  <a:outerShdw blurRad="38100" dist="19050" dir="2700000" algn="tl" rotWithShape="0">
+                    <a:schemeClr val="dk1">
+                      <a:alpha val="40000"/>
+                    </a:schemeClr>
+                  </a:outerShdw>
+                </a:effectLst>
+              </a:rPr>
+              <a:t>Model Summary</a:t>
+            </a:r>
+            <a:endParaRPr lang="en-US" sz="2800" b="0" cap="none" spc="0" dirty="0">
+              <a:ln w="0"/>
+              <a:solidFill>
+                <a:schemeClr val="tx1"/>
+              </a:solidFill>
+              <a:effectLst>
+                <a:outerShdw blurRad="38100" dist="19050" dir="2700000" algn="tl" rotWithShape="0">
+                  <a:schemeClr val="dk1">
+                    <a:alpha val="40000"/>
+                  </a:schemeClr>
+                </a:outerShdw>
+              </a:effectLst>
+            </a:endParaRPr>
+          </a:p>
+        </p:txBody>
+      </p:sp>
+    </p:spTree>
+    <p:extLst>
+      <p:ext uri="{BB962C8B-B14F-4D97-AF65-F5344CB8AC3E}">
+        <p14:creationId xmlns:p14="http://schemas.microsoft.com/office/powerpoint/2010/main" val="102352782"/>
+      </p:ext>
+    </p:extLst>
+  </p:cSld>
+  <p:clrMapOvr>
+    <a:masterClrMapping/>
+  </p:clrMapOvr>
+</p:sld>
+</file>
+
+<file path=ppt/slides/slide18.xml><?xml version="1.0" encoding="utf-8"?>
+<p:sld xmlns:a="http://schemas.openxmlformats.org/drawingml/2006/main" xmlns:r="http://schemas.openxmlformats.org/officeDocument/2006/relationships" xmlns:p="http://schemas.openxmlformats.org/presentationml/2006/main">
+  <p:cSld>
+    <p:spTree>
+      <p:nvGrpSpPr>
+        <p:cNvPr id="1" name=""/>
+        <p:cNvGrpSpPr/>
+        <p:nvPr/>
+      </p:nvGrpSpPr>
+      <p:grpSpPr>
+        <a:xfrm>
+          <a:off x="0" y="0"/>
+          <a:ext cx="0" cy="0"/>
+          <a:chOff x="0" y="0"/>
+          <a:chExt cx="0" cy="0"/>
+        </a:xfrm>
+      </p:grpSpPr>
+      <p:sp>
+        <p:nvSpPr>
+          <p:cNvPr id="2" name="Title 1">
+            <a:extLst>
+              <a:ext uri="{FF2B5EF4-FFF2-40B4-BE49-F238E27FC236}">
+                <a16:creationId xmlns:a16="http://schemas.microsoft.com/office/drawing/2014/main" id="{FFF69C15-26AB-4F49-A2F7-A12265034E91}"/>
+              </a:ext>
+            </a:extLst>
+          </p:cNvPr>
+          <p:cNvSpPr>
+            <a:spLocks noGrp="1"/>
+          </p:cNvSpPr>
+          <p:nvPr>
+            <p:ph type="title"/>
+          </p:nvPr>
+        </p:nvSpPr>
+        <p:spPr/>
+        <p:txBody>
+          <a:bodyPr/>
+          <a:lstStyle/>
+          <a:p>
+            <a:r>
+              <a:rPr lang="en-IN" dirty="0"/>
+              <a:t>Neural Network Architecture</a:t>
+            </a:r>
+          </a:p>
+        </p:txBody>
+      </p:sp>
+      <p:sp>
+        <p:nvSpPr>
+          <p:cNvPr id="3" name="Content Placeholder 2">
+            <a:extLst>
+              <a:ext uri="{FF2B5EF4-FFF2-40B4-BE49-F238E27FC236}">
+                <a16:creationId xmlns:a16="http://schemas.microsoft.com/office/drawing/2014/main" id="{DC5DF5CE-EF8A-4638-858C-1B9106218C8A}"/>
+              </a:ext>
+            </a:extLst>
+          </p:cNvPr>
+          <p:cNvSpPr>
+            <a:spLocks noGrp="1"/>
+          </p:cNvSpPr>
+          <p:nvPr>
+            <p:ph idx="1"/>
+          </p:nvPr>
+        </p:nvSpPr>
+        <p:spPr/>
+        <p:txBody>
+          <a:bodyPr>
+            <a:normAutofit fontScale="85000" lnSpcReduction="20000"/>
+          </a:bodyPr>
+          <a:lstStyle/>
+          <a:p>
+            <a:endParaRPr lang="en-US" b="0" i="0" dirty="0">
+              <a:solidFill>
+                <a:srgbClr val="292929"/>
+              </a:solidFill>
+              <a:effectLst/>
+              <a:latin typeface="Menlo"/>
+            </a:endParaRPr>
+          </a:p>
+          <a:p>
+            <a:r>
+              <a:rPr lang="en-US" dirty="0">
+                <a:solidFill>
+                  <a:srgbClr val="292929"/>
+                </a:solidFill>
+                <a:latin typeface="Menlo"/>
+              </a:rPr>
+              <a:t>1. Convolutional Layer </a:t>
+            </a:r>
+          </a:p>
+          <a:p>
+            <a:r>
+              <a:rPr lang="en-US" dirty="0">
+                <a:solidFill>
+                  <a:srgbClr val="292929"/>
+                </a:solidFill>
+                <a:latin typeface="Menlo"/>
+              </a:rPr>
+              <a:t>2. Max Pooling Layer</a:t>
+            </a:r>
+          </a:p>
+          <a:p>
+            <a:r>
+              <a:rPr lang="en-US" dirty="0">
+                <a:solidFill>
+                  <a:srgbClr val="292929"/>
+                </a:solidFill>
+                <a:latin typeface="Menlo"/>
+              </a:rPr>
+              <a:t>3.Batch Normalization</a:t>
+            </a:r>
+          </a:p>
+          <a:p>
+            <a:r>
+              <a:rPr lang="en-US" dirty="0">
+                <a:solidFill>
+                  <a:srgbClr val="292929"/>
+                </a:solidFill>
+                <a:latin typeface="Menlo"/>
+              </a:rPr>
+              <a:t>4.Flatten</a:t>
+            </a:r>
+          </a:p>
+          <a:p>
+            <a:r>
+              <a:rPr lang="en-US" dirty="0">
+                <a:solidFill>
+                  <a:srgbClr val="292929"/>
+                </a:solidFill>
+                <a:latin typeface="Menlo"/>
+              </a:rPr>
+              <a:t>5.Dense Layer </a:t>
+            </a:r>
+          </a:p>
+          <a:p>
+            <a:r>
+              <a:rPr lang="en-US" dirty="0">
+                <a:solidFill>
+                  <a:srgbClr val="292929"/>
+                </a:solidFill>
+                <a:latin typeface="Menlo"/>
+              </a:rPr>
+              <a:t>6. Max Polling does not have parameter to learn, </a:t>
+            </a:r>
+          </a:p>
+          <a:p>
+            <a:r>
+              <a:rPr lang="en-US" dirty="0">
+                <a:solidFill>
+                  <a:srgbClr val="292929"/>
+                </a:solidFill>
+                <a:latin typeface="Menlo"/>
+              </a:rPr>
+              <a:t>7.Number of Parameters Learned in Convolutional Layer</a:t>
+            </a:r>
+          </a:p>
+          <a:p>
+            <a:r>
+              <a:rPr lang="en-US" dirty="0">
+                <a:solidFill>
+                  <a:srgbClr val="292929"/>
+                </a:solidFill>
+                <a:latin typeface="Menlo"/>
+              </a:rPr>
+              <a:t>8.Number of Parameter learned in Batch Normalization</a:t>
+            </a:r>
+          </a:p>
+          <a:p>
+            <a:endParaRPr lang="en-US" b="0" i="0" dirty="0">
+              <a:solidFill>
+                <a:srgbClr val="292929"/>
+              </a:solidFill>
+              <a:effectLst/>
+              <a:latin typeface="Menlo"/>
+            </a:endParaRPr>
+          </a:p>
+          <a:p>
+            <a:r>
+              <a:rPr lang="en-US" b="0" i="0" dirty="0">
+                <a:solidFill>
+                  <a:srgbClr val="292929"/>
+                </a:solidFill>
+                <a:effectLst/>
+                <a:latin typeface="Menlo"/>
+              </a:rPr>
+              <a:t>param_number = output_channel_number * (input_channel_number * kernel_height * kernel_width + 1)</a:t>
+            </a:r>
+            <a:endParaRPr lang="en-IN" dirty="0"/>
+          </a:p>
+        </p:txBody>
+      </p:sp>
+    </p:spTree>
+    <p:extLst>
+      <p:ext uri="{BB962C8B-B14F-4D97-AF65-F5344CB8AC3E}">
+        <p14:creationId xmlns:p14="http://schemas.microsoft.com/office/powerpoint/2010/main" val="520397481"/>
+      </p:ext>
+    </p:extLst>
+  </p:cSld>
+  <p:clrMapOvr>
+    <a:masterClrMapping/>
+  </p:clrMapOvr>
+</p:sld>
+</file>
+
+<file path=ppt/slides/slide19.xml><?xml version="1.0" encoding="utf-8"?>
+<p:sld xmlns:a="http://schemas.openxmlformats.org/drawingml/2006/main" xmlns:r="http://schemas.openxmlformats.org/officeDocument/2006/relationships" xmlns:p="http://schemas.openxmlformats.org/presentationml/2006/main">
+  <p:cSld>
+    <p:spTree>
+      <p:nvGrpSpPr>
+        <p:cNvPr id="1" name=""/>
+        <p:cNvGrpSpPr/>
+        <p:nvPr/>
+      </p:nvGrpSpPr>
+      <p:grpSpPr>
+        <a:xfrm>
+          <a:off x="0" y="0"/>
+          <a:ext cx="0" cy="0"/>
+          <a:chOff x="0" y="0"/>
+          <a:chExt cx="0" cy="0"/>
+        </a:xfrm>
+      </p:grpSpPr>
+      <p:sp>
+        <p:nvSpPr>
+          <p:cNvPr id="2" name="Title 1">
+            <a:extLst>
+              <a:ext uri="{FF2B5EF4-FFF2-40B4-BE49-F238E27FC236}">
+                <a16:creationId xmlns:a16="http://schemas.microsoft.com/office/drawing/2014/main" id="{7F41FA0E-7000-4CB7-B73E-895A9A1EE068}"/>
+              </a:ext>
+            </a:extLst>
+          </p:cNvPr>
+          <p:cNvSpPr>
+            <a:spLocks noGrp="1"/>
+          </p:cNvSpPr>
+          <p:nvPr>
+            <p:ph type="title"/>
+          </p:nvPr>
+        </p:nvSpPr>
+        <p:spPr/>
+        <p:txBody>
+          <a:bodyPr>
+            <a:normAutofit/>
+          </a:bodyPr>
+          <a:lstStyle/>
+          <a:p>
+            <a:r>
+              <a:rPr lang="en-US" sz="3200" dirty="0"/>
+              <a:t>Neural Network | Count number of Learnable Parameter in Deep Learning</a:t>
+            </a:r>
+            <a:endParaRPr lang="en-IN" sz="3200" dirty="0"/>
+          </a:p>
+        </p:txBody>
+      </p:sp>
+      <p:pic>
+        <p:nvPicPr>
+          <p:cNvPr id="9" name="Content Placeholder 8">
+            <a:extLst>
+              <a:ext uri="{FF2B5EF4-FFF2-40B4-BE49-F238E27FC236}">
+                <a16:creationId xmlns:a16="http://schemas.microsoft.com/office/drawing/2014/main" id="{4B1140F6-EBD5-431A-9C35-BE932A7EAF0A}"/>
+              </a:ext>
+            </a:extLst>
+          </p:cNvPr>
+          <p:cNvPicPr>
+            <a:picLocks noGrp="1" noChangeAspect="1"/>
+          </p:cNvPicPr>
+          <p:nvPr>
+            <p:ph idx="1"/>
+          </p:nvPr>
+        </p:nvPicPr>
+        <p:blipFill>
+          <a:blip r:embed="rId2">
+            <a:extLst>
+              <a:ext uri="{28A0092B-C50C-407E-A947-70E740481C1C}">
+                <a14:useLocalDpi xmlns:a14="http://schemas.microsoft.com/office/drawing/2010/main" val="0"/>
+              </a:ext>
+            </a:extLst>
+          </a:blip>
+          <a:stretch>
+            <a:fillRect/>
+          </a:stretch>
+        </p:blipFill>
+        <p:spPr>
+          <a:xfrm>
+            <a:off x="1785245" y="1852212"/>
+            <a:ext cx="6727607" cy="3886537"/>
+          </a:xfrm>
+        </p:spPr>
+      </p:pic>
+      <p:cxnSp>
+        <p:nvCxnSpPr>
+          <p:cNvPr id="15" name="Connector: Elbow 14">
+            <a:extLst>
+              <a:ext uri="{FF2B5EF4-FFF2-40B4-BE49-F238E27FC236}">
+                <a16:creationId xmlns:a16="http://schemas.microsoft.com/office/drawing/2014/main" id="{0526FF3C-E07F-4184-9E31-17AD2883773F}"/>
+              </a:ext>
+            </a:extLst>
+          </p:cNvPr>
+          <p:cNvCxnSpPr>
+            <a:cxnSpLocks/>
+          </p:cNvCxnSpPr>
+          <p:nvPr/>
+        </p:nvCxnSpPr>
+        <p:spPr>
+          <a:xfrm rot="5400000" flipH="1" flipV="1">
+            <a:off x="2710049" y="3802003"/>
+            <a:ext cx="403657" cy="390615"/>
+          </a:xfrm>
+          <a:prstGeom prst="bentConnector3">
+            <a:avLst/>
+          </a:prstGeom>
+          <a:ln>
+            <a:tailEnd type="triangle"/>
+          </a:ln>
+        </p:spPr>
+        <p:style>
+          <a:lnRef idx="1">
+            <a:schemeClr val="accent1"/>
+          </a:lnRef>
+          <a:fillRef idx="0">
+            <a:schemeClr val="accent1"/>
+          </a:fillRef>
+          <a:effectRef idx="0">
+            <a:schemeClr val="accent1"/>
+          </a:effectRef>
+          <a:fontRef idx="minor">
+            <a:schemeClr val="tx1"/>
+          </a:fontRef>
+        </p:style>
+      </p:cxnSp>
+      <p:cxnSp>
+        <p:nvCxnSpPr>
+          <p:cNvPr id="18" name="Connector: Elbow 17">
+            <a:extLst>
+              <a:ext uri="{FF2B5EF4-FFF2-40B4-BE49-F238E27FC236}">
+                <a16:creationId xmlns:a16="http://schemas.microsoft.com/office/drawing/2014/main" id="{1CED22C3-A79E-4DAF-BE77-2B3A9503533E}"/>
+              </a:ext>
+            </a:extLst>
+          </p:cNvPr>
+          <p:cNvCxnSpPr>
+            <a:cxnSpLocks/>
+          </p:cNvCxnSpPr>
+          <p:nvPr/>
+        </p:nvCxnSpPr>
+        <p:spPr>
+          <a:xfrm rot="10800000">
+            <a:off x="4314548" y="4114801"/>
+            <a:ext cx="754602" cy="168676"/>
+          </a:xfrm>
+          <a:prstGeom prst="bentConnector3">
+            <a:avLst/>
+          </a:prstGeom>
+          <a:ln>
+            <a:tailEnd type="triangle"/>
+          </a:ln>
+        </p:spPr>
+        <p:style>
+          <a:lnRef idx="1">
+            <a:schemeClr val="accent1"/>
+          </a:lnRef>
+          <a:fillRef idx="0">
+            <a:schemeClr val="accent1"/>
+          </a:fillRef>
+          <a:effectRef idx="0">
+            <a:schemeClr val="accent1"/>
+          </a:effectRef>
+          <a:fontRef idx="minor">
+            <a:schemeClr val="tx1"/>
+          </a:fontRef>
+        </p:style>
+      </p:cxnSp>
+      <p:cxnSp>
+        <p:nvCxnSpPr>
+          <p:cNvPr id="23" name="Straight Arrow Connector 22">
+            <a:extLst>
+              <a:ext uri="{FF2B5EF4-FFF2-40B4-BE49-F238E27FC236}">
+                <a16:creationId xmlns:a16="http://schemas.microsoft.com/office/drawing/2014/main" id="{582021C9-8308-4988-ACCC-59962F41B8BA}"/>
+              </a:ext>
+            </a:extLst>
+          </p:cNvPr>
+          <p:cNvCxnSpPr>
+            <a:cxnSpLocks/>
+          </p:cNvCxnSpPr>
+          <p:nvPr/>
+        </p:nvCxnSpPr>
+        <p:spPr>
+          <a:xfrm flipH="1">
+            <a:off x="5459767" y="3284738"/>
+            <a:ext cx="310720" cy="0"/>
+          </a:xfrm>
+          <a:prstGeom prst="straightConnector1">
+            <a:avLst/>
+          </a:prstGeom>
+          <a:ln>
+            <a:tailEnd type="triangle"/>
+          </a:ln>
+        </p:spPr>
+        <p:style>
+          <a:lnRef idx="1">
+            <a:schemeClr val="accent1"/>
+          </a:lnRef>
+          <a:fillRef idx="0">
+            <a:schemeClr val="accent1"/>
+          </a:fillRef>
+          <a:effectRef idx="0">
+            <a:schemeClr val="accent1"/>
+          </a:effectRef>
+          <a:fontRef idx="minor">
+            <a:schemeClr val="tx1"/>
+          </a:fontRef>
+        </p:style>
+      </p:cxnSp>
+      <p:sp>
+        <p:nvSpPr>
+          <p:cNvPr id="25" name="Rectangle 24">
+            <a:extLst>
+              <a:ext uri="{FF2B5EF4-FFF2-40B4-BE49-F238E27FC236}">
+                <a16:creationId xmlns:a16="http://schemas.microsoft.com/office/drawing/2014/main" id="{8531F0F8-8625-44DD-99C8-065D98572272}"/>
+              </a:ext>
+            </a:extLst>
+          </p:cNvPr>
+          <p:cNvSpPr/>
+          <p:nvPr/>
+        </p:nvSpPr>
+        <p:spPr>
+          <a:xfrm>
+            <a:off x="3515558" y="2095130"/>
+            <a:ext cx="1447060" cy="266330"/>
+          </a:xfrm>
+          <a:prstGeom prst="rect">
+            <a:avLst/>
+          </a:prstGeom>
+          <a:ln/>
+        </p:spPr>
+        <p:style>
+          <a:lnRef idx="1">
+            <a:schemeClr val="dk1"/>
+          </a:lnRef>
+          <a:fillRef idx="2">
+            <a:schemeClr val="dk1"/>
+          </a:fillRef>
+          <a:effectRef idx="1">
+            <a:schemeClr val="dk1"/>
+          </a:effectRef>
+          <a:fontRef idx="minor">
+            <a:schemeClr val="dk1"/>
+          </a:fontRef>
+        </p:style>
+        <p:txBody>
+          <a:bodyPr rtlCol="0" anchor="ctr"/>
+          <a:lstStyle/>
+          <a:p>
+            <a:pPr algn="ctr"/>
+            <a:r>
+              <a:rPr lang="en-IN" dirty="0"/>
+              <a:t>Hidden Layer</a:t>
+            </a:r>
+          </a:p>
+        </p:txBody>
+      </p:sp>
+      <p:sp>
+        <p:nvSpPr>
+          <p:cNvPr id="26" name="Rectangle 25">
+            <a:extLst>
+              <a:ext uri="{FF2B5EF4-FFF2-40B4-BE49-F238E27FC236}">
+                <a16:creationId xmlns:a16="http://schemas.microsoft.com/office/drawing/2014/main" id="{A2585E6E-73ED-4CC5-AC18-7F439CBEE92E}"/>
+              </a:ext>
+            </a:extLst>
+          </p:cNvPr>
+          <p:cNvSpPr/>
+          <p:nvPr/>
+        </p:nvSpPr>
+        <p:spPr>
+          <a:xfrm>
+            <a:off x="5211194" y="2539015"/>
+            <a:ext cx="1491448" cy="283528"/>
+          </a:xfrm>
+          <a:prstGeom prst="rect">
+            <a:avLst/>
+          </a:prstGeom>
+        </p:spPr>
+        <p:style>
+          <a:lnRef idx="1">
+            <a:schemeClr val="dk1"/>
+          </a:lnRef>
+          <a:fillRef idx="2">
+            <a:schemeClr val="dk1"/>
+          </a:fillRef>
+          <a:effectRef idx="1">
+            <a:schemeClr val="dk1"/>
+          </a:effectRef>
+          <a:fontRef idx="minor">
+            <a:schemeClr val="dk1"/>
+          </a:fontRef>
+        </p:style>
+        <p:txBody>
+          <a:bodyPr rtlCol="0" anchor="ctr"/>
+          <a:lstStyle/>
+          <a:p>
+            <a:pPr algn="ctr"/>
+            <a:r>
+              <a:rPr lang="en-IN" dirty="0"/>
+              <a:t>Output Layer</a:t>
+            </a:r>
+          </a:p>
+        </p:txBody>
+      </p:sp>
+      <p:sp>
+        <p:nvSpPr>
+          <p:cNvPr id="27" name="Rectangle 26">
+            <a:extLst>
+              <a:ext uri="{FF2B5EF4-FFF2-40B4-BE49-F238E27FC236}">
+                <a16:creationId xmlns:a16="http://schemas.microsoft.com/office/drawing/2014/main" id="{8F5DA64D-62EF-4D26-9CAA-5C626AC97B60}"/>
+              </a:ext>
+            </a:extLst>
+          </p:cNvPr>
+          <p:cNvSpPr/>
+          <p:nvPr/>
+        </p:nvSpPr>
+        <p:spPr>
+          <a:xfrm>
+            <a:off x="1890944" y="2397251"/>
+            <a:ext cx="1342008" cy="283528"/>
+          </a:xfrm>
+          <a:prstGeom prst="rect">
+            <a:avLst/>
+          </a:prstGeom>
+          <a:ln/>
+        </p:spPr>
+        <p:style>
+          <a:lnRef idx="1">
+            <a:schemeClr val="dk1"/>
+          </a:lnRef>
+          <a:fillRef idx="2">
+            <a:schemeClr val="dk1"/>
+          </a:fillRef>
+          <a:effectRef idx="1">
+            <a:schemeClr val="dk1"/>
+          </a:effectRef>
+          <a:fontRef idx="minor">
+            <a:schemeClr val="dk1"/>
+          </a:fontRef>
+        </p:style>
+        <p:txBody>
+          <a:bodyPr rtlCol="0" anchor="ctr"/>
+          <a:lstStyle/>
+          <a:p>
+            <a:pPr algn="ctr"/>
+            <a:r>
+              <a:rPr lang="en-IN" dirty="0"/>
+              <a:t>Input Layer</a:t>
+            </a:r>
+          </a:p>
+        </p:txBody>
+      </p:sp>
+      <p:sp>
+        <p:nvSpPr>
+          <p:cNvPr id="28" name="Rectangle 27">
+            <a:extLst>
+              <a:ext uri="{FF2B5EF4-FFF2-40B4-BE49-F238E27FC236}">
+                <a16:creationId xmlns:a16="http://schemas.microsoft.com/office/drawing/2014/main" id="{5B505F94-4922-40FB-91A2-66E9EAA8BF83}"/>
+              </a:ext>
+            </a:extLst>
+          </p:cNvPr>
+          <p:cNvSpPr/>
+          <p:nvPr/>
+        </p:nvSpPr>
+        <p:spPr>
+          <a:xfrm>
+            <a:off x="2405854" y="4212452"/>
+            <a:ext cx="683580" cy="283528"/>
+          </a:xfrm>
+          <a:prstGeom prst="rect">
+            <a:avLst/>
+          </a:prstGeom>
+          <a:ln/>
+        </p:spPr>
+        <p:style>
+          <a:lnRef idx="2">
+            <a:schemeClr val="accent2"/>
+          </a:lnRef>
+          <a:fillRef idx="1">
+            <a:schemeClr val="lt1"/>
+          </a:fillRef>
+          <a:effectRef idx="0">
+            <a:schemeClr val="accent2"/>
+          </a:effectRef>
+          <a:fontRef idx="minor">
+            <a:schemeClr val="dk1"/>
+          </a:fontRef>
+        </p:style>
+        <p:txBody>
+          <a:bodyPr rtlCol="0" anchor="ctr"/>
+          <a:lstStyle/>
+          <a:p>
+            <a:pPr algn="ctr"/>
+            <a:r>
+              <a:rPr lang="en-IN" sz="1200" dirty="0"/>
+              <a:t>3 Units</a:t>
+            </a:r>
+            <a:r>
+              <a:rPr lang="en-IN" dirty="0"/>
+              <a:t>	</a:t>
+            </a:r>
+          </a:p>
+        </p:txBody>
+      </p:sp>
+      <p:sp>
+        <p:nvSpPr>
+          <p:cNvPr id="30" name="Rectangle 29">
+            <a:extLst>
+              <a:ext uri="{FF2B5EF4-FFF2-40B4-BE49-F238E27FC236}">
+                <a16:creationId xmlns:a16="http://schemas.microsoft.com/office/drawing/2014/main" id="{168EDE8B-8557-4D8C-9D90-8503FC506876}"/>
+              </a:ext>
+            </a:extLst>
+          </p:cNvPr>
+          <p:cNvSpPr/>
+          <p:nvPr/>
+        </p:nvSpPr>
+        <p:spPr>
+          <a:xfrm>
+            <a:off x="4964108" y="4116285"/>
+            <a:ext cx="683580" cy="283528"/>
+          </a:xfrm>
+          <a:prstGeom prst="rect">
+            <a:avLst/>
+          </a:prstGeom>
+          <a:ln/>
+        </p:spPr>
+        <p:style>
+          <a:lnRef idx="2">
+            <a:schemeClr val="accent2"/>
+          </a:lnRef>
+          <a:fillRef idx="1">
+            <a:schemeClr val="lt1"/>
+          </a:fillRef>
+          <a:effectRef idx="0">
+            <a:schemeClr val="accent2"/>
+          </a:effectRef>
+          <a:fontRef idx="minor">
+            <a:schemeClr val="dk1"/>
+          </a:fontRef>
+        </p:style>
+        <p:txBody>
+          <a:bodyPr rtlCol="0" anchor="ctr"/>
+          <a:lstStyle/>
+          <a:p>
+            <a:pPr algn="ctr"/>
+            <a:r>
+              <a:rPr lang="en-IN" sz="1200" dirty="0"/>
+              <a:t>5 Units</a:t>
+            </a:r>
+            <a:r>
+              <a:rPr lang="en-IN" dirty="0"/>
+              <a:t>	</a:t>
+            </a:r>
+          </a:p>
+        </p:txBody>
+      </p:sp>
+      <p:sp>
+        <p:nvSpPr>
+          <p:cNvPr id="31" name="Rectangle 30">
+            <a:extLst>
+              <a:ext uri="{FF2B5EF4-FFF2-40B4-BE49-F238E27FC236}">
+                <a16:creationId xmlns:a16="http://schemas.microsoft.com/office/drawing/2014/main" id="{15A484D1-F817-4B1A-B73E-A288BEA87A73}"/>
+              </a:ext>
+            </a:extLst>
+          </p:cNvPr>
+          <p:cNvSpPr/>
+          <p:nvPr/>
+        </p:nvSpPr>
+        <p:spPr>
+          <a:xfrm>
+            <a:off x="5780855" y="3157486"/>
+            <a:ext cx="683580" cy="283528"/>
+          </a:xfrm>
+          <a:prstGeom prst="rect">
+            <a:avLst/>
+          </a:prstGeom>
+          <a:ln/>
+        </p:spPr>
+        <p:style>
+          <a:lnRef idx="2">
+            <a:schemeClr val="accent2"/>
+          </a:lnRef>
+          <a:fillRef idx="1">
+            <a:schemeClr val="lt1"/>
+          </a:fillRef>
+          <a:effectRef idx="0">
+            <a:schemeClr val="accent2"/>
+          </a:effectRef>
+          <a:fontRef idx="minor">
+            <a:schemeClr val="dk1"/>
+          </a:fontRef>
+        </p:style>
+        <p:txBody>
+          <a:bodyPr rtlCol="0" anchor="ctr"/>
+          <a:lstStyle/>
+          <a:p>
+            <a:pPr algn="ctr"/>
+            <a:r>
+              <a:rPr lang="en-IN" sz="1200" dirty="0"/>
+              <a:t>2 Units</a:t>
+            </a:r>
+            <a:r>
+              <a:rPr lang="en-IN" dirty="0"/>
+              <a:t>	</a:t>
+            </a:r>
+          </a:p>
+        </p:txBody>
+      </p:sp>
+    </p:spTree>
+    <p:extLst>
+      <p:ext uri="{BB962C8B-B14F-4D97-AF65-F5344CB8AC3E}">
+        <p14:creationId xmlns:p14="http://schemas.microsoft.com/office/powerpoint/2010/main" val="4235687294"/>
+      </p:ext>
+    </p:extLst>
+  </p:cSld>
+  <p:clrMapOvr>
+    <a:masterClrMapping/>
+  </p:clrMapOvr>
+</p:sld>
+</file>
+
+<file path=ppt/slides/slide2.xml><?xml version="1.0" encoding="utf-8"?>
+<p:sld xmlns:a="http://schemas.openxmlformats.org/drawingml/2006/main" xmlns:r="http://schemas.openxmlformats.org/officeDocument/2006/relationships" xmlns:p="http://schemas.openxmlformats.org/presentationml/2006/main">
+  <p:cSld>
+    <p:spTree>
+      <p:nvGrpSpPr>
+        <p:cNvPr id="1" name=""/>
+        <p:cNvGrpSpPr/>
+        <p:nvPr/>
+      </p:nvGrpSpPr>
+      <p:grpSpPr>
+        <a:xfrm>
+          <a:off x="0" y="0"/>
+          <a:ext cx="0" cy="0"/>
+          <a:chOff x="0" y="0"/>
+          <a:chExt cx="0" cy="0"/>
+        </a:xfrm>
+      </p:grpSpPr>
+      <p:sp>
+        <p:nvSpPr>
+          <p:cNvPr id="2" name="Title 1">
+            <a:extLst>
+              <a:ext uri="{FF2B5EF4-FFF2-40B4-BE49-F238E27FC236}">
+                <a16:creationId xmlns:a16="http://schemas.microsoft.com/office/drawing/2014/main" id="{3E497AFB-3B73-4D0D-B273-E45987E4B187}"/>
+              </a:ext>
+            </a:extLst>
+          </p:cNvPr>
+          <p:cNvSpPr>
+            <a:spLocks noGrp="1"/>
+          </p:cNvSpPr>
+          <p:nvPr>
+            <p:ph type="title"/>
+          </p:nvPr>
+        </p:nvSpPr>
+        <p:spPr>
+          <a:xfrm>
+            <a:off x="457200" y="594359"/>
+            <a:ext cx="3200400" cy="1214121"/>
+          </a:xfrm>
+        </p:spPr>
+        <p:txBody>
+          <a:bodyPr/>
+          <a:lstStyle/>
+          <a:p>
+            <a:r>
+              <a:rPr lang="en-IN" dirty="0"/>
+              <a:t>Goal And Target Audience	</a:t>
+            </a:r>
+          </a:p>
+        </p:txBody>
+      </p:sp>
+      <p:sp>
+        <p:nvSpPr>
+          <p:cNvPr id="3" name="Content Placeholder 2">
+            <a:extLst>
+              <a:ext uri="{FF2B5EF4-FFF2-40B4-BE49-F238E27FC236}">
+                <a16:creationId xmlns:a16="http://schemas.microsoft.com/office/drawing/2014/main" id="{4037AF95-C88F-4F23-93DF-067C298FBBEB}"/>
+              </a:ext>
+            </a:extLst>
+          </p:cNvPr>
+          <p:cNvSpPr>
+            <a:spLocks noGrp="1"/>
+          </p:cNvSpPr>
+          <p:nvPr>
+            <p:ph idx="1"/>
+          </p:nvPr>
+        </p:nvSpPr>
+        <p:spPr/>
+        <p:txBody>
+          <a:bodyPr/>
+          <a:lstStyle/>
+          <a:p>
+            <a:endParaRPr lang="en-US" dirty="0"/>
+          </a:p>
+          <a:p>
+            <a:r>
+              <a:rPr lang="en-US" dirty="0"/>
+              <a:t>Q. What is the problem you want to solve?</a:t>
+            </a:r>
+          </a:p>
+          <a:p>
+            <a:r>
+              <a:rPr lang="en-IN" dirty="0"/>
+              <a:t>Goal of Project is </a:t>
+            </a:r>
+            <a:r>
+              <a:rPr lang="en-US" dirty="0"/>
+              <a:t>detection of malaria cell-images using Deep Neural Network.</a:t>
+            </a:r>
+          </a:p>
+          <a:p>
+            <a:r>
+              <a:rPr lang="en-US" dirty="0"/>
+              <a:t>Q. Who is your client and why do they care about this    problem? </a:t>
+            </a:r>
+          </a:p>
+          <a:p>
+            <a:r>
+              <a:rPr lang="en-US" dirty="0"/>
+              <a:t>It can be used by Medical Staff as Lab Technician or Help Doctors. And world care about this because…… </a:t>
+            </a:r>
+            <a:endParaRPr lang="en-IN" dirty="0"/>
+          </a:p>
+        </p:txBody>
+      </p:sp>
+    </p:spTree>
+    <p:extLst>
+      <p:ext uri="{BB962C8B-B14F-4D97-AF65-F5344CB8AC3E}">
+        <p14:creationId xmlns:p14="http://schemas.microsoft.com/office/powerpoint/2010/main" val="1072704835"/>
+      </p:ext>
+    </p:extLst>
+  </p:cSld>
+  <p:clrMapOvr>
+    <a:masterClrMapping/>
+  </p:clrMapOvr>
+</p:sld>
+</file>
+
+<file path=ppt/slides/slide20.xml><?xml version="1.0" encoding="utf-8"?>
+<p:sld xmlns:a="http://schemas.openxmlformats.org/drawingml/2006/main" xmlns:r="http://schemas.openxmlformats.org/officeDocument/2006/relationships" xmlns:p="http://schemas.openxmlformats.org/presentationml/2006/main">
+  <p:cSld>
+    <p:spTree>
+      <p:nvGrpSpPr>
+        <p:cNvPr id="1" name=""/>
+        <p:cNvGrpSpPr/>
+        <p:nvPr/>
+      </p:nvGrpSpPr>
+      <p:grpSpPr>
+        <a:xfrm>
+          <a:off x="0" y="0"/>
+          <a:ext cx="0" cy="0"/>
+          <a:chOff x="0" y="0"/>
+          <a:chExt cx="0" cy="0"/>
+        </a:xfrm>
+      </p:grpSpPr>
+      <p:sp>
+        <p:nvSpPr>
+          <p:cNvPr id="2" name="Title 1">
+            <a:extLst>
+              <a:ext uri="{FF2B5EF4-FFF2-40B4-BE49-F238E27FC236}">
                 <a16:creationId xmlns:a16="http://schemas.microsoft.com/office/drawing/2014/main" id="{9A427828-D35C-4A1B-BB82-EB89CBD8AEFD}"/>
               </a:ext>
             </a:extLst>
@@ -4213,7 +6503,7 @@
 </p:sld>
 </file>
 
-<file path=ppt/slides/slide11.xml><?xml version="1.0" encoding="utf-8"?>
+<file path=ppt/slides/slide21.xml><?xml version="1.0" encoding="utf-8"?>
 <p:sld xmlns:a="http://schemas.openxmlformats.org/drawingml/2006/main" xmlns:r="http://schemas.openxmlformats.org/officeDocument/2006/relationships" xmlns:p="http://schemas.openxmlformats.org/presentationml/2006/main">
   <p:cSld>
     <p:spTree>
@@ -4550,7 +6840,7 @@
 </p:sld>
 </file>
 
-<file path=ppt/slides/slide12.xml><?xml version="1.0" encoding="utf-8"?>
+<file path=ppt/slides/slide22.xml><?xml version="1.0" encoding="utf-8"?>
 <p:sld xmlns:a="http://schemas.openxmlformats.org/drawingml/2006/main" xmlns:r="http://schemas.openxmlformats.org/officeDocument/2006/relationships" xmlns:p="http://schemas.openxmlformats.org/presentationml/2006/main">
   <p:cSld>
     <p:spTree>
@@ -4683,7 +6973,7 @@
 </p:sld>
 </file>
 
-<file path=ppt/slides/slide13.xml><?xml version="1.0" encoding="utf-8"?>
+<file path=ppt/slides/slide23.xml><?xml version="1.0" encoding="utf-8"?>
 <p:sld xmlns:a="http://schemas.openxmlformats.org/drawingml/2006/main" xmlns:r="http://schemas.openxmlformats.org/officeDocument/2006/relationships" xmlns:p="http://schemas.openxmlformats.org/presentationml/2006/main">
   <p:cSld>
     <p:spTree>
@@ -4724,7 +7014,7 @@
             <a:pPr algn="ctr"/>
             <a:r>
               <a:rPr lang="en-US" dirty="0"/>
-              <a:t>Find Below More Info of Project	</a:t>
+              <a:t>Code Implementation 	</a:t>
             </a:r>
           </a:p>
         </p:txBody>
@@ -4828,123 +7118,6 @@
     <p:extLst>
       <p:ext uri="{BB962C8B-B14F-4D97-AF65-F5344CB8AC3E}">
         <p14:creationId xmlns:p14="http://schemas.microsoft.com/office/powerpoint/2010/main" val="204990474"/>
-      </p:ext>
-    </p:extLst>
-  </p:cSld>
-  <p:clrMapOvr>
-    <a:masterClrMapping/>
-  </p:clrMapOvr>
-</p:sld>
-</file>
-
-<file path=ppt/slides/slide2.xml><?xml version="1.0" encoding="utf-8"?>
-<p:sld xmlns:a="http://schemas.openxmlformats.org/drawingml/2006/main" xmlns:r="http://schemas.openxmlformats.org/officeDocument/2006/relationships" xmlns:p="http://schemas.openxmlformats.org/presentationml/2006/main">
-  <p:cSld>
-    <p:spTree>
-      <p:nvGrpSpPr>
-        <p:cNvPr id="1" name=""/>
-        <p:cNvGrpSpPr/>
-        <p:nvPr/>
-      </p:nvGrpSpPr>
-      <p:grpSpPr>
-        <a:xfrm>
-          <a:off x="0" y="0"/>
-          <a:ext cx="0" cy="0"/>
-          <a:chOff x="0" y="0"/>
-          <a:chExt cx="0" cy="0"/>
-        </a:xfrm>
-      </p:grpSpPr>
-      <p:sp>
-        <p:nvSpPr>
-          <p:cNvPr id="2" name="Title 1">
-            <a:extLst>
-              <a:ext uri="{FF2B5EF4-FFF2-40B4-BE49-F238E27FC236}">
-                <a16:creationId xmlns:a16="http://schemas.microsoft.com/office/drawing/2014/main" id="{3E497AFB-3B73-4D0D-B273-E45987E4B187}"/>
-              </a:ext>
-            </a:extLst>
-          </p:cNvPr>
-          <p:cNvSpPr>
-            <a:spLocks noGrp="1"/>
-          </p:cNvSpPr>
-          <p:nvPr>
-            <p:ph type="title"/>
-          </p:nvPr>
-        </p:nvSpPr>
-        <p:spPr>
-          <a:xfrm>
-            <a:off x="457200" y="594359"/>
-            <a:ext cx="3200400" cy="1214121"/>
-          </a:xfrm>
-        </p:spPr>
-        <p:txBody>
-          <a:bodyPr/>
-          <a:lstStyle/>
-          <a:p>
-            <a:r>
-              <a:rPr lang="en-IN" dirty="0"/>
-              <a:t>Goal And Target Audience	</a:t>
-            </a:r>
-          </a:p>
-        </p:txBody>
-      </p:sp>
-      <p:sp>
-        <p:nvSpPr>
-          <p:cNvPr id="3" name="Content Placeholder 2">
-            <a:extLst>
-              <a:ext uri="{FF2B5EF4-FFF2-40B4-BE49-F238E27FC236}">
-                <a16:creationId xmlns:a16="http://schemas.microsoft.com/office/drawing/2014/main" id="{4037AF95-C88F-4F23-93DF-067C298FBBEB}"/>
-              </a:ext>
-            </a:extLst>
-          </p:cNvPr>
-          <p:cNvSpPr>
-            <a:spLocks noGrp="1"/>
-          </p:cNvSpPr>
-          <p:nvPr>
-            <p:ph idx="1"/>
-          </p:nvPr>
-        </p:nvSpPr>
-        <p:spPr/>
-        <p:txBody>
-          <a:bodyPr/>
-          <a:lstStyle/>
-          <a:p>
-            <a:endParaRPr lang="en-US" dirty="0"/>
-          </a:p>
-          <a:p>
-            <a:r>
-              <a:rPr lang="en-US" dirty="0"/>
-              <a:t>Q. What is the problem you want to solve?</a:t>
-            </a:r>
-          </a:p>
-          <a:p>
-            <a:r>
-              <a:rPr lang="en-IN" dirty="0"/>
-              <a:t>Goal of Project is </a:t>
-            </a:r>
-            <a:r>
-              <a:rPr lang="en-US" dirty="0"/>
-              <a:t>detection of malaria cell-images using Deep Neural Network.</a:t>
-            </a:r>
-          </a:p>
-          <a:p>
-            <a:r>
-              <a:rPr lang="en-US" dirty="0"/>
-              <a:t>Q. Who is your client and why do they care about this    problem? </a:t>
-            </a:r>
-          </a:p>
-          <a:p>
-            <a:r>
-              <a:rPr lang="en-US" dirty="0"/>
-              <a:t>It can be used by Medical Staff as Lab Technician or Help Doctors. And world care about this because…… </a:t>
-            </a:r>
-            <a:endParaRPr lang="en-IN" dirty="0"/>
-          </a:p>
-        </p:txBody>
-      </p:sp>
-    </p:spTree>
-    <p:extLst>
-      <p:ext uri="{BB962C8B-B14F-4D97-AF65-F5344CB8AC3E}">
-        <p14:creationId xmlns:p14="http://schemas.microsoft.com/office/powerpoint/2010/main" val="1072704835"/>
       </p:ext>
     </p:extLst>
   </p:cSld>
@@ -6055,14 +8228,6 @@
             </a:r>
           </a:p>
           <a:p>
-            <a:endParaRPr lang="en-US" dirty="0">
-              <a:solidFill>
-                <a:srgbClr val="222222"/>
-              </a:solidFill>
-              <a:latin typeface="Verdana" panose="020B0604030504040204" pitchFamily="34" charset="0"/>
-            </a:endParaRPr>
-          </a:p>
-          <a:p>
             <a:r>
               <a:rPr lang="en-US" dirty="0">
                 <a:solidFill>
@@ -6100,6 +8265,9 @@
               <a:rPr lang="en-US" dirty="0"/>
               <a:t>Preprocessing also contain splitting the data into train and test set.</a:t>
             </a:r>
+          </a:p>
+          <a:p>
+            <a:endParaRPr lang="en-US" dirty="0"/>
           </a:p>
           <a:p>
             <a:endParaRPr lang="en-US" dirty="0"/>
@@ -6153,7 +8321,7 @@
           <p:cNvPr id="2" name="Title 1">
             <a:extLst>
               <a:ext uri="{FF2B5EF4-FFF2-40B4-BE49-F238E27FC236}">
-                <a16:creationId xmlns:a16="http://schemas.microsoft.com/office/drawing/2014/main" id="{AEC7717B-5917-47CE-A648-ADE1E6B318F2}"/>
+                <a16:creationId xmlns:a16="http://schemas.microsoft.com/office/drawing/2014/main" id="{5D1AB8DC-4301-45B7-810C-82F7A41DF62D}"/>
               </a:ext>
             </a:extLst>
           </p:cNvPr>
@@ -6170,68 +8338,87 @@
           <a:lstStyle/>
           <a:p>
             <a:r>
-              <a:rPr lang="en-IN" dirty="0"/>
-              <a:t>Build Train and Fit Model</a:t>
-            </a:r>
-          </a:p>
-        </p:txBody>
-      </p:sp>
-      <p:sp>
-        <p:nvSpPr>
-          <p:cNvPr id="3" name="Content Placeholder 2">
+              <a:rPr lang="en-US" dirty="0"/>
+              <a:t>Preprocessed Gray Scale Images</a:t>
+            </a:r>
+            <a:endParaRPr lang="en-IN" dirty="0"/>
+          </a:p>
+        </p:txBody>
+      </p:sp>
+      <p:pic>
+        <p:nvPicPr>
+          <p:cNvPr id="6" name="Content Placeholder 5">
             <a:extLst>
               <a:ext uri="{FF2B5EF4-FFF2-40B4-BE49-F238E27FC236}">
-                <a16:creationId xmlns:a16="http://schemas.microsoft.com/office/drawing/2014/main" id="{33B5E152-48EC-4319-8E4A-B8AA0A73C1A8}"/>
+                <a16:creationId xmlns:a16="http://schemas.microsoft.com/office/drawing/2014/main" id="{BA2869F1-1057-4A8D-82C3-EB280CD08F56}"/>
               </a:ext>
             </a:extLst>
           </p:cNvPr>
-          <p:cNvSpPr>
-            <a:spLocks noGrp="1"/>
-          </p:cNvSpPr>
+          <p:cNvPicPr>
+            <a:picLocks noGrp="1" noChangeAspect="1"/>
+          </p:cNvPicPr>
           <p:nvPr>
             <p:ph idx="1"/>
           </p:nvPr>
+        </p:nvPicPr>
+        <p:blipFill>
+          <a:blip r:embed="rId2">
+            <a:extLst>
+              <a:ext uri="{28A0092B-C50C-407E-A947-70E740481C1C}">
+                <a14:useLocalDpi xmlns:a14="http://schemas.microsoft.com/office/drawing/2010/main" val="0"/>
+              </a:ext>
+            </a:extLst>
+          </a:blip>
+          <a:stretch>
+            <a:fillRect/>
+          </a:stretch>
+        </p:blipFill>
+        <p:spPr>
+          <a:xfrm>
+            <a:off x="5395046" y="1581313"/>
+            <a:ext cx="6362471" cy="4269071"/>
+          </a:xfrm>
+        </p:spPr>
+      </p:pic>
+      <p:sp>
+        <p:nvSpPr>
+          <p:cNvPr id="4" name="Text Placeholder 3">
+            <a:extLst>
+              <a:ext uri="{FF2B5EF4-FFF2-40B4-BE49-F238E27FC236}">
+                <a16:creationId xmlns:a16="http://schemas.microsoft.com/office/drawing/2014/main" id="{7F2A5CDB-2489-4AC1-9158-25CB094FFCF7}"/>
+              </a:ext>
+            </a:extLst>
+          </p:cNvPr>
+          <p:cNvSpPr>
+            <a:spLocks noGrp="1"/>
+          </p:cNvSpPr>
+          <p:nvPr>
+            <p:ph type="body" sz="half" idx="2"/>
+          </p:nvPr>
         </p:nvSpPr>
         <p:spPr/>
         <p:txBody>
           <a:bodyPr/>
           <a:lstStyle/>
           <a:p>
+            <a:r>
+              <a:rPr lang="en-US" dirty="0"/>
+              <a:t>	</a:t>
+            </a:r>
+          </a:p>
+          <a:p>
+            <a:r>
+              <a:rPr lang="en-US" dirty="0"/>
+              <a:t>Sample after converted to Gray Scale Images </a:t>
+            </a:r>
             <a:endParaRPr lang="en-IN" dirty="0"/>
-          </a:p>
-          <a:p>
-            <a:r>
-              <a:rPr lang="en-IN" dirty="0"/>
-              <a:t>Define the model that will take input as pre-processed data [ input layers ]</a:t>
-            </a:r>
-          </a:p>
-          <a:p>
-            <a:r>
-              <a:rPr lang="en-IN" dirty="0"/>
-              <a:t>Add Convu Layers Pooling Layers &amp; Fully connected Layers into the model.</a:t>
-            </a:r>
-          </a:p>
-          <a:p>
-            <a:r>
-              <a:rPr lang="en-IN" dirty="0"/>
-              <a:t>Solve classification problem by adding Softmax Layers and generate output .</a:t>
-            </a:r>
-          </a:p>
-          <a:p>
-            <a:endParaRPr lang="en-IN" dirty="0"/>
-          </a:p>
-          <a:p>
-            <a:r>
-              <a:rPr lang="en-IN" dirty="0"/>
-              <a:t>Use Train data to train and Fit model.</a:t>
-            </a:r>
           </a:p>
         </p:txBody>
       </p:sp>
     </p:spTree>
     <p:extLst>
       <p:ext uri="{BB962C8B-B14F-4D97-AF65-F5344CB8AC3E}">
-        <p14:creationId xmlns:p14="http://schemas.microsoft.com/office/powerpoint/2010/main" val="2369557715"/>
+        <p14:creationId xmlns:p14="http://schemas.microsoft.com/office/powerpoint/2010/main" val="2497254141"/>
       </p:ext>
     </p:extLst>
   </p:cSld>
